--- a/AC_remote[1].pptx
+++ b/AC_remote[1].pptx
@@ -1,30 +1,31 @@
 
 <file path=ppt/presentation.xml><?xml version="1.0" encoding="utf-8"?>
-<p:presentation xmlns:a="http://schemas.openxmlformats.org/drawingml/2006/main" xmlns:r="http://schemas.openxmlformats.org/officeDocument/2006/relationships" xmlns:p="http://schemas.openxmlformats.org/presentationml/2006/main" saveSubsetFonts="1">
+<p:presentation xmlns:a="http://schemas.openxmlformats.org/drawingml/2006/main" xmlns:r="http://schemas.openxmlformats.org/officeDocument/2006/relationships" xmlns:p="http://schemas.openxmlformats.org/presentationml/2006/main">
   <p:sldMasterIdLst>
-    <p:sldMasterId id="2147483674" r:id="rId1"/>
-    <p:sldMasterId id="2147483702" r:id="rId2"/>
-    <p:sldMasterId id="2147483686" r:id="rId3"/>
+    <p:sldMasterId id="2147483648" r:id="rId1"/>
+    <p:sldMasterId id="2147483661" r:id="rId3"/>
+    <p:sldMasterId id="2147483675" r:id="rId4"/>
   </p:sldMasterIdLst>
   <p:notesMasterIdLst>
-    <p:notesMasterId r:id="rId16"/>
+    <p:notesMasterId r:id="rId18"/>
   </p:notesMasterIdLst>
   <p:handoutMasterIdLst>
-    <p:handoutMasterId r:id="rId17"/>
+    <p:handoutMasterId r:id="rId19"/>
   </p:handoutMasterIdLst>
   <p:sldIdLst>
-    <p:sldId id="277" r:id="rId4"/>
-    <p:sldId id="407" r:id="rId5"/>
-    <p:sldId id="400" r:id="rId6"/>
-    <p:sldId id="408" r:id="rId7"/>
-    <p:sldId id="402" r:id="rId8"/>
-    <p:sldId id="416" r:id="rId9"/>
-    <p:sldId id="403" r:id="rId10"/>
-    <p:sldId id="414" r:id="rId11"/>
-    <p:sldId id="413" r:id="rId12"/>
-    <p:sldId id="417" r:id="rId13"/>
-    <p:sldId id="401" r:id="rId14"/>
-    <p:sldId id="405" r:id="rId15"/>
+    <p:sldId id="277" r:id="rId5"/>
+    <p:sldId id="407" r:id="rId6"/>
+    <p:sldId id="400" r:id="rId7"/>
+    <p:sldId id="418" r:id="rId8"/>
+    <p:sldId id="408" r:id="rId9"/>
+    <p:sldId id="402" r:id="rId10"/>
+    <p:sldId id="416" r:id="rId11"/>
+    <p:sldId id="403" r:id="rId12"/>
+    <p:sldId id="414" r:id="rId13"/>
+    <p:sldId id="413" r:id="rId14"/>
+    <p:sldId id="417" r:id="rId15"/>
+    <p:sldId id="401" r:id="rId16"/>
+    <p:sldId id="405" r:id="rId17"/>
   </p:sldIdLst>
   <p:sldSz cx="12192000" cy="6858000"/>
   <p:notesSz cx="6858000" cy="9144000"/>
@@ -126,42 +127,20 @@
   <p:extLst>
     <p:ext uri="{EFAFB233-063F-42B5-8137-9DF3F51BA10A}">
       <p15:sldGuideLst xmlns:p15="http://schemas.microsoft.com/office/powerpoint/2012/main">
-        <p15:guide id="1" orient="horz" pos="2160">
+        <p15:guide id="1" orient="horz" pos="2160" userDrawn="1">
           <p15:clr>
             <a:srgbClr val="A4A3A4"/>
           </p15:clr>
         </p15:guide>
-        <p15:guide id="2" pos="3840">
+        <p15:guide id="2" pos="3840" userDrawn="1">
           <p15:clr>
             <a:srgbClr val="A4A3A4"/>
           </p15:clr>
         </p15:guide>
       </p15:sldGuideLst>
     </p:ext>
-    <p:ext uri="{2D200454-40CA-4A62-9FC3-DE9A4176ACB9}">
-      <p15:notesGuideLst xmlns:p15="http://schemas.microsoft.com/office/powerpoint/2012/main">
-        <p15:guide id="1" orient="horz" pos="2880">
-          <p15:clr>
-            <a:srgbClr val="A4A3A4"/>
-          </p15:clr>
-        </p15:guide>
-        <p15:guide id="2" pos="2160">
-          <p15:clr>
-            <a:srgbClr val="A4A3A4"/>
-          </p15:clr>
-        </p15:guide>
-      </p15:notesGuideLst>
-    </p:ext>
   </p:extLst>
 </p:presentation>
-</file>
-
-<file path=ppt/revisionInfo.xml><?xml version="1.0" encoding="utf-8"?>
-<p1510:revInfo xmlns:a="http://schemas.openxmlformats.org/drawingml/2006/main" xmlns:r="http://schemas.openxmlformats.org/officeDocument/2006/relationships" xmlns:p1510="http://schemas.microsoft.com/office/powerpoint/2015/10/main">
-  <p1510:revLst>
-    <p1510:client id="{F28564CF-6B80-277F-127C-2C4E3A064A9D}" v="399" dt="2025-03-03T17:05:09.969"/>
-  </p1510:revLst>
-</p1510:revInfo>
 </file>
 
 <file path=ppt/handoutMasters/handoutMaster1.xml><?xml version="1.0" encoding="utf-8"?>
@@ -246,8 +225,6 @@
           <a:p>
             <a:fld id="{92CDA8E9-9948-4BC7-A1DE-415AE6D34228}" type="datetimeFigureOut">
               <a:rPr lang="en-US" smtClean="0"/>
-              <a:pPr/>
-              <a:t>3/3/2025</a:t>
             </a:fld>
             <a:endParaRPr lang="en-US"/>
           </a:p>
@@ -313,19 +290,12 @@
           <a:p>
             <a:fld id="{09B5F544-A886-482E-AF73-1D6364AAC657}" type="slidenum">
               <a:rPr lang="en-US" smtClean="0"/>
-              <a:pPr/>
-              <a:t>‹#›</a:t>
             </a:fld>
             <a:endParaRPr lang="en-US"/>
           </a:p>
         </p:txBody>
       </p:sp>
     </p:spTree>
-    <p:extLst>
-      <p:ext uri="{BB962C8B-B14F-4D97-AF65-F5344CB8AC3E}">
-        <p14:creationId xmlns:p14="http://schemas.microsoft.com/office/powerpoint/2010/main" val="2251919614"/>
-      </p:ext>
-    </p:extLst>
   </p:cSld>
   <p:clrMap bg1="lt1" tx1="dk1" bg2="lt2" tx2="dk2" accent1="accent1" accent2="accent2" accent3="accent3" accent4="accent4" accent5="accent5" accent6="accent6" hlink="hlink" folHlink="folHlink"/>
   <p:hf hdr="0" ftr="0" dt="0"/>
@@ -414,8 +384,6 @@
           <a:p>
             <a:fld id="{95A4AE53-78AB-4E30-A376-70F5FA87A326}" type="datetimeFigureOut">
               <a:rPr lang="en-US" smtClean="0"/>
-              <a:pPr/>
-              <a:t>3/3/2025</a:t>
             </a:fld>
             <a:endParaRPr lang="en-US"/>
           </a:p>
@@ -482,6 +450,7 @@
               <a:rPr lang="en-US"/>
               <a:t>Click to edit Master text styles</a:t>
             </a:r>
+            <a:endParaRPr lang="en-US"/>
           </a:p>
           <a:p>
             <a:pPr lvl="1"/>
@@ -489,6 +458,7 @@
               <a:rPr lang="en-US"/>
               <a:t>Second level</a:t>
             </a:r>
+            <a:endParaRPr lang="en-US"/>
           </a:p>
           <a:p>
             <a:pPr lvl="2"/>
@@ -496,6 +466,7 @@
               <a:rPr lang="en-US"/>
               <a:t>Third level</a:t>
             </a:r>
+            <a:endParaRPr lang="en-US"/>
           </a:p>
           <a:p>
             <a:pPr lvl="3"/>
@@ -503,6 +474,7 @@
               <a:rPr lang="en-US"/>
               <a:t>Fourth level</a:t>
             </a:r>
+            <a:endParaRPr lang="en-US"/>
           </a:p>
           <a:p>
             <a:pPr lvl="4"/>
@@ -510,6 +482,7 @@
               <a:rPr lang="en-US"/>
               <a:t>Fifth level</a:t>
             </a:r>
+            <a:endParaRPr lang="en-US"/>
           </a:p>
         </p:txBody>
       </p:sp>
@@ -573,19 +546,12 @@
           <a:p>
             <a:fld id="{60732FBC-CC67-4B17-8935-02F23E3364AC}" type="slidenum">
               <a:rPr lang="en-US" smtClean="0"/>
-              <a:pPr/>
-              <a:t>‹#›</a:t>
             </a:fld>
             <a:endParaRPr lang="en-US"/>
           </a:p>
         </p:txBody>
       </p:sp>
     </p:spTree>
-    <p:extLst>
-      <p:ext uri="{BB962C8B-B14F-4D97-AF65-F5344CB8AC3E}">
-        <p14:creationId xmlns:p14="http://schemas.microsoft.com/office/powerpoint/2010/main" val="2540555822"/>
-      </p:ext>
-    </p:extLst>
   </p:cSld>
   <p:clrMap bg1="lt1" tx1="dk1" bg2="lt2" tx2="dk2" accent1="accent1" accent2="accent2" accent3="accent3" accent4="accent4" accent5="accent5" accent6="accent6" hlink="hlink" folHlink="folHlink"/>
   <p:hf hdr="0" ftr="0" dt="0"/>
@@ -729,6 +695,7 @@
               <a:rPr lang="en-US"/>
               <a:t>Click to edit Master title style</a:t>
             </a:r>
+            <a:endParaRPr lang="en-US"/>
           </a:p>
         </p:txBody>
       </p:sp>
@@ -793,6 +760,7 @@
               <a:rPr lang="en-US"/>
               <a:t>Click to edit Master subtitle style</a:t>
             </a:r>
+            <a:endParaRPr lang="en-US"/>
           </a:p>
         </p:txBody>
       </p:sp>
@@ -851,19 +819,12 @@
           <a:p>
             <a:fld id="{BDCDBBEF-AA6C-4BA6-85B2-A17D7F280E38}" type="slidenum">
               <a:rPr lang="en-US" smtClean="0"/>
-              <a:pPr/>
-              <a:t>‹#›</a:t>
             </a:fld>
             <a:endParaRPr lang="en-US"/>
           </a:p>
         </p:txBody>
       </p:sp>
     </p:spTree>
-    <p:extLst>
-      <p:ext uri="{BB962C8B-B14F-4D97-AF65-F5344CB8AC3E}">
-        <p14:creationId xmlns:p14="http://schemas.microsoft.com/office/powerpoint/2010/main" val="372219752"/>
-      </p:ext>
-    </p:extLst>
   </p:cSld>
   <p:clrMapOvr>
     <a:masterClrMapping/>
@@ -907,6 +868,7 @@
               <a:rPr lang="en-US"/>
               <a:t>Click to edit Master title style</a:t>
             </a:r>
+            <a:endParaRPr lang="en-US"/>
           </a:p>
         </p:txBody>
       </p:sp>
@@ -930,6 +892,7 @@
               <a:rPr lang="en-US"/>
               <a:t>Click to edit Master text styles</a:t>
             </a:r>
+            <a:endParaRPr lang="en-US"/>
           </a:p>
           <a:p>
             <a:pPr lvl="1"/>
@@ -937,6 +900,7 @@
               <a:rPr lang="en-US"/>
               <a:t>Second level</a:t>
             </a:r>
+            <a:endParaRPr lang="en-US"/>
           </a:p>
           <a:p>
             <a:pPr lvl="2"/>
@@ -944,6 +908,7 @@
               <a:rPr lang="en-US"/>
               <a:t>Third level</a:t>
             </a:r>
+            <a:endParaRPr lang="en-US"/>
           </a:p>
           <a:p>
             <a:pPr lvl="3"/>
@@ -951,6 +916,7 @@
               <a:rPr lang="en-US"/>
               <a:t>Fourth level</a:t>
             </a:r>
+            <a:endParaRPr lang="en-US"/>
           </a:p>
           <a:p>
             <a:pPr lvl="4"/>
@@ -958,6 +924,7 @@
               <a:rPr lang="en-US"/>
               <a:t>Fifth level</a:t>
             </a:r>
+            <a:endParaRPr lang="en-US"/>
           </a:p>
         </p:txBody>
       </p:sp>
@@ -1016,19 +983,12 @@
           <a:p>
             <a:fld id="{BDCDBBEF-AA6C-4BA6-85B2-A17D7F280E38}" type="slidenum">
               <a:rPr lang="en-US" smtClean="0"/>
-              <a:pPr/>
-              <a:t>‹#›</a:t>
             </a:fld>
             <a:endParaRPr lang="en-US"/>
           </a:p>
         </p:txBody>
       </p:sp>
     </p:spTree>
-    <p:extLst>
-      <p:ext uri="{BB962C8B-B14F-4D97-AF65-F5344CB8AC3E}">
-        <p14:creationId xmlns:p14="http://schemas.microsoft.com/office/powerpoint/2010/main" val="4050815767"/>
-      </p:ext>
-    </p:extLst>
   </p:cSld>
   <p:clrMapOvr>
     <a:masterClrMapping/>
@@ -1077,6 +1037,7 @@
               <a:rPr lang="en-US"/>
               <a:t>Click to edit Master title style</a:t>
             </a:r>
+            <a:endParaRPr lang="en-US"/>
           </a:p>
         </p:txBody>
       </p:sp>
@@ -1105,6 +1066,7 @@
               <a:rPr lang="en-US"/>
               <a:t>Click to edit Master text styles</a:t>
             </a:r>
+            <a:endParaRPr lang="en-US"/>
           </a:p>
           <a:p>
             <a:pPr lvl="1"/>
@@ -1112,6 +1074,7 @@
               <a:rPr lang="en-US"/>
               <a:t>Second level</a:t>
             </a:r>
+            <a:endParaRPr lang="en-US"/>
           </a:p>
           <a:p>
             <a:pPr lvl="2"/>
@@ -1119,6 +1082,7 @@
               <a:rPr lang="en-US"/>
               <a:t>Third level</a:t>
             </a:r>
+            <a:endParaRPr lang="en-US"/>
           </a:p>
           <a:p>
             <a:pPr lvl="3"/>
@@ -1126,6 +1090,7 @@
               <a:rPr lang="en-US"/>
               <a:t>Fourth level</a:t>
             </a:r>
+            <a:endParaRPr lang="en-US"/>
           </a:p>
           <a:p>
             <a:pPr lvl="4"/>
@@ -1133,6 +1098,7 @@
               <a:rPr lang="en-US"/>
               <a:t>Fifth level</a:t>
             </a:r>
+            <a:endParaRPr lang="en-US"/>
           </a:p>
         </p:txBody>
       </p:sp>
@@ -1191,19 +1157,12 @@
           <a:p>
             <a:fld id="{BDCDBBEF-AA6C-4BA6-85B2-A17D7F280E38}" type="slidenum">
               <a:rPr lang="en-US" smtClean="0"/>
-              <a:pPr/>
-              <a:t>‹#›</a:t>
             </a:fld>
             <a:endParaRPr lang="en-US"/>
           </a:p>
         </p:txBody>
       </p:sp>
     </p:spTree>
-    <p:extLst>
-      <p:ext uri="{BB962C8B-B14F-4D97-AF65-F5344CB8AC3E}">
-        <p14:creationId xmlns:p14="http://schemas.microsoft.com/office/powerpoint/2010/main" val="2134494165"/>
-      </p:ext>
-    </p:extLst>
   </p:cSld>
   <p:clrMapOvr>
     <a:masterClrMapping/>
@@ -1308,43 +1267,43 @@
               <a:gd name="connsiteY3" fmla="*/ 4133850 h 4133850"/>
               <a:gd name="connsiteX4" fmla="*/ 0 w 12192000"/>
               <a:gd name="connsiteY4" fmla="*/ 0 h 4133850"/>
-              <a:gd name="connsiteX0" fmla="*/ 19050 w 12211050"/>
-              <a:gd name="connsiteY0" fmla="*/ 0 h 4133850"/>
-              <a:gd name="connsiteX1" fmla="*/ 12211050 w 12211050"/>
-              <a:gd name="connsiteY1" fmla="*/ 0 h 4133850"/>
-              <a:gd name="connsiteX2" fmla="*/ 12211050 w 12211050"/>
-              <a:gd name="connsiteY2" fmla="*/ 4133850 h 4133850"/>
-              <a:gd name="connsiteX3" fmla="*/ 0 w 12211050"/>
-              <a:gd name="connsiteY3" fmla="*/ 3219450 h 4133850"/>
-              <a:gd name="connsiteX4" fmla="*/ 19050 w 12211050"/>
-              <a:gd name="connsiteY4" fmla="*/ 0 h 4133850"/>
-              <a:gd name="connsiteX0" fmla="*/ 19050 w 12211050"/>
-              <a:gd name="connsiteY0" fmla="*/ 0 h 4438650"/>
-              <a:gd name="connsiteX1" fmla="*/ 12211050 w 12211050"/>
-              <a:gd name="connsiteY1" fmla="*/ 0 h 4438650"/>
-              <a:gd name="connsiteX2" fmla="*/ 12211050 w 12211050"/>
-              <a:gd name="connsiteY2" fmla="*/ 4438650 h 4438650"/>
-              <a:gd name="connsiteX3" fmla="*/ 0 w 12211050"/>
-              <a:gd name="connsiteY3" fmla="*/ 3219450 h 4438650"/>
-              <a:gd name="connsiteX4" fmla="*/ 19050 w 12211050"/>
-              <a:gd name="connsiteY4" fmla="*/ 0 h 4438650"/>
+              <a:gd name="connsiteX0-1" fmla="*/ 19050 w 12211050"/>
+              <a:gd name="connsiteY0-2" fmla="*/ 0 h 4133850"/>
+              <a:gd name="connsiteX1-3" fmla="*/ 12211050 w 12211050"/>
+              <a:gd name="connsiteY1-4" fmla="*/ 0 h 4133850"/>
+              <a:gd name="connsiteX2-5" fmla="*/ 12211050 w 12211050"/>
+              <a:gd name="connsiteY2-6" fmla="*/ 4133850 h 4133850"/>
+              <a:gd name="connsiteX3-7" fmla="*/ 0 w 12211050"/>
+              <a:gd name="connsiteY3-8" fmla="*/ 3219450 h 4133850"/>
+              <a:gd name="connsiteX4-9" fmla="*/ 19050 w 12211050"/>
+              <a:gd name="connsiteY4-10" fmla="*/ 0 h 4133850"/>
+              <a:gd name="connsiteX0-11" fmla="*/ 19050 w 12211050"/>
+              <a:gd name="connsiteY0-12" fmla="*/ 0 h 4438650"/>
+              <a:gd name="connsiteX1-13" fmla="*/ 12211050 w 12211050"/>
+              <a:gd name="connsiteY1-14" fmla="*/ 0 h 4438650"/>
+              <a:gd name="connsiteX2-15" fmla="*/ 12211050 w 12211050"/>
+              <a:gd name="connsiteY2-16" fmla="*/ 4438650 h 4438650"/>
+              <a:gd name="connsiteX3-17" fmla="*/ 0 w 12211050"/>
+              <a:gd name="connsiteY3-18" fmla="*/ 3219450 h 4438650"/>
+              <a:gd name="connsiteX4-19" fmla="*/ 19050 w 12211050"/>
+              <a:gd name="connsiteY4-20" fmla="*/ 0 h 4438650"/>
             </a:gdLst>
             <a:ahLst/>
             <a:cxnLst>
               <a:cxn ang="0">
-                <a:pos x="connsiteX0" y="connsiteY0"/>
+                <a:pos x="connsiteX0-1" y="connsiteY0-2"/>
               </a:cxn>
               <a:cxn ang="0">
-                <a:pos x="connsiteX1" y="connsiteY1"/>
+                <a:pos x="connsiteX1-3" y="connsiteY1-4"/>
               </a:cxn>
               <a:cxn ang="0">
-                <a:pos x="connsiteX2" y="connsiteY2"/>
+                <a:pos x="connsiteX2-5" y="connsiteY2-6"/>
               </a:cxn>
               <a:cxn ang="0">
-                <a:pos x="connsiteX3" y="connsiteY3"/>
+                <a:pos x="connsiteX3-7" y="connsiteY3-8"/>
               </a:cxn>
               <a:cxn ang="0">
-                <a:pos x="connsiteX4" y="connsiteY4"/>
+                <a:pos x="connsiteX4-9" y="connsiteY4-10"/>
               </a:cxn>
             </a:cxnLst>
             <a:rect l="l" t="t" r="r" b="b"/>
@@ -1494,11 +1453,6 @@
         </p:txBody>
       </p:sp>
     </p:spTree>
-    <p:extLst>
-      <p:ext uri="{BB962C8B-B14F-4D97-AF65-F5344CB8AC3E}">
-        <p14:creationId xmlns:p14="http://schemas.microsoft.com/office/powerpoint/2010/main" val="3974081683"/>
-      </p:ext>
-    </p:extLst>
   </p:cSld>
   <p:clrMapOvr>
     <a:masterClrMapping/>
@@ -1551,6 +1505,7 @@
               <a:rPr lang="en-US"/>
               <a:t>Click to edit Master title style</a:t>
             </a:r>
+            <a:endParaRPr lang="en-US"/>
           </a:p>
         </p:txBody>
       </p:sp>
@@ -1615,6 +1570,7 @@
               <a:rPr lang="en-US"/>
               <a:t>Click to edit Master subtitle style</a:t>
             </a:r>
+            <a:endParaRPr lang="en-US"/>
           </a:p>
         </p:txBody>
       </p:sp>
@@ -1673,19 +1629,12 @@
           <a:p>
             <a:fld id="{BDCDBBEF-AA6C-4BA6-85B2-A17D7F280E38}" type="slidenum">
               <a:rPr lang="en-US" smtClean="0"/>
-              <a:pPr/>
-              <a:t>‹#›</a:t>
             </a:fld>
             <a:endParaRPr lang="en-US"/>
           </a:p>
         </p:txBody>
       </p:sp>
     </p:spTree>
-    <p:extLst>
-      <p:ext uri="{BB962C8B-B14F-4D97-AF65-F5344CB8AC3E}">
-        <p14:creationId xmlns:p14="http://schemas.microsoft.com/office/powerpoint/2010/main" val="372219752"/>
-      </p:ext>
-    </p:extLst>
   </p:cSld>
   <p:clrMapOvr>
     <a:masterClrMapping/>
@@ -1729,6 +1678,7 @@
               <a:rPr lang="en-US"/>
               <a:t>Click to edit Master title style</a:t>
             </a:r>
+            <a:endParaRPr lang="en-US"/>
           </a:p>
         </p:txBody>
       </p:sp>
@@ -1752,6 +1702,7 @@
               <a:rPr lang="en-US"/>
               <a:t>Click to edit Master text styles</a:t>
             </a:r>
+            <a:endParaRPr lang="en-US"/>
           </a:p>
           <a:p>
             <a:pPr lvl="1"/>
@@ -1759,6 +1710,7 @@
               <a:rPr lang="en-US"/>
               <a:t>Second level</a:t>
             </a:r>
+            <a:endParaRPr lang="en-US"/>
           </a:p>
           <a:p>
             <a:pPr lvl="2"/>
@@ -1766,6 +1718,7 @@
               <a:rPr lang="en-US"/>
               <a:t>Third level</a:t>
             </a:r>
+            <a:endParaRPr lang="en-US"/>
           </a:p>
           <a:p>
             <a:pPr lvl="3"/>
@@ -1773,6 +1726,7 @@
               <a:rPr lang="en-US"/>
               <a:t>Fourth level</a:t>
             </a:r>
+            <a:endParaRPr lang="en-US"/>
           </a:p>
           <a:p>
             <a:pPr lvl="4"/>
@@ -1780,6 +1734,7 @@
               <a:rPr lang="en-US"/>
               <a:t>Fifth level</a:t>
             </a:r>
+            <a:endParaRPr lang="en-US"/>
           </a:p>
         </p:txBody>
       </p:sp>
@@ -1838,19 +1793,12 @@
           <a:p>
             <a:fld id="{BDCDBBEF-AA6C-4BA6-85B2-A17D7F280E38}" type="slidenum">
               <a:rPr lang="en-US" smtClean="0"/>
-              <a:pPr/>
-              <a:t>‹#›</a:t>
             </a:fld>
             <a:endParaRPr lang="en-US"/>
           </a:p>
         </p:txBody>
       </p:sp>
     </p:spTree>
-    <p:extLst>
-      <p:ext uri="{BB962C8B-B14F-4D97-AF65-F5344CB8AC3E}">
-        <p14:creationId xmlns:p14="http://schemas.microsoft.com/office/powerpoint/2010/main" val="1451369527"/>
-      </p:ext>
-    </p:extLst>
   </p:cSld>
   <p:clrMapOvr>
     <a:masterClrMapping/>
@@ -1903,6 +1851,7 @@
               <a:rPr lang="en-US"/>
               <a:t>Click to edit Master title style</a:t>
             </a:r>
+            <a:endParaRPr lang="en-US"/>
           </a:p>
         </p:txBody>
       </p:sp>
@@ -2022,6 +1971,7 @@
               <a:rPr lang="en-US"/>
               <a:t>Click to edit Master text styles</a:t>
             </a:r>
+            <a:endParaRPr lang="en-US"/>
           </a:p>
         </p:txBody>
       </p:sp>
@@ -2080,19 +2030,12 @@
           <a:p>
             <a:fld id="{BDCDBBEF-AA6C-4BA6-85B2-A17D7F280E38}" type="slidenum">
               <a:rPr lang="en-US" smtClean="0"/>
-              <a:pPr/>
-              <a:t>‹#›</a:t>
             </a:fld>
             <a:endParaRPr lang="en-US"/>
           </a:p>
         </p:txBody>
       </p:sp>
     </p:spTree>
-    <p:extLst>
-      <p:ext uri="{BB962C8B-B14F-4D97-AF65-F5344CB8AC3E}">
-        <p14:creationId xmlns:p14="http://schemas.microsoft.com/office/powerpoint/2010/main" val="411714345"/>
-      </p:ext>
-    </p:extLst>
   </p:cSld>
   <p:clrMapOvr>
     <a:masterClrMapping/>
@@ -2136,6 +2079,7 @@
               <a:rPr lang="en-US"/>
               <a:t>Click to edit Master title style</a:t>
             </a:r>
+            <a:endParaRPr lang="en-US"/>
           </a:p>
         </p:txBody>
       </p:sp>
@@ -2164,6 +2108,7 @@
               <a:rPr lang="en-US"/>
               <a:t>Click to edit Master text styles</a:t>
             </a:r>
+            <a:endParaRPr lang="en-US"/>
           </a:p>
           <a:p>
             <a:pPr lvl="1"/>
@@ -2171,6 +2116,7 @@
               <a:rPr lang="en-US"/>
               <a:t>Second level</a:t>
             </a:r>
+            <a:endParaRPr lang="en-US"/>
           </a:p>
           <a:p>
             <a:pPr lvl="2"/>
@@ -2178,6 +2124,7 @@
               <a:rPr lang="en-US"/>
               <a:t>Third level</a:t>
             </a:r>
+            <a:endParaRPr lang="en-US"/>
           </a:p>
           <a:p>
             <a:pPr lvl="3"/>
@@ -2185,6 +2132,7 @@
               <a:rPr lang="en-US"/>
               <a:t>Fourth level</a:t>
             </a:r>
+            <a:endParaRPr lang="en-US"/>
           </a:p>
           <a:p>
             <a:pPr lvl="4"/>
@@ -2192,6 +2140,7 @@
               <a:rPr lang="en-US"/>
               <a:t>Fifth level</a:t>
             </a:r>
+            <a:endParaRPr lang="en-US"/>
           </a:p>
         </p:txBody>
       </p:sp>
@@ -2220,6 +2169,7 @@
               <a:rPr lang="en-US"/>
               <a:t>Click to edit Master text styles</a:t>
             </a:r>
+            <a:endParaRPr lang="en-US"/>
           </a:p>
           <a:p>
             <a:pPr lvl="1"/>
@@ -2227,6 +2177,7 @@
               <a:rPr lang="en-US"/>
               <a:t>Second level</a:t>
             </a:r>
+            <a:endParaRPr lang="en-US"/>
           </a:p>
           <a:p>
             <a:pPr lvl="2"/>
@@ -2234,6 +2185,7 @@
               <a:rPr lang="en-US"/>
               <a:t>Third level</a:t>
             </a:r>
+            <a:endParaRPr lang="en-US"/>
           </a:p>
           <a:p>
             <a:pPr lvl="3"/>
@@ -2241,6 +2193,7 @@
               <a:rPr lang="en-US"/>
               <a:t>Fourth level</a:t>
             </a:r>
+            <a:endParaRPr lang="en-US"/>
           </a:p>
           <a:p>
             <a:pPr lvl="4"/>
@@ -2248,6 +2201,7 @@
               <a:rPr lang="en-US"/>
               <a:t>Fifth level</a:t>
             </a:r>
+            <a:endParaRPr lang="en-US"/>
           </a:p>
         </p:txBody>
       </p:sp>
@@ -2306,19 +2260,12 @@
           <a:p>
             <a:fld id="{BDCDBBEF-AA6C-4BA6-85B2-A17D7F280E38}" type="slidenum">
               <a:rPr lang="en-US" smtClean="0"/>
-              <a:pPr/>
-              <a:t>‹#›</a:t>
             </a:fld>
             <a:endParaRPr lang="en-US"/>
           </a:p>
         </p:txBody>
       </p:sp>
     </p:spTree>
-    <p:extLst>
-      <p:ext uri="{BB962C8B-B14F-4D97-AF65-F5344CB8AC3E}">
-        <p14:creationId xmlns:p14="http://schemas.microsoft.com/office/powerpoint/2010/main" val="1712201674"/>
-      </p:ext>
-    </p:extLst>
   </p:cSld>
   <p:clrMapOvr>
     <a:masterClrMapping/>
@@ -2367,6 +2314,7 @@
               <a:rPr lang="en-US"/>
               <a:t>Click to edit Master title style</a:t>
             </a:r>
+            <a:endParaRPr lang="en-US"/>
           </a:p>
         </p:txBody>
       </p:sp>
@@ -2432,6 +2380,7 @@
               <a:rPr lang="en-US"/>
               <a:t>Click to edit Master text styles</a:t>
             </a:r>
+            <a:endParaRPr lang="en-US"/>
           </a:p>
         </p:txBody>
       </p:sp>
@@ -2460,6 +2409,7 @@
               <a:rPr lang="en-US"/>
               <a:t>Click to edit Master text styles</a:t>
             </a:r>
+            <a:endParaRPr lang="en-US"/>
           </a:p>
           <a:p>
             <a:pPr lvl="1"/>
@@ -2467,6 +2417,7 @@
               <a:rPr lang="en-US"/>
               <a:t>Second level</a:t>
             </a:r>
+            <a:endParaRPr lang="en-US"/>
           </a:p>
           <a:p>
             <a:pPr lvl="2"/>
@@ -2474,6 +2425,7 @@
               <a:rPr lang="en-US"/>
               <a:t>Third level</a:t>
             </a:r>
+            <a:endParaRPr lang="en-US"/>
           </a:p>
           <a:p>
             <a:pPr lvl="3"/>
@@ -2481,6 +2433,7 @@
               <a:rPr lang="en-US"/>
               <a:t>Fourth level</a:t>
             </a:r>
+            <a:endParaRPr lang="en-US"/>
           </a:p>
           <a:p>
             <a:pPr lvl="4"/>
@@ -2488,6 +2441,7 @@
               <a:rPr lang="en-US"/>
               <a:t>Fifth level</a:t>
             </a:r>
+            <a:endParaRPr lang="en-US"/>
           </a:p>
         </p:txBody>
       </p:sp>
@@ -2553,6 +2507,7 @@
               <a:rPr lang="en-US"/>
               <a:t>Click to edit Master text styles</a:t>
             </a:r>
+            <a:endParaRPr lang="en-US"/>
           </a:p>
         </p:txBody>
       </p:sp>
@@ -2581,6 +2536,7 @@
               <a:rPr lang="en-US"/>
               <a:t>Click to edit Master text styles</a:t>
             </a:r>
+            <a:endParaRPr lang="en-US"/>
           </a:p>
           <a:p>
             <a:pPr lvl="1"/>
@@ -2588,6 +2544,7 @@
               <a:rPr lang="en-US"/>
               <a:t>Second level</a:t>
             </a:r>
+            <a:endParaRPr lang="en-US"/>
           </a:p>
           <a:p>
             <a:pPr lvl="2"/>
@@ -2595,6 +2552,7 @@
               <a:rPr lang="en-US"/>
               <a:t>Third level</a:t>
             </a:r>
+            <a:endParaRPr lang="en-US"/>
           </a:p>
           <a:p>
             <a:pPr lvl="3"/>
@@ -2602,6 +2560,7 @@
               <a:rPr lang="en-US"/>
               <a:t>Fourth level</a:t>
             </a:r>
+            <a:endParaRPr lang="en-US"/>
           </a:p>
           <a:p>
             <a:pPr lvl="4"/>
@@ -2609,6 +2568,7 @@
               <a:rPr lang="en-US"/>
               <a:t>Fifth level</a:t>
             </a:r>
+            <a:endParaRPr lang="en-US"/>
           </a:p>
         </p:txBody>
       </p:sp>
@@ -2667,19 +2627,12 @@
           <a:p>
             <a:fld id="{BDCDBBEF-AA6C-4BA6-85B2-A17D7F280E38}" type="slidenum">
               <a:rPr lang="en-US" smtClean="0"/>
-              <a:pPr/>
-              <a:t>‹#›</a:t>
             </a:fld>
             <a:endParaRPr lang="en-US"/>
           </a:p>
         </p:txBody>
       </p:sp>
     </p:spTree>
-    <p:extLst>
-      <p:ext uri="{BB962C8B-B14F-4D97-AF65-F5344CB8AC3E}">
-        <p14:creationId xmlns:p14="http://schemas.microsoft.com/office/powerpoint/2010/main" val="1801216958"/>
-      </p:ext>
-    </p:extLst>
   </p:cSld>
   <p:clrMapOvr>
     <a:masterClrMapping/>
@@ -2723,6 +2676,7 @@
               <a:rPr lang="en-US"/>
               <a:t>Click to edit Master title style</a:t>
             </a:r>
+            <a:endParaRPr lang="en-US"/>
           </a:p>
         </p:txBody>
       </p:sp>
@@ -2781,19 +2735,12 @@
           <a:p>
             <a:fld id="{BDCDBBEF-AA6C-4BA6-85B2-A17D7F280E38}" type="slidenum">
               <a:rPr lang="en-US" smtClean="0"/>
-              <a:pPr/>
-              <a:t>‹#›</a:t>
             </a:fld>
             <a:endParaRPr lang="en-US"/>
           </a:p>
         </p:txBody>
       </p:sp>
     </p:spTree>
-    <p:extLst>
-      <p:ext uri="{BB962C8B-B14F-4D97-AF65-F5344CB8AC3E}">
-        <p14:creationId xmlns:p14="http://schemas.microsoft.com/office/powerpoint/2010/main" val="881204126"/>
-      </p:ext>
-    </p:extLst>
   </p:cSld>
   <p:clrMapOvr>
     <a:masterClrMapping/>
@@ -2873,19 +2820,12 @@
           <a:p>
             <a:fld id="{BDCDBBEF-AA6C-4BA6-85B2-A17D7F280E38}" type="slidenum">
               <a:rPr lang="en-US" smtClean="0"/>
-              <a:pPr/>
-              <a:t>‹#›</a:t>
             </a:fld>
             <a:endParaRPr lang="en-US"/>
           </a:p>
         </p:txBody>
       </p:sp>
     </p:spTree>
-    <p:extLst>
-      <p:ext uri="{BB962C8B-B14F-4D97-AF65-F5344CB8AC3E}">
-        <p14:creationId xmlns:p14="http://schemas.microsoft.com/office/powerpoint/2010/main" val="278319332"/>
-      </p:ext>
-    </p:extLst>
   </p:cSld>
   <p:clrMapOvr>
     <a:masterClrMapping/>
@@ -2929,6 +2869,7 @@
               <a:rPr lang="en-US"/>
               <a:t>Click to edit Master title style</a:t>
             </a:r>
+            <a:endParaRPr lang="en-US"/>
           </a:p>
         </p:txBody>
       </p:sp>
@@ -2952,6 +2893,7 @@
               <a:rPr lang="en-US"/>
               <a:t>Click to edit Master text styles</a:t>
             </a:r>
+            <a:endParaRPr lang="en-US"/>
           </a:p>
           <a:p>
             <a:pPr lvl="1"/>
@@ -2959,6 +2901,7 @@
               <a:rPr lang="en-US"/>
               <a:t>Second level</a:t>
             </a:r>
+            <a:endParaRPr lang="en-US"/>
           </a:p>
           <a:p>
             <a:pPr lvl="2"/>
@@ -2966,6 +2909,7 @@
               <a:rPr lang="en-US"/>
               <a:t>Third level</a:t>
             </a:r>
+            <a:endParaRPr lang="en-US"/>
           </a:p>
           <a:p>
             <a:pPr lvl="3"/>
@@ -2973,6 +2917,7 @@
               <a:rPr lang="en-US"/>
               <a:t>Fourth level</a:t>
             </a:r>
+            <a:endParaRPr lang="en-US"/>
           </a:p>
           <a:p>
             <a:pPr lvl="4"/>
@@ -2980,6 +2925,7 @@
               <a:rPr lang="en-US"/>
               <a:t>Fifth level</a:t>
             </a:r>
+            <a:endParaRPr lang="en-US"/>
           </a:p>
         </p:txBody>
       </p:sp>
@@ -3038,19 +2984,12 @@
           <a:p>
             <a:fld id="{BDCDBBEF-AA6C-4BA6-85B2-A17D7F280E38}" type="slidenum">
               <a:rPr lang="en-US" smtClean="0"/>
-              <a:pPr/>
-              <a:t>‹#›</a:t>
             </a:fld>
             <a:endParaRPr lang="en-US"/>
           </a:p>
         </p:txBody>
       </p:sp>
     </p:spTree>
-    <p:extLst>
-      <p:ext uri="{BB962C8B-B14F-4D97-AF65-F5344CB8AC3E}">
-        <p14:creationId xmlns:p14="http://schemas.microsoft.com/office/powerpoint/2010/main" val="1451369527"/>
-      </p:ext>
-    </p:extLst>
   </p:cSld>
   <p:clrMapOvr>
     <a:masterClrMapping/>
@@ -3103,6 +3042,7 @@
               <a:rPr lang="en-US"/>
               <a:t>Click to edit Master title style</a:t>
             </a:r>
+            <a:endParaRPr lang="en-US"/>
           </a:p>
         </p:txBody>
       </p:sp>
@@ -3159,6 +3099,7 @@
               <a:rPr lang="en-US"/>
               <a:t>Click to edit Master text styles</a:t>
             </a:r>
+            <a:endParaRPr lang="en-US"/>
           </a:p>
           <a:p>
             <a:pPr lvl="1"/>
@@ -3166,6 +3107,7 @@
               <a:rPr lang="en-US"/>
               <a:t>Second level</a:t>
             </a:r>
+            <a:endParaRPr lang="en-US"/>
           </a:p>
           <a:p>
             <a:pPr lvl="2"/>
@@ -3173,6 +3115,7 @@
               <a:rPr lang="en-US"/>
               <a:t>Third level</a:t>
             </a:r>
+            <a:endParaRPr lang="en-US"/>
           </a:p>
           <a:p>
             <a:pPr lvl="3"/>
@@ -3180,6 +3123,7 @@
               <a:rPr lang="en-US"/>
               <a:t>Fourth level</a:t>
             </a:r>
+            <a:endParaRPr lang="en-US"/>
           </a:p>
           <a:p>
             <a:pPr lvl="4"/>
@@ -3187,6 +3131,7 @@
               <a:rPr lang="en-US"/>
               <a:t>Fifth level</a:t>
             </a:r>
+            <a:endParaRPr lang="en-US"/>
           </a:p>
         </p:txBody>
       </p:sp>
@@ -3252,6 +3197,7 @@
               <a:rPr lang="en-US"/>
               <a:t>Click to edit Master text styles</a:t>
             </a:r>
+            <a:endParaRPr lang="en-US"/>
           </a:p>
         </p:txBody>
       </p:sp>
@@ -3310,19 +3256,12 @@
           <a:p>
             <a:fld id="{BDCDBBEF-AA6C-4BA6-85B2-A17D7F280E38}" type="slidenum">
               <a:rPr lang="en-US" smtClean="0"/>
-              <a:pPr/>
-              <a:t>‹#›</a:t>
             </a:fld>
             <a:endParaRPr lang="en-US"/>
           </a:p>
         </p:txBody>
       </p:sp>
     </p:spTree>
-    <p:extLst>
-      <p:ext uri="{BB962C8B-B14F-4D97-AF65-F5344CB8AC3E}">
-        <p14:creationId xmlns:p14="http://schemas.microsoft.com/office/powerpoint/2010/main" val="2691860904"/>
-      </p:ext>
-    </p:extLst>
   </p:cSld>
   <p:clrMapOvr>
     <a:masterClrMapping/>
@@ -3375,6 +3314,7 @@
               <a:rPr lang="en-US"/>
               <a:t>Click to edit Master title style</a:t>
             </a:r>
+            <a:endParaRPr lang="en-US"/>
           </a:p>
         </p:txBody>
       </p:sp>
@@ -3439,6 +3379,7 @@
               <a:rPr lang="en-US"/>
               <a:t>Click icon to add picture</a:t>
             </a:r>
+            <a:endParaRPr lang="en-US"/>
           </a:p>
         </p:txBody>
       </p:sp>
@@ -3504,6 +3445,7 @@
               <a:rPr lang="en-US"/>
               <a:t>Click to edit Master text styles</a:t>
             </a:r>
+            <a:endParaRPr lang="en-US"/>
           </a:p>
         </p:txBody>
       </p:sp>
@@ -3562,19 +3504,12 @@
           <a:p>
             <a:fld id="{BDCDBBEF-AA6C-4BA6-85B2-A17D7F280E38}" type="slidenum">
               <a:rPr lang="en-US" smtClean="0"/>
-              <a:pPr/>
-              <a:t>‹#›</a:t>
             </a:fld>
             <a:endParaRPr lang="en-US"/>
           </a:p>
         </p:txBody>
       </p:sp>
     </p:spTree>
-    <p:extLst>
-      <p:ext uri="{BB962C8B-B14F-4D97-AF65-F5344CB8AC3E}">
-        <p14:creationId xmlns:p14="http://schemas.microsoft.com/office/powerpoint/2010/main" val="524762700"/>
-      </p:ext>
-    </p:extLst>
   </p:cSld>
   <p:clrMapOvr>
     <a:masterClrMapping/>
@@ -3618,6 +3553,7 @@
               <a:rPr lang="en-US"/>
               <a:t>Click to edit Master title style</a:t>
             </a:r>
+            <a:endParaRPr lang="en-US"/>
           </a:p>
         </p:txBody>
       </p:sp>
@@ -3641,6 +3577,7 @@
               <a:rPr lang="en-US"/>
               <a:t>Click to edit Master text styles</a:t>
             </a:r>
+            <a:endParaRPr lang="en-US"/>
           </a:p>
           <a:p>
             <a:pPr lvl="1"/>
@@ -3648,6 +3585,7 @@
               <a:rPr lang="en-US"/>
               <a:t>Second level</a:t>
             </a:r>
+            <a:endParaRPr lang="en-US"/>
           </a:p>
           <a:p>
             <a:pPr lvl="2"/>
@@ -3655,6 +3593,7 @@
               <a:rPr lang="en-US"/>
               <a:t>Third level</a:t>
             </a:r>
+            <a:endParaRPr lang="en-US"/>
           </a:p>
           <a:p>
             <a:pPr lvl="3"/>
@@ -3662,6 +3601,7 @@
               <a:rPr lang="en-US"/>
               <a:t>Fourth level</a:t>
             </a:r>
+            <a:endParaRPr lang="en-US"/>
           </a:p>
           <a:p>
             <a:pPr lvl="4"/>
@@ -3669,6 +3609,7 @@
               <a:rPr lang="en-US"/>
               <a:t>Fifth level</a:t>
             </a:r>
+            <a:endParaRPr lang="en-US"/>
           </a:p>
         </p:txBody>
       </p:sp>
@@ -3727,19 +3668,12 @@
           <a:p>
             <a:fld id="{BDCDBBEF-AA6C-4BA6-85B2-A17D7F280E38}" type="slidenum">
               <a:rPr lang="en-US" smtClean="0"/>
-              <a:pPr/>
-              <a:t>‹#›</a:t>
             </a:fld>
             <a:endParaRPr lang="en-US"/>
           </a:p>
         </p:txBody>
       </p:sp>
     </p:spTree>
-    <p:extLst>
-      <p:ext uri="{BB962C8B-B14F-4D97-AF65-F5344CB8AC3E}">
-        <p14:creationId xmlns:p14="http://schemas.microsoft.com/office/powerpoint/2010/main" val="4050815767"/>
-      </p:ext>
-    </p:extLst>
   </p:cSld>
   <p:clrMapOvr>
     <a:masterClrMapping/>
@@ -3788,6 +3722,7 @@
               <a:rPr lang="en-US"/>
               <a:t>Click to edit Master title style</a:t>
             </a:r>
+            <a:endParaRPr lang="en-US"/>
           </a:p>
         </p:txBody>
       </p:sp>
@@ -3816,6 +3751,7 @@
               <a:rPr lang="en-US"/>
               <a:t>Click to edit Master text styles</a:t>
             </a:r>
+            <a:endParaRPr lang="en-US"/>
           </a:p>
           <a:p>
             <a:pPr lvl="1"/>
@@ -3823,6 +3759,7 @@
               <a:rPr lang="en-US"/>
               <a:t>Second level</a:t>
             </a:r>
+            <a:endParaRPr lang="en-US"/>
           </a:p>
           <a:p>
             <a:pPr lvl="2"/>
@@ -3830,6 +3767,7 @@
               <a:rPr lang="en-US"/>
               <a:t>Third level</a:t>
             </a:r>
+            <a:endParaRPr lang="en-US"/>
           </a:p>
           <a:p>
             <a:pPr lvl="3"/>
@@ -3837,6 +3775,7 @@
               <a:rPr lang="en-US"/>
               <a:t>Fourth level</a:t>
             </a:r>
+            <a:endParaRPr lang="en-US"/>
           </a:p>
           <a:p>
             <a:pPr lvl="4"/>
@@ -3844,6 +3783,7 @@
               <a:rPr lang="en-US"/>
               <a:t>Fifth level</a:t>
             </a:r>
+            <a:endParaRPr lang="en-US"/>
           </a:p>
         </p:txBody>
       </p:sp>
@@ -3902,19 +3842,12 @@
           <a:p>
             <a:fld id="{BDCDBBEF-AA6C-4BA6-85B2-A17D7F280E38}" type="slidenum">
               <a:rPr lang="en-US" smtClean="0"/>
-              <a:pPr/>
-              <a:t>‹#›</a:t>
             </a:fld>
             <a:endParaRPr lang="en-US"/>
           </a:p>
         </p:txBody>
       </p:sp>
     </p:spTree>
-    <p:extLst>
-      <p:ext uri="{BB962C8B-B14F-4D97-AF65-F5344CB8AC3E}">
-        <p14:creationId xmlns:p14="http://schemas.microsoft.com/office/powerpoint/2010/main" val="2134494165"/>
-      </p:ext>
-    </p:extLst>
   </p:cSld>
   <p:clrMapOvr>
     <a:masterClrMapping/>
@@ -4019,43 +3952,43 @@
               <a:gd name="connsiteY3" fmla="*/ 4133850 h 4133850"/>
               <a:gd name="connsiteX4" fmla="*/ 0 w 12192000"/>
               <a:gd name="connsiteY4" fmla="*/ 0 h 4133850"/>
-              <a:gd name="connsiteX0" fmla="*/ 19050 w 12211050"/>
-              <a:gd name="connsiteY0" fmla="*/ 0 h 4133850"/>
-              <a:gd name="connsiteX1" fmla="*/ 12211050 w 12211050"/>
-              <a:gd name="connsiteY1" fmla="*/ 0 h 4133850"/>
-              <a:gd name="connsiteX2" fmla="*/ 12211050 w 12211050"/>
-              <a:gd name="connsiteY2" fmla="*/ 4133850 h 4133850"/>
-              <a:gd name="connsiteX3" fmla="*/ 0 w 12211050"/>
-              <a:gd name="connsiteY3" fmla="*/ 3219450 h 4133850"/>
-              <a:gd name="connsiteX4" fmla="*/ 19050 w 12211050"/>
-              <a:gd name="connsiteY4" fmla="*/ 0 h 4133850"/>
-              <a:gd name="connsiteX0" fmla="*/ 19050 w 12211050"/>
-              <a:gd name="connsiteY0" fmla="*/ 0 h 4438650"/>
-              <a:gd name="connsiteX1" fmla="*/ 12211050 w 12211050"/>
-              <a:gd name="connsiteY1" fmla="*/ 0 h 4438650"/>
-              <a:gd name="connsiteX2" fmla="*/ 12211050 w 12211050"/>
-              <a:gd name="connsiteY2" fmla="*/ 4438650 h 4438650"/>
-              <a:gd name="connsiteX3" fmla="*/ 0 w 12211050"/>
-              <a:gd name="connsiteY3" fmla="*/ 3219450 h 4438650"/>
-              <a:gd name="connsiteX4" fmla="*/ 19050 w 12211050"/>
-              <a:gd name="connsiteY4" fmla="*/ 0 h 4438650"/>
+              <a:gd name="connsiteX0-1" fmla="*/ 19050 w 12211050"/>
+              <a:gd name="connsiteY0-2" fmla="*/ 0 h 4133850"/>
+              <a:gd name="connsiteX1-3" fmla="*/ 12211050 w 12211050"/>
+              <a:gd name="connsiteY1-4" fmla="*/ 0 h 4133850"/>
+              <a:gd name="connsiteX2-5" fmla="*/ 12211050 w 12211050"/>
+              <a:gd name="connsiteY2-6" fmla="*/ 4133850 h 4133850"/>
+              <a:gd name="connsiteX3-7" fmla="*/ 0 w 12211050"/>
+              <a:gd name="connsiteY3-8" fmla="*/ 3219450 h 4133850"/>
+              <a:gd name="connsiteX4-9" fmla="*/ 19050 w 12211050"/>
+              <a:gd name="connsiteY4-10" fmla="*/ 0 h 4133850"/>
+              <a:gd name="connsiteX0-11" fmla="*/ 19050 w 12211050"/>
+              <a:gd name="connsiteY0-12" fmla="*/ 0 h 4438650"/>
+              <a:gd name="connsiteX1-13" fmla="*/ 12211050 w 12211050"/>
+              <a:gd name="connsiteY1-14" fmla="*/ 0 h 4438650"/>
+              <a:gd name="connsiteX2-15" fmla="*/ 12211050 w 12211050"/>
+              <a:gd name="connsiteY2-16" fmla="*/ 4438650 h 4438650"/>
+              <a:gd name="connsiteX3-17" fmla="*/ 0 w 12211050"/>
+              <a:gd name="connsiteY3-18" fmla="*/ 3219450 h 4438650"/>
+              <a:gd name="connsiteX4-19" fmla="*/ 19050 w 12211050"/>
+              <a:gd name="connsiteY4-20" fmla="*/ 0 h 4438650"/>
             </a:gdLst>
             <a:ahLst/>
             <a:cxnLst>
               <a:cxn ang="0">
-                <a:pos x="connsiteX0" y="connsiteY0"/>
+                <a:pos x="connsiteX0-1" y="connsiteY0-2"/>
               </a:cxn>
               <a:cxn ang="0">
-                <a:pos x="connsiteX1" y="connsiteY1"/>
+                <a:pos x="connsiteX1-3" y="connsiteY1-4"/>
               </a:cxn>
               <a:cxn ang="0">
-                <a:pos x="connsiteX2" y="connsiteY2"/>
+                <a:pos x="connsiteX2-5" y="connsiteY2-6"/>
               </a:cxn>
               <a:cxn ang="0">
-                <a:pos x="connsiteX3" y="connsiteY3"/>
+                <a:pos x="connsiteX3-7" y="connsiteY3-8"/>
               </a:cxn>
               <a:cxn ang="0">
-                <a:pos x="connsiteX4" y="connsiteY4"/>
+                <a:pos x="connsiteX4-9" y="connsiteY4-10"/>
               </a:cxn>
             </a:cxnLst>
             <a:rect l="l" t="t" r="r" b="b"/>
@@ -4205,11 +4138,6 @@
         </p:txBody>
       </p:sp>
     </p:spTree>
-    <p:extLst>
-      <p:ext uri="{BB962C8B-B14F-4D97-AF65-F5344CB8AC3E}">
-        <p14:creationId xmlns:p14="http://schemas.microsoft.com/office/powerpoint/2010/main" val="3974081683"/>
-      </p:ext>
-    </p:extLst>
   </p:cSld>
   <p:clrMapOvr>
     <a:masterClrMapping/>
@@ -4307,8 +4235,6 @@
                   </a:prstClr>
                 </a:solidFill>
               </a:rPr>
-              <a:pPr/>
-              <a:t>‹#›</a:t>
             </a:fld>
             <a:endParaRPr lang="en-US">
               <a:solidFill>
@@ -4321,11 +4247,6 @@
         </p:txBody>
       </p:sp>
     </p:spTree>
-    <p:extLst>
-      <p:ext uri="{BB962C8B-B14F-4D97-AF65-F5344CB8AC3E}">
-        <p14:creationId xmlns:p14="http://schemas.microsoft.com/office/powerpoint/2010/main" val="2106835372"/>
-      </p:ext>
-    </p:extLst>
   </p:cSld>
   <p:clrMapOvr>
     <a:masterClrMapping/>
@@ -4365,11 +4286,6 @@
         </a:xfrm>
       </p:grpSpPr>
     </p:spTree>
-    <p:extLst>
-      <p:ext uri="{BB962C8B-B14F-4D97-AF65-F5344CB8AC3E}">
-        <p14:creationId xmlns:p14="http://schemas.microsoft.com/office/powerpoint/2010/main" val="2533020432"/>
-      </p:ext>
-    </p:extLst>
   </p:cSld>
   <p:clrMapOvr>
     <a:masterClrMapping/>
@@ -4434,7 +4350,7 @@
               <a:buNone/>
               <a:defRPr sz="4800" b="0" baseline="0">
                 <a:latin typeface="+mj-lt"/>
-                <a:cs typeface="Arial" pitchFamily="34" charset="0"/>
+                <a:cs typeface="Arial" panose="020B0604020202090204" pitchFamily="34" charset="0"/>
               </a:defRPr>
             </a:lvl1pPr>
           </a:lstStyle>
@@ -4444,6 +4360,7 @@
               <a:rPr lang="en-US" altLang="ko-KR" dirty="0"/>
               <a:t>BASIC LAYOUT</a:t>
             </a:r>
+            <a:endParaRPr lang="en-US" altLang="ko-KR" dirty="0"/>
           </a:p>
         </p:txBody>
       </p:sp>
@@ -4471,9 +4388,9 @@
           <a:lstStyle>
             <a:lvl1pPr marL="0" indent="0" algn="ctr">
               <a:buNone/>
-              <a:defRPr sz="1867" b="0" baseline="0">
+              <a:defRPr sz="1865" b="0" baseline="0">
                 <a:latin typeface="+mn-lt"/>
-                <a:cs typeface="Arial" pitchFamily="34" charset="0"/>
+                <a:cs typeface="Arial" panose="020B0604020202090204" pitchFamily="34" charset="0"/>
               </a:defRPr>
             </a:lvl1pPr>
           </a:lstStyle>
@@ -4483,6 +4400,7 @@
               <a:rPr lang="en-US" altLang="ko-KR" dirty="0"/>
               <a:t>Insert the title of your subtitle Here</a:t>
             </a:r>
+            <a:endParaRPr lang="en-US" altLang="ko-KR" dirty="0"/>
           </a:p>
         </p:txBody>
       </p:sp>
@@ -4587,31 +4505,10 @@
         </p:txBody>
       </p:sp>
     </p:spTree>
-    <p:extLst>
-      <p:ext uri="{BB962C8B-B14F-4D97-AF65-F5344CB8AC3E}">
-        <p14:creationId xmlns:p14="http://schemas.microsoft.com/office/powerpoint/2010/main" val="270909644"/>
-      </p:ext>
-    </p:extLst>
   </p:cSld>
   <p:clrMapOvr>
     <a:masterClrMapping/>
   </p:clrMapOvr>
-  <p:extLst>
-    <p:ext uri="{DCECCB84-F9BA-43D5-87BE-67443E8EF086}">
-      <p15:sldGuideLst xmlns:p15="http://schemas.microsoft.com/office/powerpoint/2012/main">
-        <p15:guide id="1" orient="horz" pos="1620">
-          <p15:clr>
-            <a:srgbClr val="FBAE40"/>
-          </p15:clr>
-        </p15:guide>
-        <p15:guide id="2" pos="2880">
-          <p15:clr>
-            <a:srgbClr val="FBAE40"/>
-          </p15:clr>
-        </p15:guide>
-      </p15:sldGuideLst>
-    </p:ext>
-  </p:extLst>
 </p:sldLayout>
 </file>
 
@@ -4672,7 +4569,7 @@
                   </a:schemeClr>
                 </a:solidFill>
                 <a:latin typeface="+mj-lt"/>
-                <a:cs typeface="Arial" pitchFamily="34" charset="0"/>
+                <a:cs typeface="Arial" panose="020B0604020202090204" pitchFamily="34" charset="0"/>
               </a:defRPr>
             </a:lvl1pPr>
           </a:lstStyle>
@@ -4682,6 +4579,7 @@
               <a:rPr lang="en-US" altLang="ko-KR" dirty="0"/>
               <a:t>BASIC LAYOUT</a:t>
             </a:r>
+            <a:endParaRPr lang="en-US" altLang="ko-KR" dirty="0"/>
           </a:p>
         </p:txBody>
       </p:sp>
@@ -4709,7 +4607,7 @@
           <a:lstStyle>
             <a:lvl1pPr marL="0" indent="0" algn="ctr">
               <a:buNone/>
-              <a:defRPr sz="1867" b="0" baseline="0">
+              <a:defRPr sz="1865" b="0" baseline="0">
                 <a:solidFill>
                   <a:schemeClr val="tx1">
                     <a:lumMod val="75000"/>
@@ -4717,7 +4615,7 @@
                   </a:schemeClr>
                 </a:solidFill>
                 <a:latin typeface="+mn-lt"/>
-                <a:cs typeface="Arial" pitchFamily="34" charset="0"/>
+                <a:cs typeface="Arial" panose="020B0604020202090204" pitchFamily="34" charset="0"/>
               </a:defRPr>
             </a:lvl1pPr>
           </a:lstStyle>
@@ -4727,6 +4625,7 @@
               <a:rPr lang="en-US" altLang="ko-KR" dirty="0"/>
               <a:t>Insert the title of your subtitle Here</a:t>
             </a:r>
+            <a:endParaRPr lang="en-US" altLang="ko-KR" dirty="0"/>
           </a:p>
         </p:txBody>
       </p:sp>
@@ -4831,31 +4730,10 @@
         </p:txBody>
       </p:sp>
     </p:spTree>
-    <p:extLst>
-      <p:ext uri="{BB962C8B-B14F-4D97-AF65-F5344CB8AC3E}">
-        <p14:creationId xmlns:p14="http://schemas.microsoft.com/office/powerpoint/2010/main" val="3227159557"/>
-      </p:ext>
-    </p:extLst>
   </p:cSld>
   <p:clrMapOvr>
     <a:masterClrMapping/>
   </p:clrMapOvr>
-  <p:extLst>
-    <p:ext uri="{DCECCB84-F9BA-43D5-87BE-67443E8EF086}">
-      <p15:sldGuideLst xmlns:p15="http://schemas.microsoft.com/office/powerpoint/2012/main">
-        <p15:guide id="1" orient="horz" pos="1620">
-          <p15:clr>
-            <a:srgbClr val="FBAE40"/>
-          </p15:clr>
-        </p15:guide>
-        <p15:guide id="2" pos="2880">
-          <p15:clr>
-            <a:srgbClr val="FBAE40"/>
-          </p15:clr>
-        </p15:guide>
-      </p15:sldGuideLst>
-    </p:ext>
-  </p:extLst>
 </p:sldLayout>
 </file>
 
@@ -4916,7 +4794,7 @@
                   </a:schemeClr>
                 </a:solidFill>
                 <a:latin typeface="+mj-lt"/>
-                <a:cs typeface="Arial" pitchFamily="34" charset="0"/>
+                <a:cs typeface="Arial" panose="020B0604020202090204" pitchFamily="34" charset="0"/>
               </a:defRPr>
             </a:lvl1pPr>
           </a:lstStyle>
@@ -4926,6 +4804,7 @@
               <a:rPr lang="en-US" altLang="ko-KR" dirty="0"/>
               <a:t>BASIC LAYOUT</a:t>
             </a:r>
+            <a:endParaRPr lang="en-US" altLang="ko-KR" dirty="0"/>
           </a:p>
         </p:txBody>
       </p:sp>
@@ -4953,7 +4832,7 @@
           <a:lstStyle>
             <a:lvl1pPr marL="0" indent="0" algn="l">
               <a:buNone/>
-              <a:defRPr sz="1867" b="0" baseline="0">
+              <a:defRPr sz="1865" b="0" baseline="0">
                 <a:solidFill>
                   <a:schemeClr val="tx1">
                     <a:lumMod val="75000"/>
@@ -4961,7 +4840,7 @@
                   </a:schemeClr>
                 </a:solidFill>
                 <a:latin typeface="+mn-lt"/>
-                <a:cs typeface="Arial" pitchFamily="34" charset="0"/>
+                <a:cs typeface="Arial" panose="020B0604020202090204" pitchFamily="34" charset="0"/>
               </a:defRPr>
             </a:lvl1pPr>
           </a:lstStyle>
@@ -4971,6 +4850,7 @@
               <a:rPr lang="en-US" altLang="ko-KR" dirty="0"/>
               <a:t>Insert the title of your subtitle Here</a:t>
             </a:r>
+            <a:endParaRPr lang="en-US" altLang="ko-KR" dirty="0"/>
           </a:p>
         </p:txBody>
       </p:sp>
@@ -5025,31 +4905,10 @@
         </p:txBody>
       </p:sp>
     </p:spTree>
-    <p:extLst>
-      <p:ext uri="{BB962C8B-B14F-4D97-AF65-F5344CB8AC3E}">
-        <p14:creationId xmlns:p14="http://schemas.microsoft.com/office/powerpoint/2010/main" val="3804378142"/>
-      </p:ext>
-    </p:extLst>
   </p:cSld>
   <p:clrMapOvr>
     <a:masterClrMapping/>
   </p:clrMapOvr>
-  <p:extLst>
-    <p:ext uri="{DCECCB84-F9BA-43D5-87BE-67443E8EF086}">
-      <p15:sldGuideLst xmlns:p15="http://schemas.microsoft.com/office/powerpoint/2012/main">
-        <p15:guide id="1" orient="horz" pos="1620">
-          <p15:clr>
-            <a:srgbClr val="FBAE40"/>
-          </p15:clr>
-        </p15:guide>
-        <p15:guide id="2" pos="2880">
-          <p15:clr>
-            <a:srgbClr val="FBAE40"/>
-          </p15:clr>
-        </p15:guide>
-      </p15:sldGuideLst>
-    </p:ext>
-  </p:extLst>
 </p:sldLayout>
 </file>
 
@@ -5098,6 +4957,7 @@
               <a:rPr lang="en-US"/>
               <a:t>Click to edit Master title style</a:t>
             </a:r>
+            <a:endParaRPr lang="en-US"/>
           </a:p>
         </p:txBody>
       </p:sp>
@@ -5217,6 +5077,7 @@
               <a:rPr lang="en-US"/>
               <a:t>Click to edit Master text styles</a:t>
             </a:r>
+            <a:endParaRPr lang="en-US"/>
           </a:p>
         </p:txBody>
       </p:sp>
@@ -5275,19 +5136,12 @@
           <a:p>
             <a:fld id="{BDCDBBEF-AA6C-4BA6-85B2-A17D7F280E38}" type="slidenum">
               <a:rPr lang="en-US" smtClean="0"/>
-              <a:pPr/>
-              <a:t>‹#›</a:t>
             </a:fld>
             <a:endParaRPr lang="en-US"/>
           </a:p>
         </p:txBody>
       </p:sp>
     </p:spTree>
-    <p:extLst>
-      <p:ext uri="{BB962C8B-B14F-4D97-AF65-F5344CB8AC3E}">
-        <p14:creationId xmlns:p14="http://schemas.microsoft.com/office/powerpoint/2010/main" val="411714345"/>
-      </p:ext>
-    </p:extLst>
   </p:cSld>
   <p:clrMapOvr>
     <a:masterClrMapping/>
@@ -5338,7 +5192,7 @@
               <a:buNone/>
               <a:defRPr sz="4800" b="0" baseline="0">
                 <a:latin typeface="+mj-lt"/>
-                <a:cs typeface="Arial" pitchFamily="34" charset="0"/>
+                <a:cs typeface="Arial" panose="020B0604020202090204" pitchFamily="34" charset="0"/>
               </a:defRPr>
             </a:lvl1pPr>
           </a:lstStyle>
@@ -5348,6 +5202,7 @@
               <a:rPr lang="en-US" altLang="ko-KR" dirty="0"/>
               <a:t>IMAGES &amp; CONTENTS</a:t>
             </a:r>
+            <a:endParaRPr lang="en-US" altLang="ko-KR" dirty="0"/>
           </a:p>
         </p:txBody>
       </p:sp>
@@ -5375,7 +5230,7 @@
           <a:lstStyle>
             <a:lvl1pPr marL="0" indent="0" algn="ctr">
               <a:buNone/>
-              <a:defRPr sz="1867" b="0" baseline="0">
+              <a:defRPr sz="1865" b="0" baseline="0">
                 <a:solidFill>
                   <a:schemeClr val="tx1">
                     <a:lumMod val="75000"/>
@@ -5383,7 +5238,7 @@
                   </a:schemeClr>
                 </a:solidFill>
                 <a:latin typeface="+mn-lt"/>
-                <a:cs typeface="Arial" pitchFamily="34" charset="0"/>
+                <a:cs typeface="Arial" panose="020B0604020202090204" pitchFamily="34" charset="0"/>
               </a:defRPr>
             </a:lvl1pPr>
           </a:lstStyle>
@@ -5393,6 +5248,7 @@
               <a:rPr lang="en-US" altLang="ko-KR" dirty="0"/>
               <a:t>Insert the title of your subtitle Here</a:t>
             </a:r>
+            <a:endParaRPr lang="en-US" altLang="ko-KR" dirty="0"/>
           </a:p>
         </p:txBody>
       </p:sp>
@@ -5435,9 +5291,6 @@
         </p:style>
         <p:txBody>
           <a:bodyPr rot="0" spcFirstLastPara="0" vertOverflow="overflow" horzOverflow="overflow" vert="horz" wrap="square" lIns="121920" tIns="60960" rIns="121920" bIns="60960" numCol="1" spcCol="0" rtlCol="0" fromWordArt="0" anchor="ctr" anchorCtr="0" forceAA="0" compatLnSpc="1">
-            <a:prstTxWarp prst="textNoShape">
-              <a:avLst/>
-            </a:prstTxWarp>
             <a:noAutofit/>
           </a:bodyPr>
           <a:lstStyle/>
@@ -5490,9 +5343,6 @@
         </p:style>
         <p:txBody>
           <a:bodyPr rot="0" spcFirstLastPara="0" vertOverflow="overflow" horzOverflow="overflow" vert="horz" wrap="square" lIns="121920" tIns="60960" rIns="121920" bIns="60960" numCol="1" spcCol="0" rtlCol="0" fromWordArt="0" anchor="ctr" anchorCtr="0" forceAA="0" compatLnSpc="1">
-            <a:prstTxWarp prst="textNoShape">
-              <a:avLst/>
-            </a:prstTxWarp>
             <a:noAutofit/>
           </a:bodyPr>
           <a:lstStyle/>
@@ -5545,9 +5395,6 @@
         </p:style>
         <p:txBody>
           <a:bodyPr rot="0" spcFirstLastPara="0" vertOverflow="overflow" horzOverflow="overflow" vert="horz" wrap="square" lIns="121920" tIns="60960" rIns="121920" bIns="60960" numCol="1" spcCol="0" rtlCol="0" fromWordArt="0" anchor="ctr" anchorCtr="0" forceAA="0" compatLnSpc="1">
-            <a:prstTxWarp prst="textNoShape">
-              <a:avLst/>
-            </a:prstTxWarp>
             <a:noAutofit/>
           </a:bodyPr>
           <a:lstStyle/>
@@ -5600,9 +5447,6 @@
         </p:style>
         <p:txBody>
           <a:bodyPr rot="0" spcFirstLastPara="0" vertOverflow="overflow" horzOverflow="overflow" vert="horz" wrap="square" lIns="121920" tIns="60960" rIns="121920" bIns="60960" numCol="1" spcCol="0" rtlCol="0" fromWordArt="0" anchor="ctr" anchorCtr="0" forceAA="0" compatLnSpc="1">
-            <a:prstTxWarp prst="textNoShape">
-              <a:avLst/>
-            </a:prstTxWarp>
             <a:noAutofit/>
           </a:bodyPr>
           <a:lstStyle/>
@@ -5655,9 +5499,6 @@
         </p:style>
         <p:txBody>
           <a:bodyPr rot="0" spcFirstLastPara="0" vertOverflow="overflow" horzOverflow="overflow" vert="horz" wrap="square" lIns="121920" tIns="60960" rIns="121920" bIns="60960" numCol="1" spcCol="0" rtlCol="0" fromWordArt="0" anchor="ctr" anchorCtr="0" forceAA="0" compatLnSpc="1">
-            <a:prstTxWarp prst="textNoShape">
-              <a:avLst/>
-            </a:prstTxWarp>
             <a:noAutofit/>
           </a:bodyPr>
           <a:lstStyle/>
@@ -5808,40 +5649,40 @@
                   </a:schemeClr>
                 </a:solidFill>
                 <a:latin typeface="+mn-lt"/>
-                <a:cs typeface="Arial" pitchFamily="34" charset="0"/>
+                <a:cs typeface="Arial" panose="020B0604020202090204" pitchFamily="34" charset="0"/>
               </a:defRPr>
             </a:lvl1pPr>
-            <a:lvl2pPr marL="609585" indent="0">
-              <a:buNone/>
-              <a:defRPr sz="3733"/>
+            <a:lvl2pPr marL="609600" indent="0">
+              <a:buNone/>
+              <a:defRPr sz="3735"/>
             </a:lvl2pPr>
-            <a:lvl3pPr marL="1219170" indent="0">
+            <a:lvl3pPr marL="1219200" indent="0">
               <a:buNone/>
               <a:defRPr sz="3200"/>
             </a:lvl3pPr>
-            <a:lvl4pPr marL="1828754" indent="0">
-              <a:buNone/>
-              <a:defRPr sz="2667"/>
+            <a:lvl4pPr marL="1828800" indent="0">
+              <a:buNone/>
+              <a:defRPr sz="2665"/>
             </a:lvl4pPr>
-            <a:lvl5pPr marL="2438339" indent="0">
-              <a:buNone/>
-              <a:defRPr sz="2667"/>
+            <a:lvl5pPr marL="2438400" indent="0">
+              <a:buNone/>
+              <a:defRPr sz="2665"/>
             </a:lvl5pPr>
-            <a:lvl6pPr marL="3047924" indent="0">
-              <a:buNone/>
-              <a:defRPr sz="2667"/>
+            <a:lvl6pPr marL="3048000" indent="0">
+              <a:buNone/>
+              <a:defRPr sz="2665"/>
             </a:lvl6pPr>
-            <a:lvl7pPr marL="3657509" indent="0">
-              <a:buNone/>
-              <a:defRPr sz="2667"/>
+            <a:lvl7pPr marL="3657600" indent="0">
+              <a:buNone/>
+              <a:defRPr sz="2665"/>
             </a:lvl7pPr>
-            <a:lvl8pPr marL="4267093" indent="0">
-              <a:buNone/>
-              <a:defRPr sz="2667"/>
+            <a:lvl8pPr marL="4267200" indent="0">
+              <a:buNone/>
+              <a:defRPr sz="2665"/>
             </a:lvl8pPr>
-            <a:lvl9pPr marL="4876678" indent="0">
-              <a:buNone/>
-              <a:defRPr sz="2667"/>
+            <a:lvl9pPr marL="4876800" indent="0">
+              <a:buNone/>
+              <a:defRPr sz="2665"/>
             </a:lvl9pPr>
           </a:lstStyle>
           <a:p>
@@ -5890,40 +5731,40 @@
                   </a:schemeClr>
                 </a:solidFill>
                 <a:latin typeface="+mn-lt"/>
-                <a:cs typeface="Arial" pitchFamily="34" charset="0"/>
+                <a:cs typeface="Arial" panose="020B0604020202090204" pitchFamily="34" charset="0"/>
               </a:defRPr>
             </a:lvl1pPr>
-            <a:lvl2pPr marL="609585" indent="0">
-              <a:buNone/>
-              <a:defRPr sz="3733"/>
+            <a:lvl2pPr marL="609600" indent="0">
+              <a:buNone/>
+              <a:defRPr sz="3735"/>
             </a:lvl2pPr>
-            <a:lvl3pPr marL="1219170" indent="0">
+            <a:lvl3pPr marL="1219200" indent="0">
               <a:buNone/>
               <a:defRPr sz="3200"/>
             </a:lvl3pPr>
-            <a:lvl4pPr marL="1828754" indent="0">
-              <a:buNone/>
-              <a:defRPr sz="2667"/>
+            <a:lvl4pPr marL="1828800" indent="0">
+              <a:buNone/>
+              <a:defRPr sz="2665"/>
             </a:lvl4pPr>
-            <a:lvl5pPr marL="2438339" indent="0">
-              <a:buNone/>
-              <a:defRPr sz="2667"/>
+            <a:lvl5pPr marL="2438400" indent="0">
+              <a:buNone/>
+              <a:defRPr sz="2665"/>
             </a:lvl5pPr>
-            <a:lvl6pPr marL="3047924" indent="0">
-              <a:buNone/>
-              <a:defRPr sz="2667"/>
+            <a:lvl6pPr marL="3048000" indent="0">
+              <a:buNone/>
+              <a:defRPr sz="2665"/>
             </a:lvl6pPr>
-            <a:lvl7pPr marL="3657509" indent="0">
-              <a:buNone/>
-              <a:defRPr sz="2667"/>
+            <a:lvl7pPr marL="3657600" indent="0">
+              <a:buNone/>
+              <a:defRPr sz="2665"/>
             </a:lvl7pPr>
-            <a:lvl8pPr marL="4267093" indent="0">
-              <a:buNone/>
-              <a:defRPr sz="2667"/>
+            <a:lvl8pPr marL="4267200" indent="0">
+              <a:buNone/>
+              <a:defRPr sz="2665"/>
             </a:lvl8pPr>
-            <a:lvl9pPr marL="4876678" indent="0">
-              <a:buNone/>
-              <a:defRPr sz="2667"/>
+            <a:lvl9pPr marL="4876800" indent="0">
+              <a:buNone/>
+              <a:defRPr sz="2665"/>
             </a:lvl9pPr>
           </a:lstStyle>
           <a:p>
@@ -5972,40 +5813,40 @@
                   </a:schemeClr>
                 </a:solidFill>
                 <a:latin typeface="+mn-lt"/>
-                <a:cs typeface="Arial" pitchFamily="34" charset="0"/>
+                <a:cs typeface="Arial" panose="020B0604020202090204" pitchFamily="34" charset="0"/>
               </a:defRPr>
             </a:lvl1pPr>
-            <a:lvl2pPr marL="609585" indent="0">
-              <a:buNone/>
-              <a:defRPr sz="3733"/>
+            <a:lvl2pPr marL="609600" indent="0">
+              <a:buNone/>
+              <a:defRPr sz="3735"/>
             </a:lvl2pPr>
-            <a:lvl3pPr marL="1219170" indent="0">
+            <a:lvl3pPr marL="1219200" indent="0">
               <a:buNone/>
               <a:defRPr sz="3200"/>
             </a:lvl3pPr>
-            <a:lvl4pPr marL="1828754" indent="0">
-              <a:buNone/>
-              <a:defRPr sz="2667"/>
+            <a:lvl4pPr marL="1828800" indent="0">
+              <a:buNone/>
+              <a:defRPr sz="2665"/>
             </a:lvl4pPr>
-            <a:lvl5pPr marL="2438339" indent="0">
-              <a:buNone/>
-              <a:defRPr sz="2667"/>
+            <a:lvl5pPr marL="2438400" indent="0">
+              <a:buNone/>
+              <a:defRPr sz="2665"/>
             </a:lvl5pPr>
-            <a:lvl6pPr marL="3047924" indent="0">
-              <a:buNone/>
-              <a:defRPr sz="2667"/>
+            <a:lvl6pPr marL="3048000" indent="0">
+              <a:buNone/>
+              <a:defRPr sz="2665"/>
             </a:lvl6pPr>
-            <a:lvl7pPr marL="3657509" indent="0">
-              <a:buNone/>
-              <a:defRPr sz="2667"/>
+            <a:lvl7pPr marL="3657600" indent="0">
+              <a:buNone/>
+              <a:defRPr sz="2665"/>
             </a:lvl7pPr>
-            <a:lvl8pPr marL="4267093" indent="0">
-              <a:buNone/>
-              <a:defRPr sz="2667"/>
+            <a:lvl8pPr marL="4267200" indent="0">
+              <a:buNone/>
+              <a:defRPr sz="2665"/>
             </a:lvl8pPr>
-            <a:lvl9pPr marL="4876678" indent="0">
-              <a:buNone/>
-              <a:defRPr sz="2667"/>
+            <a:lvl9pPr marL="4876800" indent="0">
+              <a:buNone/>
+              <a:defRPr sz="2665"/>
             </a:lvl9pPr>
           </a:lstStyle>
           <a:p>
@@ -6054,40 +5895,40 @@
                   </a:schemeClr>
                 </a:solidFill>
                 <a:latin typeface="+mn-lt"/>
-                <a:cs typeface="Arial" pitchFamily="34" charset="0"/>
+                <a:cs typeface="Arial" panose="020B0604020202090204" pitchFamily="34" charset="0"/>
               </a:defRPr>
             </a:lvl1pPr>
-            <a:lvl2pPr marL="609585" indent="0">
-              <a:buNone/>
-              <a:defRPr sz="3733"/>
+            <a:lvl2pPr marL="609600" indent="0">
+              <a:buNone/>
+              <a:defRPr sz="3735"/>
             </a:lvl2pPr>
-            <a:lvl3pPr marL="1219170" indent="0">
+            <a:lvl3pPr marL="1219200" indent="0">
               <a:buNone/>
               <a:defRPr sz="3200"/>
             </a:lvl3pPr>
-            <a:lvl4pPr marL="1828754" indent="0">
-              <a:buNone/>
-              <a:defRPr sz="2667"/>
+            <a:lvl4pPr marL="1828800" indent="0">
+              <a:buNone/>
+              <a:defRPr sz="2665"/>
             </a:lvl4pPr>
-            <a:lvl5pPr marL="2438339" indent="0">
-              <a:buNone/>
-              <a:defRPr sz="2667"/>
+            <a:lvl5pPr marL="2438400" indent="0">
+              <a:buNone/>
+              <a:defRPr sz="2665"/>
             </a:lvl5pPr>
-            <a:lvl6pPr marL="3047924" indent="0">
-              <a:buNone/>
-              <a:defRPr sz="2667"/>
+            <a:lvl6pPr marL="3048000" indent="0">
+              <a:buNone/>
+              <a:defRPr sz="2665"/>
             </a:lvl6pPr>
-            <a:lvl7pPr marL="3657509" indent="0">
-              <a:buNone/>
-              <a:defRPr sz="2667"/>
+            <a:lvl7pPr marL="3657600" indent="0">
+              <a:buNone/>
+              <a:defRPr sz="2665"/>
             </a:lvl7pPr>
-            <a:lvl8pPr marL="4267093" indent="0">
-              <a:buNone/>
-              <a:defRPr sz="2667"/>
+            <a:lvl8pPr marL="4267200" indent="0">
+              <a:buNone/>
+              <a:defRPr sz="2665"/>
             </a:lvl8pPr>
-            <a:lvl9pPr marL="4876678" indent="0">
-              <a:buNone/>
-              <a:defRPr sz="2667"/>
+            <a:lvl9pPr marL="4876800" indent="0">
+              <a:buNone/>
+              <a:defRPr sz="2665"/>
             </a:lvl9pPr>
           </a:lstStyle>
           <a:p>
@@ -6100,11 +5941,6 @@
         </p:txBody>
       </p:sp>
     </p:spTree>
-    <p:extLst>
-      <p:ext uri="{BB962C8B-B14F-4D97-AF65-F5344CB8AC3E}">
-        <p14:creationId xmlns:p14="http://schemas.microsoft.com/office/powerpoint/2010/main" val="2777217534"/>
-      </p:ext>
-    </p:extLst>
   </p:cSld>
   <p:clrMapOvr>
     <a:masterClrMapping/>
@@ -6170,9 +6006,6 @@
         </p:style>
         <p:txBody>
           <a:bodyPr rot="0" spcFirstLastPara="0" vertOverflow="overflow" horzOverflow="overflow" vert="horz" wrap="square" lIns="121920" tIns="60960" rIns="121920" bIns="60960" numCol="1" spcCol="0" rtlCol="0" fromWordArt="0" anchor="ctr" anchorCtr="0" forceAA="0" compatLnSpc="1">
-            <a:prstTxWarp prst="textNoShape">
-              <a:avLst/>
-            </a:prstTxWarp>
             <a:noAutofit/>
           </a:bodyPr>
           <a:lstStyle/>
@@ -6226,40 +6059,40 @@
                   </a:schemeClr>
                 </a:solidFill>
                 <a:latin typeface="+mn-lt"/>
-                <a:cs typeface="Arial" pitchFamily="34" charset="0"/>
+                <a:cs typeface="Arial" panose="020B0604020202090204" pitchFamily="34" charset="0"/>
               </a:defRPr>
             </a:lvl1pPr>
-            <a:lvl2pPr marL="609585" indent="0">
-              <a:buNone/>
-              <a:defRPr sz="3733"/>
+            <a:lvl2pPr marL="609600" indent="0">
+              <a:buNone/>
+              <a:defRPr sz="3735"/>
             </a:lvl2pPr>
-            <a:lvl3pPr marL="1219170" indent="0">
+            <a:lvl3pPr marL="1219200" indent="0">
               <a:buNone/>
               <a:defRPr sz="3200"/>
             </a:lvl3pPr>
-            <a:lvl4pPr marL="1828754" indent="0">
-              <a:buNone/>
-              <a:defRPr sz="2667"/>
+            <a:lvl4pPr marL="1828800" indent="0">
+              <a:buNone/>
+              <a:defRPr sz="2665"/>
             </a:lvl4pPr>
-            <a:lvl5pPr marL="2438339" indent="0">
-              <a:buNone/>
-              <a:defRPr sz="2667"/>
+            <a:lvl5pPr marL="2438400" indent="0">
+              <a:buNone/>
+              <a:defRPr sz="2665"/>
             </a:lvl5pPr>
-            <a:lvl6pPr marL="3047924" indent="0">
-              <a:buNone/>
-              <a:defRPr sz="2667"/>
+            <a:lvl6pPr marL="3048000" indent="0">
+              <a:buNone/>
+              <a:defRPr sz="2665"/>
             </a:lvl6pPr>
-            <a:lvl7pPr marL="3657509" indent="0">
-              <a:buNone/>
-              <a:defRPr sz="2667"/>
+            <a:lvl7pPr marL="3657600" indent="0">
+              <a:buNone/>
+              <a:defRPr sz="2665"/>
             </a:lvl7pPr>
-            <a:lvl8pPr marL="4267093" indent="0">
-              <a:buNone/>
-              <a:defRPr sz="2667"/>
+            <a:lvl8pPr marL="4267200" indent="0">
+              <a:buNone/>
+              <a:defRPr sz="2665"/>
             </a:lvl8pPr>
-            <a:lvl9pPr marL="4876678" indent="0">
-              <a:buNone/>
-              <a:defRPr sz="2667"/>
+            <a:lvl9pPr marL="4876800" indent="0">
+              <a:buNone/>
+              <a:defRPr sz="2665"/>
             </a:lvl9pPr>
           </a:lstStyle>
           <a:p>
@@ -6272,11 +6105,6 @@
         </p:txBody>
       </p:sp>
     </p:spTree>
-    <p:extLst>
-      <p:ext uri="{BB962C8B-B14F-4D97-AF65-F5344CB8AC3E}">
-        <p14:creationId xmlns:p14="http://schemas.microsoft.com/office/powerpoint/2010/main" val="562005223"/>
-      </p:ext>
-    </p:extLst>
   </p:cSld>
   <p:clrMapOvr>
     <a:masterClrMapping/>
@@ -6338,40 +6166,40 @@
                   </a:schemeClr>
                 </a:solidFill>
                 <a:latin typeface="+mn-lt"/>
-                <a:cs typeface="Arial" pitchFamily="34" charset="0"/>
+                <a:cs typeface="Arial" panose="020B0604020202090204" pitchFamily="34" charset="0"/>
               </a:defRPr>
             </a:lvl1pPr>
-            <a:lvl2pPr marL="609585" indent="0">
-              <a:buNone/>
-              <a:defRPr sz="3733"/>
+            <a:lvl2pPr marL="609600" indent="0">
+              <a:buNone/>
+              <a:defRPr sz="3735"/>
             </a:lvl2pPr>
-            <a:lvl3pPr marL="1219170" indent="0">
+            <a:lvl3pPr marL="1219200" indent="0">
               <a:buNone/>
               <a:defRPr sz="3200"/>
             </a:lvl3pPr>
-            <a:lvl4pPr marL="1828754" indent="0">
-              <a:buNone/>
-              <a:defRPr sz="2667"/>
+            <a:lvl4pPr marL="1828800" indent="0">
+              <a:buNone/>
+              <a:defRPr sz="2665"/>
             </a:lvl4pPr>
-            <a:lvl5pPr marL="2438339" indent="0">
-              <a:buNone/>
-              <a:defRPr sz="2667"/>
+            <a:lvl5pPr marL="2438400" indent="0">
+              <a:buNone/>
+              <a:defRPr sz="2665"/>
             </a:lvl5pPr>
-            <a:lvl6pPr marL="3047924" indent="0">
-              <a:buNone/>
-              <a:defRPr sz="2667"/>
+            <a:lvl6pPr marL="3048000" indent="0">
+              <a:buNone/>
+              <a:defRPr sz="2665"/>
             </a:lvl6pPr>
-            <a:lvl7pPr marL="3657509" indent="0">
-              <a:buNone/>
-              <a:defRPr sz="2667"/>
+            <a:lvl7pPr marL="3657600" indent="0">
+              <a:buNone/>
+              <a:defRPr sz="2665"/>
             </a:lvl7pPr>
-            <a:lvl8pPr marL="4267093" indent="0">
-              <a:buNone/>
-              <a:defRPr sz="2667"/>
+            <a:lvl8pPr marL="4267200" indent="0">
+              <a:buNone/>
+              <a:defRPr sz="2665"/>
             </a:lvl8pPr>
-            <a:lvl9pPr marL="4876678" indent="0">
-              <a:buNone/>
-              <a:defRPr sz="2667"/>
+            <a:lvl9pPr marL="4876800" indent="0">
+              <a:buNone/>
+              <a:defRPr sz="2665"/>
             </a:lvl9pPr>
           </a:lstStyle>
           <a:p>
@@ -6420,40 +6248,40 @@
                   </a:schemeClr>
                 </a:solidFill>
                 <a:latin typeface="+mn-lt"/>
-                <a:cs typeface="Arial" pitchFamily="34" charset="0"/>
+                <a:cs typeface="Arial" panose="020B0604020202090204" pitchFamily="34" charset="0"/>
               </a:defRPr>
             </a:lvl1pPr>
-            <a:lvl2pPr marL="609585" indent="0">
-              <a:buNone/>
-              <a:defRPr sz="3733"/>
+            <a:lvl2pPr marL="609600" indent="0">
+              <a:buNone/>
+              <a:defRPr sz="3735"/>
             </a:lvl2pPr>
-            <a:lvl3pPr marL="1219170" indent="0">
+            <a:lvl3pPr marL="1219200" indent="0">
               <a:buNone/>
               <a:defRPr sz="3200"/>
             </a:lvl3pPr>
-            <a:lvl4pPr marL="1828754" indent="0">
-              <a:buNone/>
-              <a:defRPr sz="2667"/>
+            <a:lvl4pPr marL="1828800" indent="0">
+              <a:buNone/>
+              <a:defRPr sz="2665"/>
             </a:lvl4pPr>
-            <a:lvl5pPr marL="2438339" indent="0">
-              <a:buNone/>
-              <a:defRPr sz="2667"/>
+            <a:lvl5pPr marL="2438400" indent="0">
+              <a:buNone/>
+              <a:defRPr sz="2665"/>
             </a:lvl5pPr>
-            <a:lvl6pPr marL="3047924" indent="0">
-              <a:buNone/>
-              <a:defRPr sz="2667"/>
+            <a:lvl6pPr marL="3048000" indent="0">
+              <a:buNone/>
+              <a:defRPr sz="2665"/>
             </a:lvl6pPr>
-            <a:lvl7pPr marL="3657509" indent="0">
-              <a:buNone/>
-              <a:defRPr sz="2667"/>
+            <a:lvl7pPr marL="3657600" indent="0">
+              <a:buNone/>
+              <a:defRPr sz="2665"/>
             </a:lvl7pPr>
-            <a:lvl8pPr marL="4267093" indent="0">
-              <a:buNone/>
-              <a:defRPr sz="2667"/>
+            <a:lvl8pPr marL="4267200" indent="0">
+              <a:buNone/>
+              <a:defRPr sz="2665"/>
             </a:lvl8pPr>
-            <a:lvl9pPr marL="4876678" indent="0">
-              <a:buNone/>
-              <a:defRPr sz="2667"/>
+            <a:lvl9pPr marL="4876800" indent="0">
+              <a:buNone/>
+              <a:defRPr sz="2665"/>
             </a:lvl9pPr>
           </a:lstStyle>
           <a:p>
@@ -6466,11 +6294,6 @@
         </p:txBody>
       </p:sp>
     </p:spTree>
-    <p:extLst>
-      <p:ext uri="{BB962C8B-B14F-4D97-AF65-F5344CB8AC3E}">
-        <p14:creationId xmlns:p14="http://schemas.microsoft.com/office/powerpoint/2010/main" val="159574745"/>
-      </p:ext>
-    </p:extLst>
   </p:cSld>
   <p:clrMapOvr>
     <a:masterClrMapping/>
@@ -6532,40 +6355,40 @@
                   </a:schemeClr>
                 </a:solidFill>
                 <a:latin typeface="+mn-lt"/>
-                <a:cs typeface="Arial" pitchFamily="34" charset="0"/>
+                <a:cs typeface="Arial" panose="020B0604020202090204" pitchFamily="34" charset="0"/>
               </a:defRPr>
             </a:lvl1pPr>
-            <a:lvl2pPr marL="609585" indent="0">
-              <a:buNone/>
-              <a:defRPr sz="3733"/>
+            <a:lvl2pPr marL="609600" indent="0">
+              <a:buNone/>
+              <a:defRPr sz="3735"/>
             </a:lvl2pPr>
-            <a:lvl3pPr marL="1219170" indent="0">
+            <a:lvl3pPr marL="1219200" indent="0">
               <a:buNone/>
               <a:defRPr sz="3200"/>
             </a:lvl3pPr>
-            <a:lvl4pPr marL="1828754" indent="0">
-              <a:buNone/>
-              <a:defRPr sz="2667"/>
+            <a:lvl4pPr marL="1828800" indent="0">
+              <a:buNone/>
+              <a:defRPr sz="2665"/>
             </a:lvl4pPr>
-            <a:lvl5pPr marL="2438339" indent="0">
-              <a:buNone/>
-              <a:defRPr sz="2667"/>
+            <a:lvl5pPr marL="2438400" indent="0">
+              <a:buNone/>
+              <a:defRPr sz="2665"/>
             </a:lvl5pPr>
-            <a:lvl6pPr marL="3047924" indent="0">
-              <a:buNone/>
-              <a:defRPr sz="2667"/>
+            <a:lvl6pPr marL="3048000" indent="0">
+              <a:buNone/>
+              <a:defRPr sz="2665"/>
             </a:lvl6pPr>
-            <a:lvl7pPr marL="3657509" indent="0">
-              <a:buNone/>
-              <a:defRPr sz="2667"/>
+            <a:lvl7pPr marL="3657600" indent="0">
+              <a:buNone/>
+              <a:defRPr sz="2665"/>
             </a:lvl7pPr>
-            <a:lvl8pPr marL="4267093" indent="0">
-              <a:buNone/>
-              <a:defRPr sz="2667"/>
+            <a:lvl8pPr marL="4267200" indent="0">
+              <a:buNone/>
+              <a:defRPr sz="2665"/>
             </a:lvl8pPr>
-            <a:lvl9pPr marL="4876678" indent="0">
-              <a:buNone/>
-              <a:defRPr sz="2667"/>
+            <a:lvl9pPr marL="4876800" indent="0">
+              <a:buNone/>
+              <a:defRPr sz="2665"/>
             </a:lvl9pPr>
           </a:lstStyle>
           <a:p>
@@ -6614,40 +6437,40 @@
                   </a:schemeClr>
                 </a:solidFill>
                 <a:latin typeface="+mn-lt"/>
-                <a:cs typeface="Arial" pitchFamily="34" charset="0"/>
+                <a:cs typeface="Arial" panose="020B0604020202090204" pitchFamily="34" charset="0"/>
               </a:defRPr>
             </a:lvl1pPr>
-            <a:lvl2pPr marL="609585" indent="0">
-              <a:buNone/>
-              <a:defRPr sz="3733"/>
+            <a:lvl2pPr marL="609600" indent="0">
+              <a:buNone/>
+              <a:defRPr sz="3735"/>
             </a:lvl2pPr>
-            <a:lvl3pPr marL="1219170" indent="0">
+            <a:lvl3pPr marL="1219200" indent="0">
               <a:buNone/>
               <a:defRPr sz="3200"/>
             </a:lvl3pPr>
-            <a:lvl4pPr marL="1828754" indent="0">
-              <a:buNone/>
-              <a:defRPr sz="2667"/>
+            <a:lvl4pPr marL="1828800" indent="0">
+              <a:buNone/>
+              <a:defRPr sz="2665"/>
             </a:lvl4pPr>
-            <a:lvl5pPr marL="2438339" indent="0">
-              <a:buNone/>
-              <a:defRPr sz="2667"/>
+            <a:lvl5pPr marL="2438400" indent="0">
+              <a:buNone/>
+              <a:defRPr sz="2665"/>
             </a:lvl5pPr>
-            <a:lvl6pPr marL="3047924" indent="0">
-              <a:buNone/>
-              <a:defRPr sz="2667"/>
+            <a:lvl6pPr marL="3048000" indent="0">
+              <a:buNone/>
+              <a:defRPr sz="2665"/>
             </a:lvl6pPr>
-            <a:lvl7pPr marL="3657509" indent="0">
-              <a:buNone/>
-              <a:defRPr sz="2667"/>
+            <a:lvl7pPr marL="3657600" indent="0">
+              <a:buNone/>
+              <a:defRPr sz="2665"/>
             </a:lvl7pPr>
-            <a:lvl8pPr marL="4267093" indent="0">
-              <a:buNone/>
-              <a:defRPr sz="2667"/>
+            <a:lvl8pPr marL="4267200" indent="0">
+              <a:buNone/>
+              <a:defRPr sz="2665"/>
             </a:lvl8pPr>
-            <a:lvl9pPr marL="4876678" indent="0">
-              <a:buNone/>
-              <a:defRPr sz="2667"/>
+            <a:lvl9pPr marL="4876800" indent="0">
+              <a:buNone/>
+              <a:defRPr sz="2665"/>
             </a:lvl9pPr>
           </a:lstStyle>
           <a:p>
@@ -6696,40 +6519,40 @@
                   </a:schemeClr>
                 </a:solidFill>
                 <a:latin typeface="+mn-lt"/>
-                <a:cs typeface="Arial" pitchFamily="34" charset="0"/>
+                <a:cs typeface="Arial" panose="020B0604020202090204" pitchFamily="34" charset="0"/>
               </a:defRPr>
             </a:lvl1pPr>
-            <a:lvl2pPr marL="609585" indent="0">
-              <a:buNone/>
-              <a:defRPr sz="3733"/>
+            <a:lvl2pPr marL="609600" indent="0">
+              <a:buNone/>
+              <a:defRPr sz="3735"/>
             </a:lvl2pPr>
-            <a:lvl3pPr marL="1219170" indent="0">
+            <a:lvl3pPr marL="1219200" indent="0">
               <a:buNone/>
               <a:defRPr sz="3200"/>
             </a:lvl3pPr>
-            <a:lvl4pPr marL="1828754" indent="0">
-              <a:buNone/>
-              <a:defRPr sz="2667"/>
+            <a:lvl4pPr marL="1828800" indent="0">
+              <a:buNone/>
+              <a:defRPr sz="2665"/>
             </a:lvl4pPr>
-            <a:lvl5pPr marL="2438339" indent="0">
-              <a:buNone/>
-              <a:defRPr sz="2667"/>
+            <a:lvl5pPr marL="2438400" indent="0">
+              <a:buNone/>
+              <a:defRPr sz="2665"/>
             </a:lvl5pPr>
-            <a:lvl6pPr marL="3047924" indent="0">
-              <a:buNone/>
-              <a:defRPr sz="2667"/>
+            <a:lvl6pPr marL="3048000" indent="0">
+              <a:buNone/>
+              <a:defRPr sz="2665"/>
             </a:lvl6pPr>
-            <a:lvl7pPr marL="3657509" indent="0">
-              <a:buNone/>
-              <a:defRPr sz="2667"/>
+            <a:lvl7pPr marL="3657600" indent="0">
+              <a:buNone/>
+              <a:defRPr sz="2665"/>
             </a:lvl7pPr>
-            <a:lvl8pPr marL="4267093" indent="0">
-              <a:buNone/>
-              <a:defRPr sz="2667"/>
+            <a:lvl8pPr marL="4267200" indent="0">
+              <a:buNone/>
+              <a:defRPr sz="2665"/>
             </a:lvl8pPr>
-            <a:lvl9pPr marL="4876678" indent="0">
-              <a:buNone/>
-              <a:defRPr sz="2667"/>
+            <a:lvl9pPr marL="4876800" indent="0">
+              <a:buNone/>
+              <a:defRPr sz="2665"/>
             </a:lvl9pPr>
           </a:lstStyle>
           <a:p>
@@ -6742,11 +6565,6 @@
         </p:txBody>
       </p:sp>
     </p:spTree>
-    <p:extLst>
-      <p:ext uri="{BB962C8B-B14F-4D97-AF65-F5344CB8AC3E}">
-        <p14:creationId xmlns:p14="http://schemas.microsoft.com/office/powerpoint/2010/main" val="3947595198"/>
-      </p:ext>
-    </p:extLst>
   </p:cSld>
   <p:clrMapOvr>
     <a:masterClrMapping/>
@@ -6803,7 +6621,7 @@
                   </a:schemeClr>
                 </a:solidFill>
                 <a:latin typeface="+mj-lt"/>
-                <a:cs typeface="Arial" pitchFamily="34" charset="0"/>
+                <a:cs typeface="Arial" panose="020B0604020202090204" pitchFamily="34" charset="0"/>
               </a:defRPr>
             </a:lvl1pPr>
           </a:lstStyle>
@@ -6813,6 +6631,7 @@
               <a:rPr lang="en-US" altLang="ko-KR" dirty="0"/>
               <a:t>IMAGES &amp; CONTENTS</a:t>
             </a:r>
+            <a:endParaRPr lang="en-US" altLang="ko-KR" dirty="0"/>
           </a:p>
         </p:txBody>
       </p:sp>
@@ -6840,7 +6659,7 @@
           <a:lstStyle>
             <a:lvl1pPr marL="0" indent="0" algn="ctr">
               <a:buNone/>
-              <a:defRPr sz="1867" b="0" baseline="0">
+              <a:defRPr sz="1865" b="0" baseline="0">
                 <a:solidFill>
                   <a:schemeClr val="tx1">
                     <a:lumMod val="75000"/>
@@ -6848,7 +6667,7 @@
                   </a:schemeClr>
                 </a:solidFill>
                 <a:latin typeface="+mn-lt"/>
-                <a:cs typeface="Arial" pitchFamily="34" charset="0"/>
+                <a:cs typeface="Arial" panose="020B0604020202090204" pitchFamily="34" charset="0"/>
               </a:defRPr>
             </a:lvl1pPr>
           </a:lstStyle>
@@ -6858,6 +6677,7 @@
               <a:rPr lang="en-US" altLang="ko-KR" dirty="0"/>
               <a:t>Insert the title of your subtitle Here</a:t>
             </a:r>
+            <a:endParaRPr lang="en-US" altLang="ko-KR" dirty="0"/>
           </a:p>
         </p:txBody>
       </p:sp>
@@ -6900,9 +6720,6 @@
         </p:style>
         <p:txBody>
           <a:bodyPr rot="0" spcFirstLastPara="0" vertOverflow="overflow" horzOverflow="overflow" vert="horz" wrap="square" lIns="121920" tIns="60960" rIns="121920" bIns="60960" numCol="1" spcCol="0" rtlCol="0" fromWordArt="0" anchor="ctr" anchorCtr="0" forceAA="0" compatLnSpc="1">
-            <a:prstTxWarp prst="textNoShape">
-              <a:avLst/>
-            </a:prstTxWarp>
             <a:noAutofit/>
           </a:bodyPr>
           <a:lstStyle/>
@@ -6958,9 +6775,6 @@
         </p:style>
         <p:txBody>
           <a:bodyPr rot="0" spcFirstLastPara="0" vertOverflow="overflow" horzOverflow="overflow" vert="horz" wrap="square" lIns="121920" tIns="60960" rIns="121920" bIns="60960" numCol="1" spcCol="0" rtlCol="0" fromWordArt="0" anchor="ctr" anchorCtr="0" forceAA="0" compatLnSpc="1">
-            <a:prstTxWarp prst="textNoShape">
-              <a:avLst/>
-            </a:prstTxWarp>
             <a:noAutofit/>
           </a:bodyPr>
           <a:lstStyle/>
@@ -7014,40 +6828,40 @@
                   </a:schemeClr>
                 </a:solidFill>
                 <a:latin typeface="+mn-lt"/>
-                <a:cs typeface="Arial" pitchFamily="34" charset="0"/>
+                <a:cs typeface="Arial" panose="020B0604020202090204" pitchFamily="34" charset="0"/>
               </a:defRPr>
             </a:lvl1pPr>
-            <a:lvl2pPr marL="609585" indent="0">
-              <a:buNone/>
-              <a:defRPr sz="3733"/>
+            <a:lvl2pPr marL="609600" indent="0">
+              <a:buNone/>
+              <a:defRPr sz="3735"/>
             </a:lvl2pPr>
-            <a:lvl3pPr marL="1219170" indent="0">
+            <a:lvl3pPr marL="1219200" indent="0">
               <a:buNone/>
               <a:defRPr sz="3200"/>
             </a:lvl3pPr>
-            <a:lvl4pPr marL="1828754" indent="0">
-              <a:buNone/>
-              <a:defRPr sz="2667"/>
+            <a:lvl4pPr marL="1828800" indent="0">
+              <a:buNone/>
+              <a:defRPr sz="2665"/>
             </a:lvl4pPr>
-            <a:lvl5pPr marL="2438339" indent="0">
-              <a:buNone/>
-              <a:defRPr sz="2667"/>
+            <a:lvl5pPr marL="2438400" indent="0">
+              <a:buNone/>
+              <a:defRPr sz="2665"/>
             </a:lvl5pPr>
-            <a:lvl6pPr marL="3047924" indent="0">
-              <a:buNone/>
-              <a:defRPr sz="2667"/>
+            <a:lvl6pPr marL="3048000" indent="0">
+              <a:buNone/>
+              <a:defRPr sz="2665"/>
             </a:lvl6pPr>
-            <a:lvl7pPr marL="3657509" indent="0">
-              <a:buNone/>
-              <a:defRPr sz="2667"/>
+            <a:lvl7pPr marL="3657600" indent="0">
+              <a:buNone/>
+              <a:defRPr sz="2665"/>
             </a:lvl7pPr>
-            <a:lvl8pPr marL="4267093" indent="0">
-              <a:buNone/>
-              <a:defRPr sz="2667"/>
+            <a:lvl8pPr marL="4267200" indent="0">
+              <a:buNone/>
+              <a:defRPr sz="2665"/>
             </a:lvl8pPr>
-            <a:lvl9pPr marL="4876678" indent="0">
-              <a:buNone/>
-              <a:defRPr sz="2667"/>
+            <a:lvl9pPr marL="4876800" indent="0">
+              <a:buNone/>
+              <a:defRPr sz="2665"/>
             </a:lvl9pPr>
           </a:lstStyle>
           <a:p>
@@ -7096,40 +6910,40 @@
                   </a:schemeClr>
                 </a:solidFill>
                 <a:latin typeface="+mn-lt"/>
-                <a:cs typeface="Arial" pitchFamily="34" charset="0"/>
+                <a:cs typeface="Arial" panose="020B0604020202090204" pitchFamily="34" charset="0"/>
               </a:defRPr>
             </a:lvl1pPr>
-            <a:lvl2pPr marL="609585" indent="0">
-              <a:buNone/>
-              <a:defRPr sz="3733"/>
+            <a:lvl2pPr marL="609600" indent="0">
+              <a:buNone/>
+              <a:defRPr sz="3735"/>
             </a:lvl2pPr>
-            <a:lvl3pPr marL="1219170" indent="0">
+            <a:lvl3pPr marL="1219200" indent="0">
               <a:buNone/>
               <a:defRPr sz="3200"/>
             </a:lvl3pPr>
-            <a:lvl4pPr marL="1828754" indent="0">
-              <a:buNone/>
-              <a:defRPr sz="2667"/>
+            <a:lvl4pPr marL="1828800" indent="0">
+              <a:buNone/>
+              <a:defRPr sz="2665"/>
             </a:lvl4pPr>
-            <a:lvl5pPr marL="2438339" indent="0">
-              <a:buNone/>
-              <a:defRPr sz="2667"/>
+            <a:lvl5pPr marL="2438400" indent="0">
+              <a:buNone/>
+              <a:defRPr sz="2665"/>
             </a:lvl5pPr>
-            <a:lvl6pPr marL="3047924" indent="0">
-              <a:buNone/>
-              <a:defRPr sz="2667"/>
+            <a:lvl6pPr marL="3048000" indent="0">
+              <a:buNone/>
+              <a:defRPr sz="2665"/>
             </a:lvl6pPr>
-            <a:lvl7pPr marL="3657509" indent="0">
-              <a:buNone/>
-              <a:defRPr sz="2667"/>
+            <a:lvl7pPr marL="3657600" indent="0">
+              <a:buNone/>
+              <a:defRPr sz="2665"/>
             </a:lvl7pPr>
-            <a:lvl8pPr marL="4267093" indent="0">
-              <a:buNone/>
-              <a:defRPr sz="2667"/>
+            <a:lvl8pPr marL="4267200" indent="0">
+              <a:buNone/>
+              <a:defRPr sz="2665"/>
             </a:lvl8pPr>
-            <a:lvl9pPr marL="4876678" indent="0">
-              <a:buNone/>
-              <a:defRPr sz="2667"/>
+            <a:lvl9pPr marL="4876800" indent="0">
+              <a:buNone/>
+              <a:defRPr sz="2665"/>
             </a:lvl9pPr>
           </a:lstStyle>
           <a:p>
@@ -7178,40 +6992,40 @@
                   </a:schemeClr>
                 </a:solidFill>
                 <a:latin typeface="+mn-lt"/>
-                <a:cs typeface="Arial" pitchFamily="34" charset="0"/>
+                <a:cs typeface="Arial" panose="020B0604020202090204" pitchFamily="34" charset="0"/>
               </a:defRPr>
             </a:lvl1pPr>
-            <a:lvl2pPr marL="609585" indent="0">
-              <a:buNone/>
-              <a:defRPr sz="3733"/>
+            <a:lvl2pPr marL="609600" indent="0">
+              <a:buNone/>
+              <a:defRPr sz="3735"/>
             </a:lvl2pPr>
-            <a:lvl3pPr marL="1219170" indent="0">
+            <a:lvl3pPr marL="1219200" indent="0">
               <a:buNone/>
               <a:defRPr sz="3200"/>
             </a:lvl3pPr>
-            <a:lvl4pPr marL="1828754" indent="0">
-              <a:buNone/>
-              <a:defRPr sz="2667"/>
+            <a:lvl4pPr marL="1828800" indent="0">
+              <a:buNone/>
+              <a:defRPr sz="2665"/>
             </a:lvl4pPr>
-            <a:lvl5pPr marL="2438339" indent="0">
-              <a:buNone/>
-              <a:defRPr sz="2667"/>
+            <a:lvl5pPr marL="2438400" indent="0">
+              <a:buNone/>
+              <a:defRPr sz="2665"/>
             </a:lvl5pPr>
-            <a:lvl6pPr marL="3047924" indent="0">
-              <a:buNone/>
-              <a:defRPr sz="2667"/>
+            <a:lvl6pPr marL="3048000" indent="0">
+              <a:buNone/>
+              <a:defRPr sz="2665"/>
             </a:lvl6pPr>
-            <a:lvl7pPr marL="3657509" indent="0">
-              <a:buNone/>
-              <a:defRPr sz="2667"/>
+            <a:lvl7pPr marL="3657600" indent="0">
+              <a:buNone/>
+              <a:defRPr sz="2665"/>
             </a:lvl7pPr>
-            <a:lvl8pPr marL="4267093" indent="0">
-              <a:buNone/>
-              <a:defRPr sz="2667"/>
+            <a:lvl8pPr marL="4267200" indent="0">
+              <a:buNone/>
+              <a:defRPr sz="2665"/>
             </a:lvl8pPr>
-            <a:lvl9pPr marL="4876678" indent="0">
-              <a:buNone/>
-              <a:defRPr sz="2667"/>
+            <a:lvl9pPr marL="4876800" indent="0">
+              <a:buNone/>
+              <a:defRPr sz="2665"/>
             </a:lvl9pPr>
           </a:lstStyle>
           <a:p>
@@ -7260,40 +7074,40 @@
                   </a:schemeClr>
                 </a:solidFill>
                 <a:latin typeface="+mn-lt"/>
-                <a:cs typeface="Arial" pitchFamily="34" charset="0"/>
+                <a:cs typeface="Arial" panose="020B0604020202090204" pitchFamily="34" charset="0"/>
               </a:defRPr>
             </a:lvl1pPr>
-            <a:lvl2pPr marL="609585" indent="0">
-              <a:buNone/>
-              <a:defRPr sz="3733"/>
+            <a:lvl2pPr marL="609600" indent="0">
+              <a:buNone/>
+              <a:defRPr sz="3735"/>
             </a:lvl2pPr>
-            <a:lvl3pPr marL="1219170" indent="0">
+            <a:lvl3pPr marL="1219200" indent="0">
               <a:buNone/>
               <a:defRPr sz="3200"/>
             </a:lvl3pPr>
-            <a:lvl4pPr marL="1828754" indent="0">
-              <a:buNone/>
-              <a:defRPr sz="2667"/>
+            <a:lvl4pPr marL="1828800" indent="0">
+              <a:buNone/>
+              <a:defRPr sz="2665"/>
             </a:lvl4pPr>
-            <a:lvl5pPr marL="2438339" indent="0">
-              <a:buNone/>
-              <a:defRPr sz="2667"/>
+            <a:lvl5pPr marL="2438400" indent="0">
+              <a:buNone/>
+              <a:defRPr sz="2665"/>
             </a:lvl5pPr>
-            <a:lvl6pPr marL="3047924" indent="0">
-              <a:buNone/>
-              <a:defRPr sz="2667"/>
+            <a:lvl6pPr marL="3048000" indent="0">
+              <a:buNone/>
+              <a:defRPr sz="2665"/>
             </a:lvl6pPr>
-            <a:lvl7pPr marL="3657509" indent="0">
-              <a:buNone/>
-              <a:defRPr sz="2667"/>
+            <a:lvl7pPr marL="3657600" indent="0">
+              <a:buNone/>
+              <a:defRPr sz="2665"/>
             </a:lvl7pPr>
-            <a:lvl8pPr marL="4267093" indent="0">
-              <a:buNone/>
-              <a:defRPr sz="2667"/>
+            <a:lvl8pPr marL="4267200" indent="0">
+              <a:buNone/>
+              <a:defRPr sz="2665"/>
             </a:lvl8pPr>
-            <a:lvl9pPr marL="4876678" indent="0">
-              <a:buNone/>
-              <a:defRPr sz="2667"/>
+            <a:lvl9pPr marL="4876800" indent="0">
+              <a:buNone/>
+              <a:defRPr sz="2665"/>
             </a:lvl9pPr>
           </a:lstStyle>
           <a:p>
@@ -7306,11 +7120,6 @@
         </p:txBody>
       </p:sp>
     </p:spTree>
-    <p:extLst>
-      <p:ext uri="{BB962C8B-B14F-4D97-AF65-F5344CB8AC3E}">
-        <p14:creationId xmlns:p14="http://schemas.microsoft.com/office/powerpoint/2010/main" val="4278359442"/>
-      </p:ext>
-    </p:extLst>
   </p:cSld>
   <p:clrMapOvr>
     <a:masterClrMapping/>
@@ -7372,40 +7181,40 @@
                   </a:schemeClr>
                 </a:solidFill>
                 <a:latin typeface="+mn-lt"/>
-                <a:cs typeface="Arial" pitchFamily="34" charset="0"/>
+                <a:cs typeface="Arial" panose="020B0604020202090204" pitchFamily="34" charset="0"/>
               </a:defRPr>
             </a:lvl1pPr>
-            <a:lvl2pPr marL="609585" indent="0">
-              <a:buNone/>
-              <a:defRPr sz="3733"/>
+            <a:lvl2pPr marL="609600" indent="0">
+              <a:buNone/>
+              <a:defRPr sz="3735"/>
             </a:lvl2pPr>
-            <a:lvl3pPr marL="1219170" indent="0">
+            <a:lvl3pPr marL="1219200" indent="0">
               <a:buNone/>
               <a:defRPr sz="3200"/>
             </a:lvl3pPr>
-            <a:lvl4pPr marL="1828754" indent="0">
-              <a:buNone/>
-              <a:defRPr sz="2667"/>
+            <a:lvl4pPr marL="1828800" indent="0">
+              <a:buNone/>
+              <a:defRPr sz="2665"/>
             </a:lvl4pPr>
-            <a:lvl5pPr marL="2438339" indent="0">
-              <a:buNone/>
-              <a:defRPr sz="2667"/>
+            <a:lvl5pPr marL="2438400" indent="0">
+              <a:buNone/>
+              <a:defRPr sz="2665"/>
             </a:lvl5pPr>
-            <a:lvl6pPr marL="3047924" indent="0">
-              <a:buNone/>
-              <a:defRPr sz="2667"/>
+            <a:lvl6pPr marL="3048000" indent="0">
+              <a:buNone/>
+              <a:defRPr sz="2665"/>
             </a:lvl6pPr>
-            <a:lvl7pPr marL="3657509" indent="0">
-              <a:buNone/>
-              <a:defRPr sz="2667"/>
+            <a:lvl7pPr marL="3657600" indent="0">
+              <a:buNone/>
+              <a:defRPr sz="2665"/>
             </a:lvl7pPr>
-            <a:lvl8pPr marL="4267093" indent="0">
-              <a:buNone/>
-              <a:defRPr sz="2667"/>
+            <a:lvl8pPr marL="4267200" indent="0">
+              <a:buNone/>
+              <a:defRPr sz="2665"/>
             </a:lvl8pPr>
-            <a:lvl9pPr marL="4876678" indent="0">
-              <a:buNone/>
-              <a:defRPr sz="2667"/>
+            <a:lvl9pPr marL="4876800" indent="0">
+              <a:buNone/>
+              <a:defRPr sz="2665"/>
             </a:lvl9pPr>
           </a:lstStyle>
           <a:p>
@@ -7454,40 +7263,40 @@
                   </a:schemeClr>
                 </a:solidFill>
                 <a:latin typeface="+mn-lt"/>
-                <a:cs typeface="Arial" pitchFamily="34" charset="0"/>
+                <a:cs typeface="Arial" panose="020B0604020202090204" pitchFamily="34" charset="0"/>
               </a:defRPr>
             </a:lvl1pPr>
-            <a:lvl2pPr marL="609585" indent="0">
-              <a:buNone/>
-              <a:defRPr sz="3733"/>
+            <a:lvl2pPr marL="609600" indent="0">
+              <a:buNone/>
+              <a:defRPr sz="3735"/>
             </a:lvl2pPr>
-            <a:lvl3pPr marL="1219170" indent="0">
+            <a:lvl3pPr marL="1219200" indent="0">
               <a:buNone/>
               <a:defRPr sz="3200"/>
             </a:lvl3pPr>
-            <a:lvl4pPr marL="1828754" indent="0">
-              <a:buNone/>
-              <a:defRPr sz="2667"/>
+            <a:lvl4pPr marL="1828800" indent="0">
+              <a:buNone/>
+              <a:defRPr sz="2665"/>
             </a:lvl4pPr>
-            <a:lvl5pPr marL="2438339" indent="0">
-              <a:buNone/>
-              <a:defRPr sz="2667"/>
+            <a:lvl5pPr marL="2438400" indent="0">
+              <a:buNone/>
+              <a:defRPr sz="2665"/>
             </a:lvl5pPr>
-            <a:lvl6pPr marL="3047924" indent="0">
-              <a:buNone/>
-              <a:defRPr sz="2667"/>
+            <a:lvl6pPr marL="3048000" indent="0">
+              <a:buNone/>
+              <a:defRPr sz="2665"/>
             </a:lvl6pPr>
-            <a:lvl7pPr marL="3657509" indent="0">
-              <a:buNone/>
-              <a:defRPr sz="2667"/>
+            <a:lvl7pPr marL="3657600" indent="0">
+              <a:buNone/>
+              <a:defRPr sz="2665"/>
             </a:lvl7pPr>
-            <a:lvl8pPr marL="4267093" indent="0">
-              <a:buNone/>
-              <a:defRPr sz="2667"/>
+            <a:lvl8pPr marL="4267200" indent="0">
+              <a:buNone/>
+              <a:defRPr sz="2665"/>
             </a:lvl8pPr>
-            <a:lvl9pPr marL="4876678" indent="0">
-              <a:buNone/>
-              <a:defRPr sz="2667"/>
+            <a:lvl9pPr marL="4876800" indent="0">
+              <a:buNone/>
+              <a:defRPr sz="2665"/>
             </a:lvl9pPr>
           </a:lstStyle>
           <a:p>
@@ -7536,40 +7345,40 @@
                   </a:schemeClr>
                 </a:solidFill>
                 <a:latin typeface="+mn-lt"/>
-                <a:cs typeface="Arial" pitchFamily="34" charset="0"/>
+                <a:cs typeface="Arial" panose="020B0604020202090204" pitchFamily="34" charset="0"/>
               </a:defRPr>
             </a:lvl1pPr>
-            <a:lvl2pPr marL="609585" indent="0">
-              <a:buNone/>
-              <a:defRPr sz="3733"/>
+            <a:lvl2pPr marL="609600" indent="0">
+              <a:buNone/>
+              <a:defRPr sz="3735"/>
             </a:lvl2pPr>
-            <a:lvl3pPr marL="1219170" indent="0">
+            <a:lvl3pPr marL="1219200" indent="0">
               <a:buNone/>
               <a:defRPr sz="3200"/>
             </a:lvl3pPr>
-            <a:lvl4pPr marL="1828754" indent="0">
-              <a:buNone/>
-              <a:defRPr sz="2667"/>
+            <a:lvl4pPr marL="1828800" indent="0">
+              <a:buNone/>
+              <a:defRPr sz="2665"/>
             </a:lvl4pPr>
-            <a:lvl5pPr marL="2438339" indent="0">
-              <a:buNone/>
-              <a:defRPr sz="2667"/>
+            <a:lvl5pPr marL="2438400" indent="0">
+              <a:buNone/>
+              <a:defRPr sz="2665"/>
             </a:lvl5pPr>
-            <a:lvl6pPr marL="3047924" indent="0">
-              <a:buNone/>
-              <a:defRPr sz="2667"/>
+            <a:lvl6pPr marL="3048000" indent="0">
+              <a:buNone/>
+              <a:defRPr sz="2665"/>
             </a:lvl6pPr>
-            <a:lvl7pPr marL="3657509" indent="0">
-              <a:buNone/>
-              <a:defRPr sz="2667"/>
+            <a:lvl7pPr marL="3657600" indent="0">
+              <a:buNone/>
+              <a:defRPr sz="2665"/>
             </a:lvl7pPr>
-            <a:lvl8pPr marL="4267093" indent="0">
-              <a:buNone/>
-              <a:defRPr sz="2667"/>
+            <a:lvl8pPr marL="4267200" indent="0">
+              <a:buNone/>
+              <a:defRPr sz="2665"/>
             </a:lvl8pPr>
-            <a:lvl9pPr marL="4876678" indent="0">
-              <a:buNone/>
-              <a:defRPr sz="2667"/>
+            <a:lvl9pPr marL="4876800" indent="0">
+              <a:buNone/>
+              <a:defRPr sz="2665"/>
             </a:lvl9pPr>
           </a:lstStyle>
           <a:p>
@@ -7618,40 +7427,40 @@
                   </a:schemeClr>
                 </a:solidFill>
                 <a:latin typeface="+mn-lt"/>
-                <a:cs typeface="Arial" pitchFamily="34" charset="0"/>
+                <a:cs typeface="Arial" panose="020B0604020202090204" pitchFamily="34" charset="0"/>
               </a:defRPr>
             </a:lvl1pPr>
-            <a:lvl2pPr marL="609585" indent="0">
-              <a:buNone/>
-              <a:defRPr sz="3733"/>
+            <a:lvl2pPr marL="609600" indent="0">
+              <a:buNone/>
+              <a:defRPr sz="3735"/>
             </a:lvl2pPr>
-            <a:lvl3pPr marL="1219170" indent="0">
+            <a:lvl3pPr marL="1219200" indent="0">
               <a:buNone/>
               <a:defRPr sz="3200"/>
             </a:lvl3pPr>
-            <a:lvl4pPr marL="1828754" indent="0">
-              <a:buNone/>
-              <a:defRPr sz="2667"/>
+            <a:lvl4pPr marL="1828800" indent="0">
+              <a:buNone/>
+              <a:defRPr sz="2665"/>
             </a:lvl4pPr>
-            <a:lvl5pPr marL="2438339" indent="0">
-              <a:buNone/>
-              <a:defRPr sz="2667"/>
+            <a:lvl5pPr marL="2438400" indent="0">
+              <a:buNone/>
+              <a:defRPr sz="2665"/>
             </a:lvl5pPr>
-            <a:lvl6pPr marL="3047924" indent="0">
-              <a:buNone/>
-              <a:defRPr sz="2667"/>
+            <a:lvl6pPr marL="3048000" indent="0">
+              <a:buNone/>
+              <a:defRPr sz="2665"/>
             </a:lvl6pPr>
-            <a:lvl7pPr marL="3657509" indent="0">
-              <a:buNone/>
-              <a:defRPr sz="2667"/>
+            <a:lvl7pPr marL="3657600" indent="0">
+              <a:buNone/>
+              <a:defRPr sz="2665"/>
             </a:lvl7pPr>
-            <a:lvl8pPr marL="4267093" indent="0">
-              <a:buNone/>
-              <a:defRPr sz="2667"/>
+            <a:lvl8pPr marL="4267200" indent="0">
+              <a:buNone/>
+              <a:defRPr sz="2665"/>
             </a:lvl8pPr>
-            <a:lvl9pPr marL="4876678" indent="0">
-              <a:buNone/>
-              <a:defRPr sz="2667"/>
+            <a:lvl9pPr marL="4876800" indent="0">
+              <a:buNone/>
+              <a:defRPr sz="2665"/>
             </a:lvl9pPr>
           </a:lstStyle>
           <a:p>
@@ -7700,40 +7509,40 @@
                   </a:schemeClr>
                 </a:solidFill>
                 <a:latin typeface="+mn-lt"/>
-                <a:cs typeface="Arial" pitchFamily="34" charset="0"/>
+                <a:cs typeface="Arial" panose="020B0604020202090204" pitchFamily="34" charset="0"/>
               </a:defRPr>
             </a:lvl1pPr>
-            <a:lvl2pPr marL="609585" indent="0">
-              <a:buNone/>
-              <a:defRPr sz="3733"/>
+            <a:lvl2pPr marL="609600" indent="0">
+              <a:buNone/>
+              <a:defRPr sz="3735"/>
             </a:lvl2pPr>
-            <a:lvl3pPr marL="1219170" indent="0">
+            <a:lvl3pPr marL="1219200" indent="0">
               <a:buNone/>
               <a:defRPr sz="3200"/>
             </a:lvl3pPr>
-            <a:lvl4pPr marL="1828754" indent="0">
-              <a:buNone/>
-              <a:defRPr sz="2667"/>
+            <a:lvl4pPr marL="1828800" indent="0">
+              <a:buNone/>
+              <a:defRPr sz="2665"/>
             </a:lvl4pPr>
-            <a:lvl5pPr marL="2438339" indent="0">
-              <a:buNone/>
-              <a:defRPr sz="2667"/>
+            <a:lvl5pPr marL="2438400" indent="0">
+              <a:buNone/>
+              <a:defRPr sz="2665"/>
             </a:lvl5pPr>
-            <a:lvl6pPr marL="3047924" indent="0">
-              <a:buNone/>
-              <a:defRPr sz="2667"/>
+            <a:lvl6pPr marL="3048000" indent="0">
+              <a:buNone/>
+              <a:defRPr sz="2665"/>
             </a:lvl6pPr>
-            <a:lvl7pPr marL="3657509" indent="0">
-              <a:buNone/>
-              <a:defRPr sz="2667"/>
+            <a:lvl7pPr marL="3657600" indent="0">
+              <a:buNone/>
+              <a:defRPr sz="2665"/>
             </a:lvl7pPr>
-            <a:lvl8pPr marL="4267093" indent="0">
-              <a:buNone/>
-              <a:defRPr sz="2667"/>
+            <a:lvl8pPr marL="4267200" indent="0">
+              <a:buNone/>
+              <a:defRPr sz="2665"/>
             </a:lvl8pPr>
-            <a:lvl9pPr marL="4876678" indent="0">
-              <a:buNone/>
-              <a:defRPr sz="2667"/>
+            <a:lvl9pPr marL="4876800" indent="0">
+              <a:buNone/>
+              <a:defRPr sz="2665"/>
             </a:lvl9pPr>
           </a:lstStyle>
           <a:p>
@@ -7746,11 +7555,6 @@
         </p:txBody>
       </p:sp>
     </p:spTree>
-    <p:extLst>
-      <p:ext uri="{BB962C8B-B14F-4D97-AF65-F5344CB8AC3E}">
-        <p14:creationId xmlns:p14="http://schemas.microsoft.com/office/powerpoint/2010/main" val="2702302158"/>
-      </p:ext>
-    </p:extLst>
   </p:cSld>
   <p:clrMapOvr>
     <a:masterClrMapping/>
@@ -7807,7 +7611,7 @@
                   </a:schemeClr>
                 </a:solidFill>
                 <a:latin typeface="+mj-lt"/>
-                <a:cs typeface="Arial" pitchFamily="34" charset="0"/>
+                <a:cs typeface="Arial" panose="020B0604020202090204" pitchFamily="34" charset="0"/>
               </a:defRPr>
             </a:lvl1pPr>
           </a:lstStyle>
@@ -7817,6 +7621,7 @@
               <a:rPr lang="en-US" altLang="ko-KR" dirty="0"/>
               <a:t>IMAGES &amp; CONTENTS</a:t>
             </a:r>
+            <a:endParaRPr lang="en-US" altLang="ko-KR" dirty="0"/>
           </a:p>
         </p:txBody>
       </p:sp>
@@ -7844,7 +7649,7 @@
           <a:lstStyle>
             <a:lvl1pPr marL="0" indent="0" algn="ctr">
               <a:buNone/>
-              <a:defRPr sz="1867" b="0" baseline="0">
+              <a:defRPr sz="1865" b="0" baseline="0">
                 <a:solidFill>
                   <a:schemeClr val="tx1">
                     <a:lumMod val="75000"/>
@@ -7852,7 +7657,7 @@
                   </a:schemeClr>
                 </a:solidFill>
                 <a:latin typeface="+mn-lt"/>
-                <a:cs typeface="Arial" pitchFamily="34" charset="0"/>
+                <a:cs typeface="Arial" panose="020B0604020202090204" pitchFamily="34" charset="0"/>
               </a:defRPr>
             </a:lvl1pPr>
           </a:lstStyle>
@@ -7862,6 +7667,7 @@
               <a:rPr lang="en-US" altLang="ko-KR" dirty="0"/>
               <a:t>Insert the title of your subtitle Here</a:t>
             </a:r>
+            <a:endParaRPr lang="en-US" altLang="ko-KR" dirty="0"/>
           </a:p>
         </p:txBody>
       </p:sp>
@@ -7932,40 +7738,40 @@
                   </a:schemeClr>
                 </a:solidFill>
                 <a:latin typeface="+mn-lt"/>
-                <a:cs typeface="Arial" pitchFamily="34" charset="0"/>
+                <a:cs typeface="Arial" panose="020B0604020202090204" pitchFamily="34" charset="0"/>
               </a:defRPr>
             </a:lvl1pPr>
-            <a:lvl2pPr marL="609585" indent="0">
-              <a:buNone/>
-              <a:defRPr sz="3733"/>
+            <a:lvl2pPr marL="609600" indent="0">
+              <a:buNone/>
+              <a:defRPr sz="3735"/>
             </a:lvl2pPr>
-            <a:lvl3pPr marL="1219170" indent="0">
+            <a:lvl3pPr marL="1219200" indent="0">
               <a:buNone/>
               <a:defRPr sz="3200"/>
             </a:lvl3pPr>
-            <a:lvl4pPr marL="1828754" indent="0">
-              <a:buNone/>
-              <a:defRPr sz="2667"/>
+            <a:lvl4pPr marL="1828800" indent="0">
+              <a:buNone/>
+              <a:defRPr sz="2665"/>
             </a:lvl4pPr>
-            <a:lvl5pPr marL="2438339" indent="0">
-              <a:buNone/>
-              <a:defRPr sz="2667"/>
+            <a:lvl5pPr marL="2438400" indent="0">
+              <a:buNone/>
+              <a:defRPr sz="2665"/>
             </a:lvl5pPr>
-            <a:lvl6pPr marL="3047924" indent="0">
-              <a:buNone/>
-              <a:defRPr sz="2667"/>
+            <a:lvl6pPr marL="3048000" indent="0">
+              <a:buNone/>
+              <a:defRPr sz="2665"/>
             </a:lvl6pPr>
-            <a:lvl7pPr marL="3657509" indent="0">
-              <a:buNone/>
-              <a:defRPr sz="2667"/>
+            <a:lvl7pPr marL="3657600" indent="0">
+              <a:buNone/>
+              <a:defRPr sz="2665"/>
             </a:lvl7pPr>
-            <a:lvl8pPr marL="4267093" indent="0">
-              <a:buNone/>
-              <a:defRPr sz="2667"/>
+            <a:lvl8pPr marL="4267200" indent="0">
+              <a:buNone/>
+              <a:defRPr sz="2665"/>
             </a:lvl8pPr>
-            <a:lvl9pPr marL="4876678" indent="0">
-              <a:buNone/>
-              <a:defRPr sz="2667"/>
+            <a:lvl9pPr marL="4876800" indent="0">
+              <a:buNone/>
+              <a:defRPr sz="2665"/>
             </a:lvl9pPr>
           </a:lstStyle>
           <a:p>
@@ -8078,11 +7884,6 @@
         </p:txBody>
       </p:sp>
     </p:spTree>
-    <p:extLst>
-      <p:ext uri="{BB962C8B-B14F-4D97-AF65-F5344CB8AC3E}">
-        <p14:creationId xmlns:p14="http://schemas.microsoft.com/office/powerpoint/2010/main" val="2218041535"/>
-      </p:ext>
-    </p:extLst>
   </p:cSld>
   <p:clrMapOvr>
     <a:masterClrMapping/>
@@ -8139,7 +7940,7 @@
                   </a:schemeClr>
                 </a:solidFill>
                 <a:latin typeface="+mj-lt"/>
-                <a:cs typeface="Arial" pitchFamily="34" charset="0"/>
+                <a:cs typeface="Arial" panose="020B0604020202090204" pitchFamily="34" charset="0"/>
               </a:defRPr>
             </a:lvl1pPr>
           </a:lstStyle>
@@ -8149,6 +7950,7 @@
               <a:rPr lang="en-US" altLang="ko-KR" dirty="0"/>
               <a:t>IMAGES &amp; CONTENTS</a:t>
             </a:r>
+            <a:endParaRPr lang="en-US" altLang="ko-KR" dirty="0"/>
           </a:p>
         </p:txBody>
       </p:sp>
@@ -8176,7 +7978,7 @@
           <a:lstStyle>
             <a:lvl1pPr marL="0" indent="0" algn="ctr">
               <a:buNone/>
-              <a:defRPr sz="1867" b="0" baseline="0">
+              <a:defRPr sz="1865" b="0" baseline="0">
                 <a:solidFill>
                   <a:schemeClr val="tx1">
                     <a:lumMod val="75000"/>
@@ -8184,7 +7986,7 @@
                   </a:schemeClr>
                 </a:solidFill>
                 <a:latin typeface="+mn-lt"/>
-                <a:cs typeface="Arial" pitchFamily="34" charset="0"/>
+                <a:cs typeface="Arial" panose="020B0604020202090204" pitchFamily="34" charset="0"/>
               </a:defRPr>
             </a:lvl1pPr>
           </a:lstStyle>
@@ -8194,6 +7996,7 @@
               <a:rPr lang="en-US" altLang="ko-KR" dirty="0"/>
               <a:t>Insert the title of your subtitle Here</a:t>
             </a:r>
+            <a:endParaRPr lang="en-US" altLang="ko-KR" dirty="0"/>
           </a:p>
         </p:txBody>
       </p:sp>
@@ -8227,15 +8030,6 @@
             <a:avLst/>
           </a:prstGeom>
           <a:noFill/>
-          <a:extLst>
-            <a:ext uri="{909E8E84-426E-40dd-AFC4-6F175D3DCCD1}">
-              <a14:hiddenFill xmlns:a14="http://schemas.microsoft.com/office/drawing/2010/main" xmlns="">
-                <a:solidFill>
-                  <a:srgbClr val="FFFFFF"/>
-                </a:solidFill>
-              </a14:hiddenFill>
-            </a:ext>
-          </a:extLst>
         </p:spPr>
       </p:pic>
       <p:pic>
@@ -8268,15 +8062,6 @@
             <a:avLst/>
           </a:prstGeom>
           <a:noFill/>
-          <a:extLst>
-            <a:ext uri="{909E8E84-426E-40dd-AFC4-6F175D3DCCD1}">
-              <a14:hiddenFill xmlns:a14="http://schemas.microsoft.com/office/drawing/2010/main" xmlns="">
-                <a:solidFill>
-                  <a:srgbClr val="FFFFFF"/>
-                </a:solidFill>
-              </a14:hiddenFill>
-            </a:ext>
-          </a:extLst>
         </p:spPr>
       </p:pic>
       <p:pic>
@@ -8309,15 +8094,6 @@
             <a:avLst/>
           </a:prstGeom>
           <a:noFill/>
-          <a:extLst>
-            <a:ext uri="{909E8E84-426E-40dd-AFC4-6F175D3DCCD1}">
-              <a14:hiddenFill xmlns:a14="http://schemas.microsoft.com/office/drawing/2010/main" xmlns="">
-                <a:solidFill>
-                  <a:srgbClr val="FFFFFF"/>
-                </a:solidFill>
-              </a14:hiddenFill>
-            </a:ext>
-          </a:extLst>
         </p:spPr>
       </p:pic>
       <p:sp>
@@ -8357,40 +8133,40 @@
                   </a:schemeClr>
                 </a:solidFill>
                 <a:latin typeface="+mn-lt"/>
-                <a:cs typeface="Arial" pitchFamily="34" charset="0"/>
+                <a:cs typeface="Arial" panose="020B0604020202090204" pitchFamily="34" charset="0"/>
               </a:defRPr>
             </a:lvl1pPr>
-            <a:lvl2pPr marL="609585" indent="0">
-              <a:buNone/>
-              <a:defRPr sz="3733"/>
+            <a:lvl2pPr marL="609600" indent="0">
+              <a:buNone/>
+              <a:defRPr sz="3735"/>
             </a:lvl2pPr>
-            <a:lvl3pPr marL="1219170" indent="0">
+            <a:lvl3pPr marL="1219200" indent="0">
               <a:buNone/>
               <a:defRPr sz="3200"/>
             </a:lvl3pPr>
-            <a:lvl4pPr marL="1828754" indent="0">
-              <a:buNone/>
-              <a:defRPr sz="2667"/>
+            <a:lvl4pPr marL="1828800" indent="0">
+              <a:buNone/>
+              <a:defRPr sz="2665"/>
             </a:lvl4pPr>
-            <a:lvl5pPr marL="2438339" indent="0">
-              <a:buNone/>
-              <a:defRPr sz="2667"/>
+            <a:lvl5pPr marL="2438400" indent="0">
+              <a:buNone/>
+              <a:defRPr sz="2665"/>
             </a:lvl5pPr>
-            <a:lvl6pPr marL="3047924" indent="0">
-              <a:buNone/>
-              <a:defRPr sz="2667"/>
+            <a:lvl6pPr marL="3048000" indent="0">
+              <a:buNone/>
+              <a:defRPr sz="2665"/>
             </a:lvl6pPr>
-            <a:lvl7pPr marL="3657509" indent="0">
-              <a:buNone/>
-              <a:defRPr sz="2667"/>
+            <a:lvl7pPr marL="3657600" indent="0">
+              <a:buNone/>
+              <a:defRPr sz="2665"/>
             </a:lvl7pPr>
-            <a:lvl8pPr marL="4267093" indent="0">
-              <a:buNone/>
-              <a:defRPr sz="2667"/>
+            <a:lvl8pPr marL="4267200" indent="0">
+              <a:buNone/>
+              <a:defRPr sz="2665"/>
             </a:lvl8pPr>
-            <a:lvl9pPr marL="4876678" indent="0">
-              <a:buNone/>
-              <a:defRPr sz="2667"/>
+            <a:lvl9pPr marL="4876800" indent="0">
+              <a:buNone/>
+              <a:defRPr sz="2665"/>
             </a:lvl9pPr>
           </a:lstStyle>
           <a:p>
@@ -8439,40 +8215,40 @@
                   </a:schemeClr>
                 </a:solidFill>
                 <a:latin typeface="+mn-lt"/>
-                <a:cs typeface="Arial" pitchFamily="34" charset="0"/>
+                <a:cs typeface="Arial" panose="020B0604020202090204" pitchFamily="34" charset="0"/>
               </a:defRPr>
             </a:lvl1pPr>
-            <a:lvl2pPr marL="609585" indent="0">
-              <a:buNone/>
-              <a:defRPr sz="3733"/>
+            <a:lvl2pPr marL="609600" indent="0">
+              <a:buNone/>
+              <a:defRPr sz="3735"/>
             </a:lvl2pPr>
-            <a:lvl3pPr marL="1219170" indent="0">
+            <a:lvl3pPr marL="1219200" indent="0">
               <a:buNone/>
               <a:defRPr sz="3200"/>
             </a:lvl3pPr>
-            <a:lvl4pPr marL="1828754" indent="0">
-              <a:buNone/>
-              <a:defRPr sz="2667"/>
+            <a:lvl4pPr marL="1828800" indent="0">
+              <a:buNone/>
+              <a:defRPr sz="2665"/>
             </a:lvl4pPr>
-            <a:lvl5pPr marL="2438339" indent="0">
-              <a:buNone/>
-              <a:defRPr sz="2667"/>
+            <a:lvl5pPr marL="2438400" indent="0">
+              <a:buNone/>
+              <a:defRPr sz="2665"/>
             </a:lvl5pPr>
-            <a:lvl6pPr marL="3047924" indent="0">
-              <a:buNone/>
-              <a:defRPr sz="2667"/>
+            <a:lvl6pPr marL="3048000" indent="0">
+              <a:buNone/>
+              <a:defRPr sz="2665"/>
             </a:lvl6pPr>
-            <a:lvl7pPr marL="3657509" indent="0">
-              <a:buNone/>
-              <a:defRPr sz="2667"/>
+            <a:lvl7pPr marL="3657600" indent="0">
+              <a:buNone/>
+              <a:defRPr sz="2665"/>
             </a:lvl7pPr>
-            <a:lvl8pPr marL="4267093" indent="0">
-              <a:buNone/>
-              <a:defRPr sz="2667"/>
+            <a:lvl8pPr marL="4267200" indent="0">
+              <a:buNone/>
+              <a:defRPr sz="2665"/>
             </a:lvl8pPr>
-            <a:lvl9pPr marL="4876678" indent="0">
-              <a:buNone/>
-              <a:defRPr sz="2667"/>
+            <a:lvl9pPr marL="4876800" indent="0">
+              <a:buNone/>
+              <a:defRPr sz="2665"/>
             </a:lvl9pPr>
           </a:lstStyle>
           <a:p>
@@ -8521,40 +8297,40 @@
                   </a:schemeClr>
                 </a:solidFill>
                 <a:latin typeface="+mn-lt"/>
-                <a:cs typeface="Arial" pitchFamily="34" charset="0"/>
+                <a:cs typeface="Arial" panose="020B0604020202090204" pitchFamily="34" charset="0"/>
               </a:defRPr>
             </a:lvl1pPr>
-            <a:lvl2pPr marL="609585" indent="0">
-              <a:buNone/>
-              <a:defRPr sz="3733"/>
+            <a:lvl2pPr marL="609600" indent="0">
+              <a:buNone/>
+              <a:defRPr sz="3735"/>
             </a:lvl2pPr>
-            <a:lvl3pPr marL="1219170" indent="0">
+            <a:lvl3pPr marL="1219200" indent="0">
               <a:buNone/>
               <a:defRPr sz="3200"/>
             </a:lvl3pPr>
-            <a:lvl4pPr marL="1828754" indent="0">
-              <a:buNone/>
-              <a:defRPr sz="2667"/>
+            <a:lvl4pPr marL="1828800" indent="0">
+              <a:buNone/>
+              <a:defRPr sz="2665"/>
             </a:lvl4pPr>
-            <a:lvl5pPr marL="2438339" indent="0">
-              <a:buNone/>
-              <a:defRPr sz="2667"/>
+            <a:lvl5pPr marL="2438400" indent="0">
+              <a:buNone/>
+              <a:defRPr sz="2665"/>
             </a:lvl5pPr>
-            <a:lvl6pPr marL="3047924" indent="0">
-              <a:buNone/>
-              <a:defRPr sz="2667"/>
+            <a:lvl6pPr marL="3048000" indent="0">
+              <a:buNone/>
+              <a:defRPr sz="2665"/>
             </a:lvl6pPr>
-            <a:lvl7pPr marL="3657509" indent="0">
-              <a:buNone/>
-              <a:defRPr sz="2667"/>
+            <a:lvl7pPr marL="3657600" indent="0">
+              <a:buNone/>
+              <a:defRPr sz="2665"/>
             </a:lvl7pPr>
-            <a:lvl8pPr marL="4267093" indent="0">
-              <a:buNone/>
-              <a:defRPr sz="2667"/>
+            <a:lvl8pPr marL="4267200" indent="0">
+              <a:buNone/>
+              <a:defRPr sz="2665"/>
             </a:lvl8pPr>
-            <a:lvl9pPr marL="4876678" indent="0">
-              <a:buNone/>
-              <a:defRPr sz="2667"/>
+            <a:lvl9pPr marL="4876800" indent="0">
+              <a:buNone/>
+              <a:defRPr sz="2665"/>
             </a:lvl9pPr>
           </a:lstStyle>
           <a:p>
@@ -8667,11 +8443,6 @@
         </p:txBody>
       </p:sp>
     </p:spTree>
-    <p:extLst>
-      <p:ext uri="{BB962C8B-B14F-4D97-AF65-F5344CB8AC3E}">
-        <p14:creationId xmlns:p14="http://schemas.microsoft.com/office/powerpoint/2010/main" val="4079406833"/>
-      </p:ext>
-    </p:extLst>
   </p:cSld>
   <p:clrMapOvr>
     <a:masterClrMapping/>
@@ -8733,40 +8504,40 @@
                   </a:schemeClr>
                 </a:solidFill>
                 <a:latin typeface="+mn-lt"/>
-                <a:cs typeface="Arial" pitchFamily="34" charset="0"/>
+                <a:cs typeface="Arial" panose="020B0604020202090204" pitchFamily="34" charset="0"/>
               </a:defRPr>
             </a:lvl1pPr>
-            <a:lvl2pPr marL="609585" indent="0">
-              <a:buNone/>
-              <a:defRPr sz="3733"/>
+            <a:lvl2pPr marL="609600" indent="0">
+              <a:buNone/>
+              <a:defRPr sz="3735"/>
             </a:lvl2pPr>
-            <a:lvl3pPr marL="1219170" indent="0">
+            <a:lvl3pPr marL="1219200" indent="0">
               <a:buNone/>
               <a:defRPr sz="3200"/>
             </a:lvl3pPr>
-            <a:lvl4pPr marL="1828754" indent="0">
-              <a:buNone/>
-              <a:defRPr sz="2667"/>
+            <a:lvl4pPr marL="1828800" indent="0">
+              <a:buNone/>
+              <a:defRPr sz="2665"/>
             </a:lvl4pPr>
-            <a:lvl5pPr marL="2438339" indent="0">
-              <a:buNone/>
-              <a:defRPr sz="2667"/>
+            <a:lvl5pPr marL="2438400" indent="0">
+              <a:buNone/>
+              <a:defRPr sz="2665"/>
             </a:lvl5pPr>
-            <a:lvl6pPr marL="3047924" indent="0">
-              <a:buNone/>
-              <a:defRPr sz="2667"/>
+            <a:lvl6pPr marL="3048000" indent="0">
+              <a:buNone/>
+              <a:defRPr sz="2665"/>
             </a:lvl6pPr>
-            <a:lvl7pPr marL="3657509" indent="0">
-              <a:buNone/>
-              <a:defRPr sz="2667"/>
+            <a:lvl7pPr marL="3657600" indent="0">
+              <a:buNone/>
+              <a:defRPr sz="2665"/>
             </a:lvl7pPr>
-            <a:lvl8pPr marL="4267093" indent="0">
-              <a:buNone/>
-              <a:defRPr sz="2667"/>
+            <a:lvl8pPr marL="4267200" indent="0">
+              <a:buNone/>
+              <a:defRPr sz="2665"/>
             </a:lvl8pPr>
-            <a:lvl9pPr marL="4876678" indent="0">
-              <a:buNone/>
-              <a:defRPr sz="2667"/>
+            <a:lvl9pPr marL="4876800" indent="0">
+              <a:buNone/>
+              <a:defRPr sz="2665"/>
             </a:lvl9pPr>
           </a:lstStyle>
           <a:p>
@@ -8779,11 +8550,6 @@
         </p:txBody>
       </p:sp>
     </p:spTree>
-    <p:extLst>
-      <p:ext uri="{BB962C8B-B14F-4D97-AF65-F5344CB8AC3E}">
-        <p14:creationId xmlns:p14="http://schemas.microsoft.com/office/powerpoint/2010/main" val="2014657143"/>
-      </p:ext>
-    </p:extLst>
   </p:cSld>
   <p:clrMapOvr>
     <a:masterClrMapping/>
@@ -8834,7 +8600,7 @@
               <a:buNone/>
               <a:defRPr sz="4800" b="0" baseline="0">
                 <a:latin typeface="+mj-lt"/>
-                <a:cs typeface="Arial" pitchFamily="34" charset="0"/>
+                <a:cs typeface="Arial" panose="020B0604020202090204" pitchFamily="34" charset="0"/>
               </a:defRPr>
             </a:lvl1pPr>
           </a:lstStyle>
@@ -8844,6 +8610,7 @@
               <a:rPr lang="en-US" altLang="ko-KR" dirty="0"/>
               <a:t>ICON SETS LAYOUT</a:t>
             </a:r>
+            <a:endParaRPr lang="en-US" altLang="ko-KR" dirty="0"/>
           </a:p>
         </p:txBody>
       </p:sp>
@@ -9024,11 +8791,6 @@
         </p:sp>
       </p:grpSp>
     </p:spTree>
-    <p:extLst>
-      <p:ext uri="{BB962C8B-B14F-4D97-AF65-F5344CB8AC3E}">
-        <p14:creationId xmlns:p14="http://schemas.microsoft.com/office/powerpoint/2010/main" val="2621978138"/>
-      </p:ext>
-    </p:extLst>
   </p:cSld>
   <p:clrMapOvr>
     <a:masterClrMapping/>
@@ -9072,6 +8834,7 @@
               <a:rPr lang="en-US"/>
               <a:t>Click to edit Master title style</a:t>
             </a:r>
+            <a:endParaRPr lang="en-US"/>
           </a:p>
         </p:txBody>
       </p:sp>
@@ -9100,6 +8863,7 @@
               <a:rPr lang="en-US"/>
               <a:t>Click to edit Master text styles</a:t>
             </a:r>
+            <a:endParaRPr lang="en-US"/>
           </a:p>
           <a:p>
             <a:pPr lvl="1"/>
@@ -9107,6 +8871,7 @@
               <a:rPr lang="en-US"/>
               <a:t>Second level</a:t>
             </a:r>
+            <a:endParaRPr lang="en-US"/>
           </a:p>
           <a:p>
             <a:pPr lvl="2"/>
@@ -9114,6 +8879,7 @@
               <a:rPr lang="en-US"/>
               <a:t>Third level</a:t>
             </a:r>
+            <a:endParaRPr lang="en-US"/>
           </a:p>
           <a:p>
             <a:pPr lvl="3"/>
@@ -9121,6 +8887,7 @@
               <a:rPr lang="en-US"/>
               <a:t>Fourth level</a:t>
             </a:r>
+            <a:endParaRPr lang="en-US"/>
           </a:p>
           <a:p>
             <a:pPr lvl="4"/>
@@ -9128,6 +8895,7 @@
               <a:rPr lang="en-US"/>
               <a:t>Fifth level</a:t>
             </a:r>
+            <a:endParaRPr lang="en-US"/>
           </a:p>
         </p:txBody>
       </p:sp>
@@ -9156,6 +8924,7 @@
               <a:rPr lang="en-US"/>
               <a:t>Click to edit Master text styles</a:t>
             </a:r>
+            <a:endParaRPr lang="en-US"/>
           </a:p>
           <a:p>
             <a:pPr lvl="1"/>
@@ -9163,6 +8932,7 @@
               <a:rPr lang="en-US"/>
               <a:t>Second level</a:t>
             </a:r>
+            <a:endParaRPr lang="en-US"/>
           </a:p>
           <a:p>
             <a:pPr lvl="2"/>
@@ -9170,6 +8940,7 @@
               <a:rPr lang="en-US"/>
               <a:t>Third level</a:t>
             </a:r>
+            <a:endParaRPr lang="en-US"/>
           </a:p>
           <a:p>
             <a:pPr lvl="3"/>
@@ -9177,6 +8948,7 @@
               <a:rPr lang="en-US"/>
               <a:t>Fourth level</a:t>
             </a:r>
+            <a:endParaRPr lang="en-US"/>
           </a:p>
           <a:p>
             <a:pPr lvl="4"/>
@@ -9184,6 +8956,7 @@
               <a:rPr lang="en-US"/>
               <a:t>Fifth level</a:t>
             </a:r>
+            <a:endParaRPr lang="en-US"/>
           </a:p>
         </p:txBody>
       </p:sp>
@@ -9242,19 +9015,12 @@
           <a:p>
             <a:fld id="{BDCDBBEF-AA6C-4BA6-85B2-A17D7F280E38}" type="slidenum">
               <a:rPr lang="en-US" smtClean="0"/>
-              <a:pPr/>
-              <a:t>‹#›</a:t>
             </a:fld>
             <a:endParaRPr lang="en-US"/>
           </a:p>
         </p:txBody>
       </p:sp>
     </p:spTree>
-    <p:extLst>
-      <p:ext uri="{BB962C8B-B14F-4D97-AF65-F5344CB8AC3E}">
-        <p14:creationId xmlns:p14="http://schemas.microsoft.com/office/powerpoint/2010/main" val="1712201674"/>
-      </p:ext>
-    </p:extLst>
   </p:cSld>
   <p:clrMapOvr>
     <a:masterClrMapping/>
@@ -9303,6 +9069,7 @@
               <a:rPr lang="en-US"/>
               <a:t>Click to edit Master title style</a:t>
             </a:r>
+            <a:endParaRPr lang="en-US"/>
           </a:p>
         </p:txBody>
       </p:sp>
@@ -9368,6 +9135,7 @@
               <a:rPr lang="en-US"/>
               <a:t>Click to edit Master text styles</a:t>
             </a:r>
+            <a:endParaRPr lang="en-US"/>
           </a:p>
         </p:txBody>
       </p:sp>
@@ -9396,6 +9164,7 @@
               <a:rPr lang="en-US"/>
               <a:t>Click to edit Master text styles</a:t>
             </a:r>
+            <a:endParaRPr lang="en-US"/>
           </a:p>
           <a:p>
             <a:pPr lvl="1"/>
@@ -9403,6 +9172,7 @@
               <a:rPr lang="en-US"/>
               <a:t>Second level</a:t>
             </a:r>
+            <a:endParaRPr lang="en-US"/>
           </a:p>
           <a:p>
             <a:pPr lvl="2"/>
@@ -9410,6 +9180,7 @@
               <a:rPr lang="en-US"/>
               <a:t>Third level</a:t>
             </a:r>
+            <a:endParaRPr lang="en-US"/>
           </a:p>
           <a:p>
             <a:pPr lvl="3"/>
@@ -9417,6 +9188,7 @@
               <a:rPr lang="en-US"/>
               <a:t>Fourth level</a:t>
             </a:r>
+            <a:endParaRPr lang="en-US"/>
           </a:p>
           <a:p>
             <a:pPr lvl="4"/>
@@ -9424,6 +9196,7 @@
               <a:rPr lang="en-US"/>
               <a:t>Fifth level</a:t>
             </a:r>
+            <a:endParaRPr lang="en-US"/>
           </a:p>
         </p:txBody>
       </p:sp>
@@ -9489,6 +9262,7 @@
               <a:rPr lang="en-US"/>
               <a:t>Click to edit Master text styles</a:t>
             </a:r>
+            <a:endParaRPr lang="en-US"/>
           </a:p>
         </p:txBody>
       </p:sp>
@@ -9517,6 +9291,7 @@
               <a:rPr lang="en-US"/>
               <a:t>Click to edit Master text styles</a:t>
             </a:r>
+            <a:endParaRPr lang="en-US"/>
           </a:p>
           <a:p>
             <a:pPr lvl="1"/>
@@ -9524,6 +9299,7 @@
               <a:rPr lang="en-US"/>
               <a:t>Second level</a:t>
             </a:r>
+            <a:endParaRPr lang="en-US"/>
           </a:p>
           <a:p>
             <a:pPr lvl="2"/>
@@ -9531,6 +9307,7 @@
               <a:rPr lang="en-US"/>
               <a:t>Third level</a:t>
             </a:r>
+            <a:endParaRPr lang="en-US"/>
           </a:p>
           <a:p>
             <a:pPr lvl="3"/>
@@ -9538,6 +9315,7 @@
               <a:rPr lang="en-US"/>
               <a:t>Fourth level</a:t>
             </a:r>
+            <a:endParaRPr lang="en-US"/>
           </a:p>
           <a:p>
             <a:pPr lvl="4"/>
@@ -9545,6 +9323,7 @@
               <a:rPr lang="en-US"/>
               <a:t>Fifth level</a:t>
             </a:r>
+            <a:endParaRPr lang="en-US"/>
           </a:p>
         </p:txBody>
       </p:sp>
@@ -9603,19 +9382,12 @@
           <a:p>
             <a:fld id="{BDCDBBEF-AA6C-4BA6-85B2-A17D7F280E38}" type="slidenum">
               <a:rPr lang="en-US" smtClean="0"/>
-              <a:pPr/>
-              <a:t>‹#›</a:t>
             </a:fld>
             <a:endParaRPr lang="en-US"/>
           </a:p>
         </p:txBody>
       </p:sp>
     </p:spTree>
-    <p:extLst>
-      <p:ext uri="{BB962C8B-B14F-4D97-AF65-F5344CB8AC3E}">
-        <p14:creationId xmlns:p14="http://schemas.microsoft.com/office/powerpoint/2010/main" val="1801216958"/>
-      </p:ext>
-    </p:extLst>
   </p:cSld>
   <p:clrMapOvr>
     <a:masterClrMapping/>
@@ -9659,6 +9431,7 @@
               <a:rPr lang="en-US"/>
               <a:t>Click to edit Master title style</a:t>
             </a:r>
+            <a:endParaRPr lang="en-US"/>
           </a:p>
         </p:txBody>
       </p:sp>
@@ -9717,19 +9490,12 @@
           <a:p>
             <a:fld id="{BDCDBBEF-AA6C-4BA6-85B2-A17D7F280E38}" type="slidenum">
               <a:rPr lang="en-US" smtClean="0"/>
-              <a:pPr/>
-              <a:t>‹#›</a:t>
             </a:fld>
             <a:endParaRPr lang="en-US"/>
           </a:p>
         </p:txBody>
       </p:sp>
     </p:spTree>
-    <p:extLst>
-      <p:ext uri="{BB962C8B-B14F-4D97-AF65-F5344CB8AC3E}">
-        <p14:creationId xmlns:p14="http://schemas.microsoft.com/office/powerpoint/2010/main" val="881204126"/>
-      </p:ext>
-    </p:extLst>
   </p:cSld>
   <p:clrMapOvr>
     <a:masterClrMapping/>
@@ -9809,19 +9575,12 @@
           <a:p>
             <a:fld id="{BDCDBBEF-AA6C-4BA6-85B2-A17D7F280E38}" type="slidenum">
               <a:rPr lang="en-US" smtClean="0"/>
-              <a:pPr/>
-              <a:t>‹#›</a:t>
             </a:fld>
             <a:endParaRPr lang="en-US"/>
           </a:p>
         </p:txBody>
       </p:sp>
     </p:spTree>
-    <p:extLst>
-      <p:ext uri="{BB962C8B-B14F-4D97-AF65-F5344CB8AC3E}">
-        <p14:creationId xmlns:p14="http://schemas.microsoft.com/office/powerpoint/2010/main" val="278319332"/>
-      </p:ext>
-    </p:extLst>
   </p:cSld>
   <p:clrMapOvr>
     <a:masterClrMapping/>
@@ -9874,6 +9633,7 @@
               <a:rPr lang="en-US"/>
               <a:t>Click to edit Master title style</a:t>
             </a:r>
+            <a:endParaRPr lang="en-US"/>
           </a:p>
         </p:txBody>
       </p:sp>
@@ -9930,6 +9690,7 @@
               <a:rPr lang="en-US"/>
               <a:t>Click to edit Master text styles</a:t>
             </a:r>
+            <a:endParaRPr lang="en-US"/>
           </a:p>
           <a:p>
             <a:pPr lvl="1"/>
@@ -9937,6 +9698,7 @@
               <a:rPr lang="en-US"/>
               <a:t>Second level</a:t>
             </a:r>
+            <a:endParaRPr lang="en-US"/>
           </a:p>
           <a:p>
             <a:pPr lvl="2"/>
@@ -9944,6 +9706,7 @@
               <a:rPr lang="en-US"/>
               <a:t>Third level</a:t>
             </a:r>
+            <a:endParaRPr lang="en-US"/>
           </a:p>
           <a:p>
             <a:pPr lvl="3"/>
@@ -9951,6 +9714,7 @@
               <a:rPr lang="en-US"/>
               <a:t>Fourth level</a:t>
             </a:r>
+            <a:endParaRPr lang="en-US"/>
           </a:p>
           <a:p>
             <a:pPr lvl="4"/>
@@ -9958,6 +9722,7 @@
               <a:rPr lang="en-US"/>
               <a:t>Fifth level</a:t>
             </a:r>
+            <a:endParaRPr lang="en-US"/>
           </a:p>
         </p:txBody>
       </p:sp>
@@ -10023,6 +9788,7 @@
               <a:rPr lang="en-US"/>
               <a:t>Click to edit Master text styles</a:t>
             </a:r>
+            <a:endParaRPr lang="en-US"/>
           </a:p>
         </p:txBody>
       </p:sp>
@@ -10081,19 +9847,12 @@
           <a:p>
             <a:fld id="{BDCDBBEF-AA6C-4BA6-85B2-A17D7F280E38}" type="slidenum">
               <a:rPr lang="en-US" smtClean="0"/>
-              <a:pPr/>
-              <a:t>‹#›</a:t>
             </a:fld>
             <a:endParaRPr lang="en-US"/>
           </a:p>
         </p:txBody>
       </p:sp>
     </p:spTree>
-    <p:extLst>
-      <p:ext uri="{BB962C8B-B14F-4D97-AF65-F5344CB8AC3E}">
-        <p14:creationId xmlns:p14="http://schemas.microsoft.com/office/powerpoint/2010/main" val="2691860904"/>
-      </p:ext>
-    </p:extLst>
   </p:cSld>
   <p:clrMapOvr>
     <a:masterClrMapping/>
@@ -10146,6 +9905,7 @@
               <a:rPr lang="en-US"/>
               <a:t>Click to edit Master title style</a:t>
             </a:r>
+            <a:endParaRPr lang="en-US"/>
           </a:p>
         </p:txBody>
       </p:sp>
@@ -10210,6 +9970,7 @@
               <a:rPr lang="en-US"/>
               <a:t>Click icon to add picture</a:t>
             </a:r>
+            <a:endParaRPr lang="en-US"/>
           </a:p>
         </p:txBody>
       </p:sp>
@@ -10275,6 +10036,7 @@
               <a:rPr lang="en-US"/>
               <a:t>Click to edit Master text styles</a:t>
             </a:r>
+            <a:endParaRPr lang="en-US"/>
           </a:p>
         </p:txBody>
       </p:sp>
@@ -10333,19 +10095,12 @@
           <a:p>
             <a:fld id="{BDCDBBEF-AA6C-4BA6-85B2-A17D7F280E38}" type="slidenum">
               <a:rPr lang="en-US" smtClean="0"/>
-              <a:pPr/>
-              <a:t>‹#›</a:t>
             </a:fld>
             <a:endParaRPr lang="en-US"/>
           </a:p>
         </p:txBody>
       </p:sp>
     </p:spTree>
-    <p:extLst>
-      <p:ext uri="{BB962C8B-B14F-4D97-AF65-F5344CB8AC3E}">
-        <p14:creationId xmlns:p14="http://schemas.microsoft.com/office/powerpoint/2010/main" val="524762700"/>
-      </p:ext>
-    </p:extLst>
   </p:cSld>
   <p:clrMapOvr>
     <a:masterClrMapping/>
@@ -10359,7 +10114,7 @@
     <p:bg>
       <p:bgPr>
         <a:blipFill dpi="0" rotWithShape="1">
-          <a:blip r:embed="rId14" cstate="print">
+          <a:blip r:embed="rId13" cstate="print">
             <a:lum/>
           </a:blip>
           <a:srcRect/>
@@ -10413,6 +10168,7 @@
               <a:rPr lang="en-US"/>
               <a:t>Click to edit Master title style</a:t>
             </a:r>
+            <a:endParaRPr lang="en-US"/>
           </a:p>
         </p:txBody>
       </p:sp>
@@ -10446,6 +10202,7 @@
               <a:rPr lang="en-US" dirty="0"/>
               <a:t>Click to edit Master text styles</a:t>
             </a:r>
+            <a:endParaRPr lang="en-US" dirty="0"/>
           </a:p>
           <a:p>
             <a:pPr lvl="1"/>
@@ -10453,6 +10210,7 @@
               <a:rPr lang="en-US" dirty="0"/>
               <a:t>Second level</a:t>
             </a:r>
+            <a:endParaRPr lang="en-US" dirty="0"/>
           </a:p>
           <a:p>
             <a:pPr lvl="2"/>
@@ -10460,6 +10218,7 @@
               <a:rPr lang="en-US" dirty="0"/>
               <a:t>Third level</a:t>
             </a:r>
+            <a:endParaRPr lang="en-US" dirty="0"/>
           </a:p>
           <a:p>
             <a:pPr lvl="3"/>
@@ -10467,6 +10226,7 @@
               <a:rPr lang="en-US" dirty="0"/>
               <a:t>Fourth level</a:t>
             </a:r>
+            <a:endParaRPr lang="en-US" dirty="0"/>
           </a:p>
           <a:p>
             <a:pPr lvl="4"/>
@@ -10474,6 +10234,7 @@
               <a:rPr lang="en-US" dirty="0"/>
               <a:t>Fifth level</a:t>
             </a:r>
+            <a:endParaRPr lang="en-US" dirty="0"/>
           </a:p>
         </p:txBody>
       </p:sp>
@@ -10586,33 +10347,26 @@
           <a:p>
             <a:fld id="{BDCDBBEF-AA6C-4BA6-85B2-A17D7F280E38}" type="slidenum">
               <a:rPr lang="en-US" smtClean="0"/>
-              <a:pPr/>
-              <a:t>‹#›</a:t>
             </a:fld>
             <a:endParaRPr lang="en-US"/>
           </a:p>
         </p:txBody>
       </p:sp>
     </p:spTree>
-    <p:extLst>
-      <p:ext uri="{BB962C8B-B14F-4D97-AF65-F5344CB8AC3E}">
-        <p14:creationId xmlns:p14="http://schemas.microsoft.com/office/powerpoint/2010/main" val="3333391393"/>
-      </p:ext>
-    </p:extLst>
   </p:cSld>
   <p:clrMap bg1="lt1" tx1="dk1" bg2="lt2" tx2="dk2" accent1="accent1" accent2="accent2" accent3="accent3" accent4="accent4" accent5="accent5" accent6="accent6" hlink="hlink" folHlink="folHlink"/>
   <p:sldLayoutIdLst>
-    <p:sldLayoutId id="2147483675" r:id="rId1"/>
-    <p:sldLayoutId id="2147483676" r:id="rId2"/>
-    <p:sldLayoutId id="2147483677" r:id="rId3"/>
-    <p:sldLayoutId id="2147483678" r:id="rId4"/>
-    <p:sldLayoutId id="2147483679" r:id="rId5"/>
-    <p:sldLayoutId id="2147483680" r:id="rId6"/>
-    <p:sldLayoutId id="2147483681" r:id="rId7"/>
-    <p:sldLayoutId id="2147483682" r:id="rId8"/>
-    <p:sldLayoutId id="2147483683" r:id="rId9"/>
-    <p:sldLayoutId id="2147483684" r:id="rId10"/>
-    <p:sldLayoutId id="2147483685" r:id="rId11"/>
+    <p:sldLayoutId id="2147483649" r:id="rId1"/>
+    <p:sldLayoutId id="2147483650" r:id="rId2"/>
+    <p:sldLayoutId id="2147483651" r:id="rId3"/>
+    <p:sldLayoutId id="2147483652" r:id="rId4"/>
+    <p:sldLayoutId id="2147483653" r:id="rId5"/>
+    <p:sldLayoutId id="2147483654" r:id="rId6"/>
+    <p:sldLayoutId id="2147483655" r:id="rId7"/>
+    <p:sldLayoutId id="2147483656" r:id="rId8"/>
+    <p:sldLayoutId id="2147483657" r:id="rId9"/>
+    <p:sldLayoutId id="2147483658" r:id="rId10"/>
+    <p:sldLayoutId id="2147483659" r:id="rId11"/>
     <p:sldLayoutId id="2147483660" r:id="rId12"/>
   </p:sldLayoutIdLst>
   <p:hf hdr="0" ftr="0" dt="0"/>
@@ -10644,7 +10398,7 @@
         <a:spcBef>
           <a:spcPts val="1000"/>
         </a:spcBef>
-        <a:buFont typeface="Arial" panose="020B0604020202020204" pitchFamily="34" charset="0"/>
+        <a:buFont typeface="Arial" panose="020B0604020202090204" pitchFamily="34" charset="0"/>
         <a:buChar char="•"/>
         <a:defRPr sz="2800" kern="1200">
           <a:solidFill>
@@ -10662,7 +10416,7 @@
         <a:spcBef>
           <a:spcPts val="500"/>
         </a:spcBef>
-        <a:buFont typeface="Arial" panose="020B0604020202020204" pitchFamily="34" charset="0"/>
+        <a:buFont typeface="Arial" panose="020B0604020202090204" pitchFamily="34" charset="0"/>
         <a:buChar char="•"/>
         <a:defRPr sz="2400" kern="1200">
           <a:solidFill>
@@ -10680,7 +10434,7 @@
         <a:spcBef>
           <a:spcPts val="500"/>
         </a:spcBef>
-        <a:buFont typeface="Arial" panose="020B0604020202020204" pitchFamily="34" charset="0"/>
+        <a:buFont typeface="Arial" panose="020B0604020202090204" pitchFamily="34" charset="0"/>
         <a:buChar char="•"/>
         <a:defRPr sz="2000" kern="1200">
           <a:solidFill>
@@ -10698,7 +10452,7 @@
         <a:spcBef>
           <a:spcPts val="500"/>
         </a:spcBef>
-        <a:buFont typeface="Arial" panose="020B0604020202020204" pitchFamily="34" charset="0"/>
+        <a:buFont typeface="Arial" panose="020B0604020202090204" pitchFamily="34" charset="0"/>
         <a:buChar char="•"/>
         <a:defRPr sz="1800" kern="1200">
           <a:solidFill>
@@ -10716,7 +10470,7 @@
         <a:spcBef>
           <a:spcPts val="500"/>
         </a:spcBef>
-        <a:buFont typeface="Arial" panose="020B0604020202020204" pitchFamily="34" charset="0"/>
+        <a:buFont typeface="Arial" panose="020B0604020202090204" pitchFamily="34" charset="0"/>
         <a:buChar char="•"/>
         <a:defRPr sz="1800" kern="1200">
           <a:solidFill>
@@ -10734,7 +10488,7 @@
         <a:spcBef>
           <a:spcPts val="500"/>
         </a:spcBef>
-        <a:buFont typeface="Arial" panose="020B0604020202020204" pitchFamily="34" charset="0"/>
+        <a:buFont typeface="Arial" panose="020B0604020202090204" pitchFamily="34" charset="0"/>
         <a:buChar char="•"/>
         <a:defRPr sz="1800" kern="1200">
           <a:solidFill>
@@ -10752,7 +10506,7 @@
         <a:spcBef>
           <a:spcPts val="500"/>
         </a:spcBef>
-        <a:buFont typeface="Arial" panose="020B0604020202020204" pitchFamily="34" charset="0"/>
+        <a:buFont typeface="Arial" panose="020B0604020202090204" pitchFamily="34" charset="0"/>
         <a:buChar char="•"/>
         <a:defRPr sz="1800" kern="1200">
           <a:solidFill>
@@ -10770,7 +10524,7 @@
         <a:spcBef>
           <a:spcPts val="500"/>
         </a:spcBef>
-        <a:buFont typeface="Arial" panose="020B0604020202020204" pitchFamily="34" charset="0"/>
+        <a:buFont typeface="Arial" panose="020B0604020202090204" pitchFamily="34" charset="0"/>
         <a:buChar char="•"/>
         <a:defRPr sz="1800" kern="1200">
           <a:solidFill>
@@ -10788,7 +10542,7 @@
         <a:spcBef>
           <a:spcPts val="500"/>
         </a:spcBef>
-        <a:buFont typeface="Arial" panose="020B0604020202020204" pitchFamily="34" charset="0"/>
+        <a:buFont typeface="Arial" panose="020B0604020202090204" pitchFamily="34" charset="0"/>
         <a:buChar char="•"/>
         <a:defRPr sz="1800" kern="1200">
           <a:solidFill>
@@ -10905,7 +10659,7 @@
     <p:bg>
       <p:bgPr>
         <a:blipFill dpi="0" rotWithShape="1">
-          <a:blip r:embed="rId15" cstate="print">
+          <a:blip r:embed="rId14" cstate="print">
             <a:lum/>
           </a:blip>
           <a:srcRect/>
@@ -10959,6 +10713,7 @@
               <a:rPr lang="en-US"/>
               <a:t>Click to edit Master title style</a:t>
             </a:r>
+            <a:endParaRPr lang="en-US"/>
           </a:p>
         </p:txBody>
       </p:sp>
@@ -10992,6 +10747,7 @@
               <a:rPr lang="en-US"/>
               <a:t>Click to edit Master text styles</a:t>
             </a:r>
+            <a:endParaRPr lang="en-US"/>
           </a:p>
           <a:p>
             <a:pPr lvl="1"/>
@@ -10999,6 +10755,7 @@
               <a:rPr lang="en-US"/>
               <a:t>Second level</a:t>
             </a:r>
+            <a:endParaRPr lang="en-US"/>
           </a:p>
           <a:p>
             <a:pPr lvl="2"/>
@@ -11006,6 +10763,7 @@
               <a:rPr lang="en-US"/>
               <a:t>Third level</a:t>
             </a:r>
+            <a:endParaRPr lang="en-US"/>
           </a:p>
           <a:p>
             <a:pPr lvl="3"/>
@@ -11013,6 +10771,7 @@
               <a:rPr lang="en-US"/>
               <a:t>Fourth level</a:t>
             </a:r>
+            <a:endParaRPr lang="en-US"/>
           </a:p>
           <a:p>
             <a:pPr lvl="4"/>
@@ -11020,6 +10779,7 @@
               <a:rPr lang="en-US"/>
               <a:t>Fifth level</a:t>
             </a:r>
+            <a:endParaRPr lang="en-US"/>
           </a:p>
         </p:txBody>
       </p:sp>
@@ -11132,35 +10892,28 @@
           <a:p>
             <a:fld id="{BDCDBBEF-AA6C-4BA6-85B2-A17D7F280E38}" type="slidenum">
               <a:rPr lang="en-US" smtClean="0"/>
-              <a:pPr/>
-              <a:t>‹#›</a:t>
             </a:fld>
             <a:endParaRPr lang="en-US"/>
           </a:p>
         </p:txBody>
       </p:sp>
     </p:spTree>
-    <p:extLst>
-      <p:ext uri="{BB962C8B-B14F-4D97-AF65-F5344CB8AC3E}">
-        <p14:creationId xmlns:p14="http://schemas.microsoft.com/office/powerpoint/2010/main" val="3333391393"/>
-      </p:ext>
-    </p:extLst>
   </p:cSld>
   <p:clrMap bg1="lt1" tx1="dk1" bg2="lt2" tx2="dk2" accent1="accent1" accent2="accent2" accent3="accent3" accent4="accent4" accent5="accent5" accent6="accent6" hlink="hlink" folHlink="folHlink"/>
   <p:sldLayoutIdLst>
-    <p:sldLayoutId id="2147483703" r:id="rId1"/>
-    <p:sldLayoutId id="2147483704" r:id="rId2"/>
-    <p:sldLayoutId id="2147483705" r:id="rId3"/>
-    <p:sldLayoutId id="2147483706" r:id="rId4"/>
-    <p:sldLayoutId id="2147483707" r:id="rId5"/>
-    <p:sldLayoutId id="2147483708" r:id="rId6"/>
-    <p:sldLayoutId id="2147483709" r:id="rId7"/>
-    <p:sldLayoutId id="2147483710" r:id="rId8"/>
-    <p:sldLayoutId id="2147483711" r:id="rId9"/>
-    <p:sldLayoutId id="2147483712" r:id="rId10"/>
-    <p:sldLayoutId id="2147483713" r:id="rId11"/>
-    <p:sldLayoutId id="2147483714" r:id="rId12"/>
-    <p:sldLayoutId id="2147483715" r:id="rId13"/>
+    <p:sldLayoutId id="2147483662" r:id="rId1"/>
+    <p:sldLayoutId id="2147483663" r:id="rId2"/>
+    <p:sldLayoutId id="2147483664" r:id="rId3"/>
+    <p:sldLayoutId id="2147483665" r:id="rId4"/>
+    <p:sldLayoutId id="2147483666" r:id="rId5"/>
+    <p:sldLayoutId id="2147483667" r:id="rId6"/>
+    <p:sldLayoutId id="2147483668" r:id="rId7"/>
+    <p:sldLayoutId id="2147483669" r:id="rId8"/>
+    <p:sldLayoutId id="2147483670" r:id="rId9"/>
+    <p:sldLayoutId id="2147483671" r:id="rId10"/>
+    <p:sldLayoutId id="2147483672" r:id="rId11"/>
+    <p:sldLayoutId id="2147483673" r:id="rId12"/>
+    <p:sldLayoutId id="2147483674" r:id="rId13"/>
   </p:sldLayoutIdLst>
   <p:hf hdr="0" ftr="0" dt="0"/>
   <p:txStyles>
@@ -11191,7 +10944,7 @@
         <a:spcBef>
           <a:spcPts val="1000"/>
         </a:spcBef>
-        <a:buFont typeface="Arial" panose="020B0604020202020204" pitchFamily="34" charset="0"/>
+        <a:buFont typeface="Arial" panose="020B0604020202090204" pitchFamily="34" charset="0"/>
         <a:buChar char="•"/>
         <a:defRPr sz="2800" kern="1200">
           <a:solidFill>
@@ -11209,7 +10962,7 @@
         <a:spcBef>
           <a:spcPts val="500"/>
         </a:spcBef>
-        <a:buFont typeface="Arial" panose="020B0604020202020204" pitchFamily="34" charset="0"/>
+        <a:buFont typeface="Arial" panose="020B0604020202090204" pitchFamily="34" charset="0"/>
         <a:buChar char="•"/>
         <a:defRPr sz="2400" kern="1200">
           <a:solidFill>
@@ -11227,7 +10980,7 @@
         <a:spcBef>
           <a:spcPts val="500"/>
         </a:spcBef>
-        <a:buFont typeface="Arial" panose="020B0604020202020204" pitchFamily="34" charset="0"/>
+        <a:buFont typeface="Arial" panose="020B0604020202090204" pitchFamily="34" charset="0"/>
         <a:buChar char="•"/>
         <a:defRPr sz="2000" kern="1200">
           <a:solidFill>
@@ -11245,7 +10998,7 @@
         <a:spcBef>
           <a:spcPts val="500"/>
         </a:spcBef>
-        <a:buFont typeface="Arial" panose="020B0604020202020204" pitchFamily="34" charset="0"/>
+        <a:buFont typeface="Arial" panose="020B0604020202090204" pitchFamily="34" charset="0"/>
         <a:buChar char="•"/>
         <a:defRPr sz="1800" kern="1200">
           <a:solidFill>
@@ -11263,7 +11016,7 @@
         <a:spcBef>
           <a:spcPts val="500"/>
         </a:spcBef>
-        <a:buFont typeface="Arial" panose="020B0604020202020204" pitchFamily="34" charset="0"/>
+        <a:buFont typeface="Arial" panose="020B0604020202090204" pitchFamily="34" charset="0"/>
         <a:buChar char="•"/>
         <a:defRPr sz="1800" kern="1200">
           <a:solidFill>
@@ -11281,7 +11034,7 @@
         <a:spcBef>
           <a:spcPts val="500"/>
         </a:spcBef>
-        <a:buFont typeface="Arial" panose="020B0604020202020204" pitchFamily="34" charset="0"/>
+        <a:buFont typeface="Arial" panose="020B0604020202090204" pitchFamily="34" charset="0"/>
         <a:buChar char="•"/>
         <a:defRPr sz="1800" kern="1200">
           <a:solidFill>
@@ -11299,7 +11052,7 @@
         <a:spcBef>
           <a:spcPts val="500"/>
         </a:spcBef>
-        <a:buFont typeface="Arial" panose="020B0604020202020204" pitchFamily="34" charset="0"/>
+        <a:buFont typeface="Arial" panose="020B0604020202090204" pitchFamily="34" charset="0"/>
         <a:buChar char="•"/>
         <a:defRPr sz="1800" kern="1200">
           <a:solidFill>
@@ -11317,7 +11070,7 @@
         <a:spcBef>
           <a:spcPts val="500"/>
         </a:spcBef>
-        <a:buFont typeface="Arial" panose="020B0604020202020204" pitchFamily="34" charset="0"/>
+        <a:buFont typeface="Arial" panose="020B0604020202090204" pitchFamily="34" charset="0"/>
         <a:buChar char="•"/>
         <a:defRPr sz="1800" kern="1200">
           <a:solidFill>
@@ -11335,7 +11088,7 @@
         <a:spcBef>
           <a:spcPts val="500"/>
         </a:spcBef>
-        <a:buFont typeface="Arial" panose="020B0604020202020204" pitchFamily="34" charset="0"/>
+        <a:buFont typeface="Arial" panose="020B0604020202090204" pitchFamily="34" charset="0"/>
         <a:buChar char="•"/>
         <a:defRPr sz="1800" kern="1200">
           <a:solidFill>
@@ -11469,38 +11222,33 @@
         </a:xfrm>
       </p:grpSpPr>
     </p:spTree>
-    <p:extLst>
-      <p:ext uri="{BB962C8B-B14F-4D97-AF65-F5344CB8AC3E}">
-        <p14:creationId xmlns:p14="http://schemas.microsoft.com/office/powerpoint/2010/main" val="1048544627"/>
-      </p:ext>
-    </p:extLst>
   </p:cSld>
   <p:clrMap bg1="lt1" tx1="dk1" bg2="lt2" tx2="dk2" accent1="accent1" accent2="accent2" accent3="accent3" accent4="accent4" accent5="accent5" accent6="accent6" hlink="hlink" folHlink="folHlink"/>
   <p:sldLayoutIdLst>
-    <p:sldLayoutId id="2147483687" r:id="rId1"/>
-    <p:sldLayoutId id="2147483688" r:id="rId2"/>
-    <p:sldLayoutId id="2147483689" r:id="rId3"/>
-    <p:sldLayoutId id="2147483690" r:id="rId4"/>
-    <p:sldLayoutId id="2147483691" r:id="rId5"/>
-    <p:sldLayoutId id="2147483692" r:id="rId6"/>
-    <p:sldLayoutId id="2147483693" r:id="rId7"/>
-    <p:sldLayoutId id="2147483694" r:id="rId8"/>
-    <p:sldLayoutId id="2147483695" r:id="rId9"/>
-    <p:sldLayoutId id="2147483696" r:id="rId10"/>
-    <p:sldLayoutId id="2147483697" r:id="rId11"/>
-    <p:sldLayoutId id="2147483698" r:id="rId12"/>
-    <p:sldLayoutId id="2147483699" r:id="rId13"/>
-    <p:sldLayoutId id="2147483700" r:id="rId14"/>
+    <p:sldLayoutId id="2147483676" r:id="rId1"/>
+    <p:sldLayoutId id="2147483677" r:id="rId2"/>
+    <p:sldLayoutId id="2147483678" r:id="rId3"/>
+    <p:sldLayoutId id="2147483679" r:id="rId4"/>
+    <p:sldLayoutId id="2147483680" r:id="rId5"/>
+    <p:sldLayoutId id="2147483681" r:id="rId6"/>
+    <p:sldLayoutId id="2147483682" r:id="rId7"/>
+    <p:sldLayoutId id="2147483683" r:id="rId8"/>
+    <p:sldLayoutId id="2147483684" r:id="rId9"/>
+    <p:sldLayoutId id="2147483685" r:id="rId10"/>
+    <p:sldLayoutId id="2147483686" r:id="rId11"/>
+    <p:sldLayoutId id="2147483687" r:id="rId12"/>
+    <p:sldLayoutId id="2147483688" r:id="rId13"/>
+    <p:sldLayoutId id="2147483689" r:id="rId14"/>
   </p:sldLayoutIdLst>
   <p:hf hdr="0" ftr="0" dt="0"/>
   <p:txStyles>
     <p:titleStyle>
-      <a:lvl1pPr algn="ctr" defTabSz="1219170" rtl="0" eaLnBrk="1" latinLnBrk="1" hangingPunct="1">
+      <a:lvl1pPr algn="ctr" defTabSz="1219200" rtl="0" eaLnBrk="1" latinLnBrk="1" hangingPunct="1">
         <a:spcBef>
           <a:spcPct val="0"/>
         </a:spcBef>
         <a:buNone/>
-        <a:defRPr sz="5867" kern="1200">
+        <a:defRPr sz="5865" kern="1200">
           <a:solidFill>
             <a:schemeClr val="tx1"/>
           </a:solidFill>
@@ -11511,13 +11259,13 @@
       </a:lvl1pPr>
     </p:titleStyle>
     <p:bodyStyle>
-      <a:lvl1pPr marL="457189" indent="-457189" algn="l" defTabSz="1219170" rtl="0" eaLnBrk="1" latinLnBrk="1" hangingPunct="1">
+      <a:lvl1pPr marL="457200" indent="-457200" algn="l" defTabSz="1219200" rtl="0" eaLnBrk="1" latinLnBrk="1" hangingPunct="1">
         <a:spcBef>
           <a:spcPct val="20000"/>
         </a:spcBef>
-        <a:buFont typeface="Arial" pitchFamily="34" charset="0"/>
+        <a:buFont typeface="Arial" panose="020B0604020202090204" pitchFamily="34" charset="0"/>
         <a:buChar char="•"/>
-        <a:defRPr sz="4267" kern="1200">
+        <a:defRPr sz="4265" kern="1200">
           <a:solidFill>
             <a:schemeClr val="tx1"/>
           </a:solidFill>
@@ -11526,13 +11274,13 @@
           <a:cs typeface="+mn-cs"/>
         </a:defRPr>
       </a:lvl1pPr>
-      <a:lvl2pPr marL="990575" indent="-380990" algn="l" defTabSz="1219170" rtl="0" eaLnBrk="1" latinLnBrk="1" hangingPunct="1">
+      <a:lvl2pPr marL="990600" indent="-381000" algn="l" defTabSz="1219200" rtl="0" eaLnBrk="1" latinLnBrk="1" hangingPunct="1">
         <a:spcBef>
           <a:spcPct val="20000"/>
         </a:spcBef>
-        <a:buFont typeface="Arial" pitchFamily="34" charset="0"/>
+        <a:buFont typeface="Arial" panose="020B0604020202090204" pitchFamily="34" charset="0"/>
         <a:buChar char="–"/>
-        <a:defRPr sz="3733" kern="1200">
+        <a:defRPr sz="3735" kern="1200">
           <a:solidFill>
             <a:schemeClr val="tx1"/>
           </a:solidFill>
@@ -11541,11 +11289,11 @@
           <a:cs typeface="+mn-cs"/>
         </a:defRPr>
       </a:lvl2pPr>
-      <a:lvl3pPr marL="1523962" indent="-304792" algn="l" defTabSz="1219170" rtl="0" eaLnBrk="1" latinLnBrk="1" hangingPunct="1">
+      <a:lvl3pPr marL="1524000" indent="-304800" algn="l" defTabSz="1219200" rtl="0" eaLnBrk="1" latinLnBrk="1" hangingPunct="1">
         <a:spcBef>
           <a:spcPct val="20000"/>
         </a:spcBef>
-        <a:buFont typeface="Arial" pitchFamily="34" charset="0"/>
+        <a:buFont typeface="Arial" panose="020B0604020202090204" pitchFamily="34" charset="0"/>
         <a:buChar char="•"/>
         <a:defRPr sz="3200" kern="1200">
           <a:solidFill>
@@ -11556,13 +11304,13 @@
           <a:cs typeface="+mn-cs"/>
         </a:defRPr>
       </a:lvl3pPr>
-      <a:lvl4pPr marL="2133547" indent="-304792" algn="l" defTabSz="1219170" rtl="0" eaLnBrk="1" latinLnBrk="1" hangingPunct="1">
+      <a:lvl4pPr marL="2133600" indent="-304800" algn="l" defTabSz="1219200" rtl="0" eaLnBrk="1" latinLnBrk="1" hangingPunct="1">
         <a:spcBef>
           <a:spcPct val="20000"/>
         </a:spcBef>
-        <a:buFont typeface="Arial" pitchFamily="34" charset="0"/>
+        <a:buFont typeface="Arial" panose="020B0604020202090204" pitchFamily="34" charset="0"/>
         <a:buChar char="–"/>
-        <a:defRPr sz="2667" kern="1200">
+        <a:defRPr sz="2665" kern="1200">
           <a:solidFill>
             <a:schemeClr val="tx1"/>
           </a:solidFill>
@@ -11571,13 +11319,13 @@
           <a:cs typeface="+mn-cs"/>
         </a:defRPr>
       </a:lvl4pPr>
-      <a:lvl5pPr marL="2743131" indent="-304792" algn="l" defTabSz="1219170" rtl="0" eaLnBrk="1" latinLnBrk="1" hangingPunct="1">
+      <a:lvl5pPr marL="2743200" indent="-304800" algn="l" defTabSz="1219200" rtl="0" eaLnBrk="1" latinLnBrk="1" hangingPunct="1">
         <a:spcBef>
           <a:spcPct val="20000"/>
         </a:spcBef>
-        <a:buFont typeface="Arial" pitchFamily="34" charset="0"/>
+        <a:buFont typeface="Arial" panose="020B0604020202090204" pitchFamily="34" charset="0"/>
         <a:buChar char="»"/>
-        <a:defRPr sz="2667" kern="1200">
+        <a:defRPr sz="2665" kern="1200">
           <a:solidFill>
             <a:schemeClr val="tx1"/>
           </a:solidFill>
@@ -11586,13 +11334,13 @@
           <a:cs typeface="+mn-cs"/>
         </a:defRPr>
       </a:lvl5pPr>
-      <a:lvl6pPr marL="3352716" indent="-304792" algn="l" defTabSz="1219170" rtl="0" eaLnBrk="1" latinLnBrk="1" hangingPunct="1">
+      <a:lvl6pPr marL="3352800" indent="-304800" algn="l" defTabSz="1219200" rtl="0" eaLnBrk="1" latinLnBrk="1" hangingPunct="1">
         <a:spcBef>
           <a:spcPct val="20000"/>
         </a:spcBef>
-        <a:buFont typeface="Arial" pitchFamily="34" charset="0"/>
+        <a:buFont typeface="Arial" panose="020B0604020202090204" pitchFamily="34" charset="0"/>
         <a:buChar char="•"/>
-        <a:defRPr sz="2667" kern="1200">
+        <a:defRPr sz="2665" kern="1200">
           <a:solidFill>
             <a:schemeClr val="tx1"/>
           </a:solidFill>
@@ -11601,13 +11349,13 @@
           <a:cs typeface="+mn-cs"/>
         </a:defRPr>
       </a:lvl6pPr>
-      <a:lvl7pPr marL="3962301" indent="-304792" algn="l" defTabSz="1219170" rtl="0" eaLnBrk="1" latinLnBrk="1" hangingPunct="1">
+      <a:lvl7pPr marL="3962400" indent="-304800" algn="l" defTabSz="1219200" rtl="0" eaLnBrk="1" latinLnBrk="1" hangingPunct="1">
         <a:spcBef>
           <a:spcPct val="20000"/>
         </a:spcBef>
-        <a:buFont typeface="Arial" pitchFamily="34" charset="0"/>
+        <a:buFont typeface="Arial" panose="020B0604020202090204" pitchFamily="34" charset="0"/>
         <a:buChar char="•"/>
-        <a:defRPr sz="2667" kern="1200">
+        <a:defRPr sz="2665" kern="1200">
           <a:solidFill>
             <a:schemeClr val="tx1"/>
           </a:solidFill>
@@ -11616,13 +11364,13 @@
           <a:cs typeface="+mn-cs"/>
         </a:defRPr>
       </a:lvl7pPr>
-      <a:lvl8pPr marL="4571886" indent="-304792" algn="l" defTabSz="1219170" rtl="0" eaLnBrk="1" latinLnBrk="1" hangingPunct="1">
+      <a:lvl8pPr marL="4572000" indent="-304800" algn="l" defTabSz="1219200" rtl="0" eaLnBrk="1" latinLnBrk="1" hangingPunct="1">
         <a:spcBef>
           <a:spcPct val="20000"/>
         </a:spcBef>
-        <a:buFont typeface="Arial" pitchFamily="34" charset="0"/>
+        <a:buFont typeface="Arial" panose="020B0604020202090204" pitchFamily="34" charset="0"/>
         <a:buChar char="•"/>
-        <a:defRPr sz="2667" kern="1200">
+        <a:defRPr sz="2665" kern="1200">
           <a:solidFill>
             <a:schemeClr val="tx1"/>
           </a:solidFill>
@@ -11631,13 +11379,13 @@
           <a:cs typeface="+mn-cs"/>
         </a:defRPr>
       </a:lvl8pPr>
-      <a:lvl9pPr marL="5181470" indent="-304792" algn="l" defTabSz="1219170" rtl="0" eaLnBrk="1" latinLnBrk="1" hangingPunct="1">
+      <a:lvl9pPr marL="5181600" indent="-304800" algn="l" defTabSz="1219200" rtl="0" eaLnBrk="1" latinLnBrk="1" hangingPunct="1">
         <a:spcBef>
           <a:spcPct val="20000"/>
         </a:spcBef>
-        <a:buFont typeface="Arial" pitchFamily="34" charset="0"/>
+        <a:buFont typeface="Arial" panose="020B0604020202090204" pitchFamily="34" charset="0"/>
         <a:buChar char="•"/>
-        <a:defRPr sz="2667" kern="1200">
+        <a:defRPr sz="2665" kern="1200">
           <a:solidFill>
             <a:schemeClr val="tx1"/>
           </a:solidFill>
@@ -11651,7 +11399,7 @@
       <a:defPPr>
         <a:defRPr lang="ko-KR"/>
       </a:defPPr>
-      <a:lvl1pPr marL="0" algn="l" defTabSz="1219170" rtl="0" eaLnBrk="1" latinLnBrk="1" hangingPunct="1">
+      <a:lvl1pPr marL="0" algn="l" defTabSz="1219200" rtl="0" eaLnBrk="1" latinLnBrk="1" hangingPunct="1">
         <a:defRPr sz="2400" kern="1200">
           <a:solidFill>
             <a:schemeClr val="tx1"/>
@@ -11661,7 +11409,7 @@
           <a:cs typeface="+mn-cs"/>
         </a:defRPr>
       </a:lvl1pPr>
-      <a:lvl2pPr marL="609585" algn="l" defTabSz="1219170" rtl="0" eaLnBrk="1" latinLnBrk="1" hangingPunct="1">
+      <a:lvl2pPr marL="609600" algn="l" defTabSz="1219200" rtl="0" eaLnBrk="1" latinLnBrk="1" hangingPunct="1">
         <a:defRPr sz="2400" kern="1200">
           <a:solidFill>
             <a:schemeClr val="tx1"/>
@@ -11671,7 +11419,7 @@
           <a:cs typeface="+mn-cs"/>
         </a:defRPr>
       </a:lvl2pPr>
-      <a:lvl3pPr marL="1219170" algn="l" defTabSz="1219170" rtl="0" eaLnBrk="1" latinLnBrk="1" hangingPunct="1">
+      <a:lvl3pPr marL="1219200" algn="l" defTabSz="1219200" rtl="0" eaLnBrk="1" latinLnBrk="1" hangingPunct="1">
         <a:defRPr sz="2400" kern="1200">
           <a:solidFill>
             <a:schemeClr val="tx1"/>
@@ -11681,7 +11429,7 @@
           <a:cs typeface="+mn-cs"/>
         </a:defRPr>
       </a:lvl3pPr>
-      <a:lvl4pPr marL="1828754" algn="l" defTabSz="1219170" rtl="0" eaLnBrk="1" latinLnBrk="1" hangingPunct="1">
+      <a:lvl4pPr marL="1828800" algn="l" defTabSz="1219200" rtl="0" eaLnBrk="1" latinLnBrk="1" hangingPunct="1">
         <a:defRPr sz="2400" kern="1200">
           <a:solidFill>
             <a:schemeClr val="tx1"/>
@@ -11691,7 +11439,7 @@
           <a:cs typeface="+mn-cs"/>
         </a:defRPr>
       </a:lvl4pPr>
-      <a:lvl5pPr marL="2438339" algn="l" defTabSz="1219170" rtl="0" eaLnBrk="1" latinLnBrk="1" hangingPunct="1">
+      <a:lvl5pPr marL="2438400" algn="l" defTabSz="1219200" rtl="0" eaLnBrk="1" latinLnBrk="1" hangingPunct="1">
         <a:defRPr sz="2400" kern="1200">
           <a:solidFill>
             <a:schemeClr val="tx1"/>
@@ -11701,7 +11449,7 @@
           <a:cs typeface="+mn-cs"/>
         </a:defRPr>
       </a:lvl5pPr>
-      <a:lvl6pPr marL="3047924" algn="l" defTabSz="1219170" rtl="0" eaLnBrk="1" latinLnBrk="1" hangingPunct="1">
+      <a:lvl6pPr marL="3048000" algn="l" defTabSz="1219200" rtl="0" eaLnBrk="1" latinLnBrk="1" hangingPunct="1">
         <a:defRPr sz="2400" kern="1200">
           <a:solidFill>
             <a:schemeClr val="tx1"/>
@@ -11711,7 +11459,7 @@
           <a:cs typeface="+mn-cs"/>
         </a:defRPr>
       </a:lvl6pPr>
-      <a:lvl7pPr marL="3657509" algn="l" defTabSz="1219170" rtl="0" eaLnBrk="1" latinLnBrk="1" hangingPunct="1">
+      <a:lvl7pPr marL="3657600" algn="l" defTabSz="1219200" rtl="0" eaLnBrk="1" latinLnBrk="1" hangingPunct="1">
         <a:defRPr sz="2400" kern="1200">
           <a:solidFill>
             <a:schemeClr val="tx1"/>
@@ -11721,7 +11469,7 @@
           <a:cs typeface="+mn-cs"/>
         </a:defRPr>
       </a:lvl7pPr>
-      <a:lvl8pPr marL="4267093" algn="l" defTabSz="1219170" rtl="0" eaLnBrk="1" latinLnBrk="1" hangingPunct="1">
+      <a:lvl8pPr marL="4267200" algn="l" defTabSz="1219200" rtl="0" eaLnBrk="1" latinLnBrk="1" hangingPunct="1">
         <a:defRPr sz="2400" kern="1200">
           <a:solidFill>
             <a:schemeClr val="tx1"/>
@@ -11731,7 +11479,7 @@
           <a:cs typeface="+mn-cs"/>
         </a:defRPr>
       </a:lvl8pPr>
-      <a:lvl9pPr marL="4876678" algn="l" defTabSz="1219170" rtl="0" eaLnBrk="1" latinLnBrk="1" hangingPunct="1">
+      <a:lvl9pPr marL="4876800" algn="l" defTabSz="1219200" rtl="0" eaLnBrk="1" latinLnBrk="1" hangingPunct="1">
         <a:defRPr sz="2400" kern="1200">
           <a:solidFill>
             <a:schemeClr val="tx1"/>
@@ -11858,9 +11606,7 @@
       <p:sp>
         <p:nvSpPr>
           <p:cNvPr id="44" name="Slide Number Placeholder 2"/>
-          <p:cNvSpPr txBox="1">
-            <a:spLocks/>
-          </p:cNvSpPr>
+          <p:cNvSpPr txBox="1"/>
           <p:nvPr/>
         </p:nvSpPr>
         <p:spPr>
@@ -11978,13 +11724,7 @@
       </p:sp>
       <p:sp>
         <p:nvSpPr>
-          <p:cNvPr id="46" name="Right Triangle 45">
-            <a:extLst>
-              <a:ext uri="{FF2B5EF4-FFF2-40B4-BE49-F238E27FC236}">
-                <a16:creationId xmlns:a16="http://schemas.microsoft.com/office/drawing/2014/main" id="{0983CA01-DED8-4A8A-82CA-5B1BE1DADB0C}"/>
-              </a:ext>
-            </a:extLst>
-          </p:cNvPr>
+          <p:cNvPr id="46" name="Right Triangle 45"/>
           <p:cNvSpPr/>
           <p:nvPr/>
         </p:nvSpPr>
@@ -12027,7 +11767,6 @@
               <a:buSzTx/>
               <a:buFontTx/>
               <a:buNone/>
-              <a:tabLst/>
               <a:defRPr/>
             </a:pPr>
             <a:endParaRPr kumimoji="0" lang="en-ID" sz="1800" b="0" i="0" u="none" strike="noStrike" kern="0" cap="none" spc="0" normalizeH="0" baseline="0" noProof="0">
@@ -12047,13 +11786,7 @@
       </p:sp>
       <p:sp>
         <p:nvSpPr>
-          <p:cNvPr id="37" name="Right Triangle 36">
-            <a:extLst>
-              <a:ext uri="{FF2B5EF4-FFF2-40B4-BE49-F238E27FC236}">
-                <a16:creationId xmlns:a16="http://schemas.microsoft.com/office/drawing/2014/main" id="{0983CA01-DED8-4A8A-82CA-5B1BE1DADB0C}"/>
-              </a:ext>
-            </a:extLst>
-          </p:cNvPr>
+          <p:cNvPr id="37" name="Right Triangle 36"/>
           <p:cNvSpPr/>
           <p:nvPr/>
         </p:nvSpPr>
@@ -12096,7 +11829,6 @@
               <a:buSzTx/>
               <a:buFontTx/>
               <a:buNone/>
-              <a:tabLst/>
               <a:defRPr/>
             </a:pPr>
             <a:endParaRPr kumimoji="0" lang="en-ID" sz="1800" b="0" i="0" u="none" strike="noStrike" kern="0" cap="none" spc="0" normalizeH="0" baseline="0" noProof="0">
@@ -12194,6 +11926,11 @@
               </a:rPr>
               <a:t>Submitted in the partial fulfillment for the award of the degree of</a:t>
             </a:r>
+            <a:endParaRPr lang="en-US" sz="2400" i="1" dirty="0">
+              <a:solidFill>
+                <a:srgbClr val="000000"/>
+              </a:solidFill>
+            </a:endParaRPr>
           </a:p>
           <a:p>
             <a:pPr algn="ctr">
@@ -12229,6 +11966,11 @@
               </a:rPr>
               <a:t> IN</a:t>
             </a:r>
+            <a:endParaRPr lang="en-US" sz="2400" i="1" dirty="0">
+              <a:solidFill>
+                <a:srgbClr val="000000"/>
+              </a:solidFill>
+            </a:endParaRPr>
           </a:p>
           <a:p>
             <a:pPr algn="ctr">
@@ -12318,25 +12060,6 @@
           <a:ln>
             <a:noFill/>
           </a:ln>
-          <a:extLst>
-            <a:ext uri="{909E8E84-426E-40dd-AFC4-6F175D3DCCD1}">
-              <a14:hiddenFill xmlns:a14="http://schemas.microsoft.com/office/drawing/2010/main" xmlns="">
-                <a:solidFill>
-                  <a:srgbClr val="FFFFFF"/>
-                </a:solidFill>
-              </a14:hiddenFill>
-            </a:ext>
-            <a:ext uri="{91240B29-F687-4f45-9708-019B960494DF}">
-              <a14:hiddenLine xmlns:a14="http://schemas.microsoft.com/office/drawing/2010/main" xmlns="" w="9525">
-                <a:solidFill>
-                  <a:srgbClr val="000000"/>
-                </a:solidFill>
-                <a:miter lim="800000"/>
-                <a:headEnd/>
-                <a:tailEnd/>
-              </a14:hiddenLine>
-            </a:ext>
-          </a:extLst>
         </p:spPr>
         <p:txBody>
           <a:bodyPr wrap="square">
@@ -12562,25 +12285,6 @@
           <a:ln>
             <a:noFill/>
           </a:ln>
-          <a:extLst>
-            <a:ext uri="{909E8E84-426E-40dd-AFC4-6F175D3DCCD1}">
-              <a14:hiddenFill xmlns:a14="http://schemas.microsoft.com/office/drawing/2010/main" xmlns="">
-                <a:solidFill>
-                  <a:srgbClr val="FFFFFF"/>
-                </a:solidFill>
-              </a14:hiddenFill>
-            </a:ext>
-            <a:ext uri="{91240B29-F687-4f45-9708-019B960494DF}">
-              <a14:hiddenLine xmlns:a14="http://schemas.microsoft.com/office/drawing/2010/main" xmlns="" w="9525">
-                <a:solidFill>
-                  <a:srgbClr val="000000"/>
-                </a:solidFill>
-                <a:miter lim="800000"/>
-                <a:headEnd/>
-                <a:tailEnd/>
-              </a14:hiddenLine>
-            </a:ext>
-          </a:extLst>
         </p:spPr>
         <p:txBody>
           <a:bodyPr wrap="square">
@@ -12701,8 +12405,8 @@
                 <a:solidFill>
                   <a:srgbClr val="FF0000"/>
                 </a:solidFill>
-                <a:latin typeface="Times New Roman" pitchFamily="18" charset="0"/>
-                <a:cs typeface="Times New Roman" pitchFamily="18" charset="0"/>
+                <a:latin typeface="Times New Roman" panose="02020503050405090304" pitchFamily="18" charset="0"/>
+                <a:cs typeface="Times New Roman" panose="02020503050405090304" pitchFamily="18" charset="0"/>
               </a:rPr>
               <a:t>Department of AIT-CSE</a:t>
             </a:r>
@@ -12710,8 +12414,8 @@
               <a:solidFill>
                 <a:srgbClr val="FF0000"/>
               </a:solidFill>
-              <a:latin typeface="Times New Roman" pitchFamily="18" charset="0"/>
-              <a:cs typeface="Times New Roman" pitchFamily="18" charset="0"/>
+              <a:latin typeface="Times New Roman" panose="02020503050405090304" pitchFamily="18" charset="0"/>
+              <a:cs typeface="Times New Roman" panose="02020503050405090304" pitchFamily="18" charset="0"/>
             </a:endParaRPr>
           </a:p>
         </p:txBody>
@@ -12736,25 +12440,6 @@
           <a:ln>
             <a:noFill/>
           </a:ln>
-          <a:extLst>
-            <a:ext uri="{909E8E84-426E-40dd-AFC4-6F175D3DCCD1}">
-              <a14:hiddenFill xmlns:a14="http://schemas.microsoft.com/office/drawing/2010/main" xmlns="">
-                <a:solidFill>
-                  <a:srgbClr val="FFFFFF"/>
-                </a:solidFill>
-              </a14:hiddenFill>
-            </a:ext>
-            <a:ext uri="{91240B29-F687-4f45-9708-019B960494DF}">
-              <a14:hiddenLine xmlns:a14="http://schemas.microsoft.com/office/drawing/2010/main" xmlns="" w="9525">
-                <a:solidFill>
-                  <a:srgbClr val="000000"/>
-                </a:solidFill>
-                <a:miter lim="800000"/>
-                <a:headEnd/>
-                <a:tailEnd/>
-              </a14:hiddenLine>
-            </a:ext>
-          </a:extLst>
         </p:spPr>
         <p:txBody>
           <a:bodyPr wrap="square" lIns="91440" tIns="45720" rIns="91440" bIns="45720" anchor="ctr">
@@ -12862,11 +12547,15 @@
             <a:pPr algn="ctr"/>
             <a:r>
               <a:rPr lang="en-US" sz="4000" b="1" dirty="0">
-                <a:latin typeface="Times New Roman"/>
-                <a:cs typeface="Times New Roman"/>
+                <a:latin typeface="Times New Roman" panose="02020503050405090304"/>
+                <a:cs typeface="Times New Roman" panose="02020503050405090304"/>
               </a:rPr>
               <a:t>Smart AC Remote with Voice Control</a:t>
             </a:r>
+            <a:endParaRPr lang="en-US" sz="4000" b="1" dirty="0">
+              <a:latin typeface="Times New Roman" panose="02020503050405090304"/>
+              <a:cs typeface="Times New Roman" panose="02020503050405090304"/>
+            </a:endParaRPr>
           </a:p>
         </p:txBody>
       </p:sp>
@@ -12887,8 +12576,6 @@
           <a:p>
             <a:fld id="{BDCDBBEF-AA6C-4BA6-85B2-A17D7F280E38}" type="slidenum">
               <a:rPr lang="en-US" smtClean="0"/>
-              <a:pPr/>
-              <a:t>1</a:t>
             </a:fld>
             <a:endParaRPr lang="en-US"/>
           </a:p>
@@ -12921,6 +12608,7 @@
               <a:rPr lang="en-US" sz="2000" b="1" dirty="0"/>
               <a:t>Submitted by: </a:t>
             </a:r>
+            <a:endParaRPr lang="en-US" sz="2000" b="1" dirty="0"/>
           </a:p>
           <a:p>
             <a:pPr algn="ctr"/>
@@ -12929,8 +12617,8 @@
               <a:t>Yash Dubey 21BCS9898</a:t>
             </a:r>
             <a:endParaRPr lang="en-US" sz="2000" dirty="0">
-              <a:ea typeface="Calibri"/>
-              <a:cs typeface="Calibri"/>
+              <a:ea typeface="Calibri" panose="020F0502020204030204"/>
+              <a:cs typeface="Calibri" panose="020F0502020204030204"/>
             </a:endParaRPr>
           </a:p>
           <a:p>
@@ -12940,8 +12628,8 @@
               <a:t>Sandhya   21BCS11860</a:t>
             </a:r>
             <a:endParaRPr lang="en-US" sz="2000" dirty="0">
-              <a:ea typeface="Calibri"/>
-              <a:cs typeface="Calibri"/>
+              <a:ea typeface="Calibri" panose="020F0502020204030204"/>
+              <a:cs typeface="Calibri" panose="020F0502020204030204"/>
             </a:endParaRPr>
           </a:p>
           <a:p>
@@ -12986,8 +12674,8 @@
               <a:t>Dr. Priyanka Kaushik</a:t>
             </a:r>
             <a:endParaRPr lang="en-US" sz="2000" dirty="0">
-              <a:ea typeface="Calibri"/>
-              <a:cs typeface="Calibri"/>
+              <a:ea typeface="Calibri" panose="020F0502020204030204"/>
+              <a:cs typeface="Calibri" panose="020F0502020204030204"/>
             </a:endParaRPr>
           </a:p>
           <a:p>
@@ -12996,11 +12684,6 @@
         </p:txBody>
       </p:sp>
     </p:spTree>
-    <p:extLst>
-      <p:ext uri="{BB962C8B-B14F-4D97-AF65-F5344CB8AC3E}">
-        <p14:creationId xmlns:p14="http://schemas.microsoft.com/office/powerpoint/2010/main" val="456502190"/>
-      </p:ext>
-    </p:extLst>
   </p:cSld>
   <p:clrMapOvr>
     <a:masterClrMapping/>
@@ -13027,13 +12710,7 @@
       </p:grpSpPr>
       <p:sp>
         <p:nvSpPr>
-          <p:cNvPr id="2" name="Title 1">
-            <a:extLst>
-              <a:ext uri="{FF2B5EF4-FFF2-40B4-BE49-F238E27FC236}">
-                <a16:creationId xmlns:a16="http://schemas.microsoft.com/office/drawing/2014/main" id="{540D8FE4-0377-B67A-588C-0BB002949BF8}"/>
-              </a:ext>
-            </a:extLst>
-          </p:cNvPr>
+          <p:cNvPr id="2" name="Title 1"/>
           <p:cNvSpPr>
             <a:spLocks noGrp="1"/>
           </p:cNvSpPr>
@@ -13041,12 +12718,7 @@
             <p:ph type="title"/>
           </p:nvPr>
         </p:nvSpPr>
-        <p:spPr>
-          <a:xfrm>
-            <a:off x="838200" y="63201"/>
-            <a:ext cx="10515600" cy="807978"/>
-          </a:xfrm>
-        </p:spPr>
+        <p:spPr/>
         <p:txBody>
           <a:bodyPr>
             <a:normAutofit/>
@@ -13054,24 +12726,121 @@
           <a:lstStyle/>
           <a:p>
             <a:r>
-              <a:rPr lang="en-IN" sz="4000" b="1" dirty="0">
-                <a:latin typeface="Times New Roman"/>
-                <a:cs typeface="Times New Roman"/>
+              <a:rPr lang="en-US" sz="4000" b="1">
+                <a:latin typeface="Times New Roman" panose="02020503050405090304"/>
+                <a:ea typeface="+mj-lt"/>
+                <a:cs typeface="+mj-lt"/>
               </a:rPr>
-              <a:t>Result and Output</a:t>
-            </a:r>
-          </a:p>
-        </p:txBody>
-      </p:sp>
-      <p:sp>
-        <p:nvSpPr>
-          <p:cNvPr id="4" name="Slide Number Placeholder 3">
-            <a:extLst>
-              <a:ext uri="{FF2B5EF4-FFF2-40B4-BE49-F238E27FC236}">
-                <a16:creationId xmlns:a16="http://schemas.microsoft.com/office/drawing/2014/main" id="{3E351304-BA1C-E069-486A-33C07096EE20}"/>
-              </a:ext>
-            </a:extLst>
-          </p:cNvPr>
+              <a:t>Challenges </a:t>
+            </a:r>
+            <a:endParaRPr lang="en-US" sz="4000" b="1">
+              <a:latin typeface="Times New Roman" panose="02020503050405090304"/>
+            </a:endParaRPr>
+          </a:p>
+        </p:txBody>
+      </p:sp>
+      <p:sp>
+        <p:nvSpPr>
+          <p:cNvPr id="3" name="Content Placeholder 2"/>
+          <p:cNvSpPr>
+            <a:spLocks noGrp="1"/>
+          </p:cNvSpPr>
+          <p:nvPr>
+            <p:ph idx="1"/>
+          </p:nvPr>
+        </p:nvSpPr>
+        <p:spPr/>
+        <p:txBody>
+          <a:bodyPr vert="horz" lIns="91440" tIns="45720" rIns="91440" bIns="45720" rtlCol="0" anchor="t">
+            <a:normAutofit/>
+          </a:bodyPr>
+          <a:lstStyle/>
+          <a:p>
+            <a:pPr>
+              <a:buFont typeface="Arial" panose="020B0604020202090204"/>
+              <a:buChar char="•"/>
+            </a:pPr>
+            <a:r>
+              <a:rPr lang="en-US" dirty="0">
+                <a:latin typeface="Times New Roman" panose="02020503050405090304"/>
+                <a:ea typeface="+mn-lt"/>
+                <a:cs typeface="+mn-lt"/>
+              </a:rPr>
+              <a:t>Accurate speech recognition in noisy environments.</a:t>
+            </a:r>
+            <a:endParaRPr lang="en-US">
+              <a:latin typeface="Times New Roman" panose="02020503050405090304"/>
+              <a:cs typeface="Times New Roman" panose="02020503050405090304"/>
+            </a:endParaRPr>
+          </a:p>
+          <a:p>
+            <a:pPr>
+              <a:buFont typeface="Arial" panose="020B0604020202090204"/>
+            </a:pPr>
+            <a:r>
+              <a:rPr lang="en-US" dirty="0">
+                <a:latin typeface="Times New Roman" panose="02020503050405090304"/>
+                <a:ea typeface="+mn-lt"/>
+                <a:cs typeface="+mn-lt"/>
+              </a:rPr>
+              <a:t>Ensuring compatibility with various AC models.</a:t>
+            </a:r>
+            <a:endParaRPr lang="en-US" dirty="0">
+              <a:latin typeface="Times New Roman" panose="02020503050405090304"/>
+              <a:ea typeface="+mn-lt"/>
+              <a:cs typeface="+mn-lt"/>
+            </a:endParaRPr>
+          </a:p>
+          <a:p>
+            <a:pPr>
+              <a:buFont typeface="Arial" panose="020B0604020202090204"/>
+            </a:pPr>
+            <a:r>
+              <a:rPr lang="en-US" dirty="0">
+                <a:latin typeface="Times New Roman" panose="02020503050405090304"/>
+                <a:ea typeface="+mn-lt"/>
+                <a:cs typeface="+mn-lt"/>
+              </a:rPr>
+              <a:t>Optimizing response time for smooth user experience.</a:t>
+            </a:r>
+            <a:endParaRPr lang="en-US" dirty="0">
+              <a:latin typeface="Times New Roman" panose="02020503050405090304"/>
+              <a:ea typeface="+mn-lt"/>
+              <a:cs typeface="+mn-lt"/>
+            </a:endParaRPr>
+          </a:p>
+          <a:p>
+            <a:pPr>
+              <a:buFont typeface="Arial" panose="020B0604020202090204"/>
+            </a:pPr>
+            <a:r>
+              <a:rPr lang="en-US" dirty="0">
+                <a:latin typeface="Times New Roman" panose="02020503050405090304"/>
+                <a:ea typeface="+mn-lt"/>
+                <a:cs typeface="+mn-lt"/>
+              </a:rPr>
+              <a:t>Smart home integration with different platforms.</a:t>
+            </a:r>
+            <a:endParaRPr lang="en-US" dirty="0">
+              <a:latin typeface="Times New Roman" panose="02020503050405090304"/>
+              <a:ea typeface="+mn-lt"/>
+              <a:cs typeface="+mn-lt"/>
+            </a:endParaRPr>
+          </a:p>
+          <a:p>
+            <a:pPr marL="0" indent="0">
+              <a:buNone/>
+            </a:pPr>
+            <a:endParaRPr lang="en-US" dirty="0">
+              <a:ea typeface="Calibri" panose="020F0502020204030204"/>
+              <a:cs typeface="Calibri" panose="020F0502020204030204"/>
+            </a:endParaRPr>
+          </a:p>
+        </p:txBody>
+      </p:sp>
+      <p:sp>
+        <p:nvSpPr>
+          <p:cNvPr id="4" name="Slide Number Placeholder 3"/>
           <p:cNvSpPr>
             <a:spLocks noGrp="1"/>
           </p:cNvSpPr>
@@ -13086,48 +12855,12 @@
           <a:p>
             <a:fld id="{BDCDBBEF-AA6C-4BA6-85B2-A17D7F280E38}" type="slidenum">
               <a:rPr lang="en-US" smtClean="0"/>
-              <a:pPr/>
-              <a:t>10</a:t>
             </a:fld>
             <a:endParaRPr lang="en-US"/>
           </a:p>
         </p:txBody>
       </p:sp>
-      <p:pic>
-        <p:nvPicPr>
-          <p:cNvPr id="7" name="Content Placeholder 6" descr="A screenshot of a phone&#10;&#10;AI-generated content may be incorrect.">
-            <a:extLst>
-              <a:ext uri="{FF2B5EF4-FFF2-40B4-BE49-F238E27FC236}">
-                <a16:creationId xmlns:a16="http://schemas.microsoft.com/office/drawing/2014/main" id="{29DA2489-90A1-D7DE-8E0F-BEDA1325CDA8}"/>
-              </a:ext>
-            </a:extLst>
-          </p:cNvPr>
-          <p:cNvPicPr>
-            <a:picLocks noGrp="1" noChangeAspect="1"/>
-          </p:cNvPicPr>
-          <p:nvPr>
-            <p:ph idx="1"/>
-          </p:nvPr>
-        </p:nvPicPr>
-        <p:blipFill>
-          <a:blip r:embed="rId2"/>
-          <a:stretch>
-            <a:fillRect/>
-          </a:stretch>
-        </p:blipFill>
-        <p:spPr>
-          <a:xfrm>
-            <a:off x="4846940" y="1098245"/>
-            <a:ext cx="2295268" cy="5460518"/>
-          </a:xfrm>
-        </p:spPr>
-      </p:pic>
     </p:spTree>
-    <p:extLst>
-      <p:ext uri="{BB962C8B-B14F-4D97-AF65-F5344CB8AC3E}">
-        <p14:creationId xmlns:p14="http://schemas.microsoft.com/office/powerpoint/2010/main" val="1219445583"/>
-      </p:ext>
-    </p:extLst>
   </p:cSld>
   <p:clrMapOvr>
     <a:masterClrMapping/>
@@ -13164,8 +12897,8 @@
         </p:nvSpPr>
         <p:spPr>
           <a:xfrm>
-            <a:off x="838200" y="365125"/>
-            <a:ext cx="10515600" cy="1009262"/>
+            <a:off x="838200" y="63201"/>
+            <a:ext cx="10515600" cy="807978"/>
           </a:xfrm>
         </p:spPr>
         <p:txBody>
@@ -13175,114 +12908,65 @@
           <a:lstStyle/>
           <a:p>
             <a:r>
-              <a:rPr lang="en-US" sz="4000" b="1" dirty="0">
-                <a:latin typeface="Times New Roman"/>
-                <a:cs typeface="Times New Roman"/>
+              <a:rPr lang="en-IN" sz="4000" b="1" dirty="0">
+                <a:latin typeface="Times New Roman" panose="02020503050405090304"/>
+                <a:cs typeface="Times New Roman" panose="02020503050405090304"/>
               </a:rPr>
-              <a:t>Future Scope</a:t>
-            </a:r>
-          </a:p>
-        </p:txBody>
-      </p:sp>
-      <p:sp>
-        <p:nvSpPr>
-          <p:cNvPr id="3" name="Content Placeholder 2"/>
-          <p:cNvSpPr>
-            <a:spLocks noGrp="1"/>
-          </p:cNvSpPr>
+              <a:t>Result and Output</a:t>
+            </a:r>
+            <a:endParaRPr lang="en-IN" sz="4000" b="1" dirty="0">
+              <a:latin typeface="Times New Roman" panose="02020503050405090304"/>
+              <a:cs typeface="Times New Roman" panose="02020503050405090304"/>
+            </a:endParaRPr>
+          </a:p>
+        </p:txBody>
+      </p:sp>
+      <p:sp>
+        <p:nvSpPr>
+          <p:cNvPr id="4" name="Slide Number Placeholder 3"/>
+          <p:cNvSpPr>
+            <a:spLocks noGrp="1"/>
+          </p:cNvSpPr>
+          <p:nvPr>
+            <p:ph type="sldNum" sz="quarter" idx="12"/>
+          </p:nvPr>
+        </p:nvSpPr>
+        <p:spPr/>
+        <p:txBody>
+          <a:bodyPr/>
+          <a:lstStyle/>
+          <a:p>
+            <a:fld id="{BDCDBBEF-AA6C-4BA6-85B2-A17D7F280E38}" type="slidenum">
+              <a:rPr lang="en-US" smtClean="0"/>
+            </a:fld>
+            <a:endParaRPr lang="en-US"/>
+          </a:p>
+        </p:txBody>
+      </p:sp>
+      <p:pic>
+        <p:nvPicPr>
+          <p:cNvPr id="7" name="Content Placeholder 6" descr="A screenshot of a phone&#10;&#10;AI-generated content may be incorrect."/>
+          <p:cNvPicPr>
+            <a:picLocks noGrp="1" noChangeAspect="1"/>
+          </p:cNvPicPr>
           <p:nvPr>
             <p:ph idx="1"/>
           </p:nvPr>
-        </p:nvSpPr>
+        </p:nvPicPr>
+        <p:blipFill>
+          <a:blip r:embed="rId1"/>
+          <a:stretch>
+            <a:fillRect/>
+          </a:stretch>
+        </p:blipFill>
         <p:spPr>
           <a:xfrm>
-            <a:off x="838200" y="1471942"/>
-            <a:ext cx="10515600" cy="4351338"/>
+            <a:off x="4846940" y="1098245"/>
+            <a:ext cx="2295268" cy="5460518"/>
           </a:xfrm>
         </p:spPr>
-        <p:txBody>
-          <a:bodyPr vert="horz" lIns="91440" tIns="45720" rIns="91440" bIns="45720" rtlCol="0" anchor="t">
-            <a:normAutofit/>
-          </a:bodyPr>
-          <a:lstStyle/>
-          <a:p>
-            <a:r>
-              <a:rPr lang="en-US" dirty="0">
-                <a:latin typeface="Times New Roman"/>
-                <a:ea typeface="+mn-lt"/>
-                <a:cs typeface="+mn-lt"/>
-              </a:rPr>
-              <a:t>Adding gesture-based controls for hands-free operation.</a:t>
-            </a:r>
-          </a:p>
-          <a:p>
-            <a:r>
-              <a:rPr lang="en-US" dirty="0">
-                <a:latin typeface="Times New Roman"/>
-                <a:ea typeface="+mn-lt"/>
-                <a:cs typeface="+mn-lt"/>
-              </a:rPr>
-              <a:t>Implementing machine learning for adaptive cooling based on user behavior.</a:t>
-            </a:r>
-          </a:p>
-          <a:p>
-            <a:r>
-              <a:rPr lang="en-US" dirty="0">
-                <a:latin typeface="Times New Roman"/>
-                <a:ea typeface="+mn-lt"/>
-                <a:cs typeface="+mn-lt"/>
-              </a:rPr>
-              <a:t>Mobile App Integration for remote access.</a:t>
-            </a:r>
-          </a:p>
-          <a:p>
-            <a:r>
-              <a:rPr lang="en-US" dirty="0">
-                <a:latin typeface="Times New Roman"/>
-                <a:ea typeface="+mn-lt"/>
-                <a:cs typeface="+mn-lt"/>
-              </a:rPr>
-              <a:t>Support for multiple languages in voice commands.</a:t>
-            </a:r>
-          </a:p>
-          <a:p>
-            <a:endParaRPr lang="en-US" dirty="0">
-              <a:ea typeface="Calibri"/>
-              <a:cs typeface="Calibri"/>
-            </a:endParaRPr>
-          </a:p>
-        </p:txBody>
-      </p:sp>
-      <p:sp>
-        <p:nvSpPr>
-          <p:cNvPr id="4" name="Slide Number Placeholder 3"/>
-          <p:cNvSpPr>
-            <a:spLocks noGrp="1"/>
-          </p:cNvSpPr>
-          <p:nvPr>
-            <p:ph type="sldNum" sz="quarter" idx="12"/>
-          </p:nvPr>
-        </p:nvSpPr>
-        <p:spPr/>
-        <p:txBody>
-          <a:bodyPr/>
-          <a:lstStyle/>
-          <a:p>
-            <a:fld id="{BDCDBBEF-AA6C-4BA6-85B2-A17D7F280E38}" type="slidenum">
-              <a:rPr lang="en-US" smtClean="0"/>
-              <a:pPr/>
-              <a:t>11</a:t>
-            </a:fld>
-            <a:endParaRPr lang="en-US"/>
-          </a:p>
-        </p:txBody>
-      </p:sp>
+      </p:pic>
     </p:spTree>
-    <p:extLst>
-      <p:ext uri="{BB962C8B-B14F-4D97-AF65-F5344CB8AC3E}">
-        <p14:creationId xmlns:p14="http://schemas.microsoft.com/office/powerpoint/2010/main" val="4093034545"/>
-      </p:ext>
-    </p:extLst>
   </p:cSld>
   <p:clrMapOvr>
     <a:masterClrMapping/>
@@ -13317,7 +13001,12 @@
             <p:ph type="title"/>
           </p:nvPr>
         </p:nvSpPr>
-        <p:spPr/>
+        <p:spPr>
+          <a:xfrm>
+            <a:off x="838200" y="365125"/>
+            <a:ext cx="10515600" cy="1009262"/>
+          </a:xfrm>
+        </p:spPr>
         <p:txBody>
           <a:bodyPr>
             <a:normAutofit/>
@@ -13326,11 +13015,15 @@
           <a:p>
             <a:r>
               <a:rPr lang="en-US" sz="4000" b="1" dirty="0">
-                <a:latin typeface="Times New Roman"/>
-                <a:cs typeface="Times New Roman"/>
+                <a:latin typeface="Times New Roman" panose="02020503050405090304"/>
+                <a:cs typeface="Times New Roman" panose="02020503050405090304"/>
               </a:rPr>
-              <a:t>Conclusion</a:t>
-            </a:r>
+              <a:t>Future Scope</a:t>
+            </a:r>
+            <a:endParaRPr lang="en-US" sz="4000" b="1" dirty="0">
+              <a:latin typeface="Times New Roman" panose="02020503050405090304"/>
+              <a:cs typeface="Times New Roman" panose="02020503050405090304"/>
+            </a:endParaRPr>
           </a:p>
         </p:txBody>
       </p:sp>
@@ -13344,19 +13037,186 @@
             <p:ph idx="1"/>
           </p:nvPr>
         </p:nvSpPr>
-        <p:spPr/>
+        <p:spPr>
+          <a:xfrm>
+            <a:off x="838200" y="1471942"/>
+            <a:ext cx="10515600" cy="4351338"/>
+          </a:xfrm>
+        </p:spPr>
         <p:txBody>
           <a:bodyPr vert="horz" lIns="91440" tIns="45720" rIns="91440" bIns="45720" rtlCol="0" anchor="t">
             <a:normAutofit/>
           </a:bodyPr>
           <a:lstStyle/>
           <a:p>
+            <a:r>
+              <a:rPr lang="en-US" dirty="0">
+                <a:latin typeface="Times New Roman" panose="02020503050405090304"/>
+                <a:ea typeface="+mn-lt"/>
+                <a:cs typeface="+mn-lt"/>
+              </a:rPr>
+              <a:t>Adding gesture-based controls for hands-free operation.</a:t>
+            </a:r>
+            <a:endParaRPr lang="en-US" dirty="0">
+              <a:latin typeface="Times New Roman" panose="02020503050405090304"/>
+              <a:ea typeface="+mn-lt"/>
+              <a:cs typeface="+mn-lt"/>
+            </a:endParaRPr>
+          </a:p>
+          <a:p>
+            <a:r>
+              <a:rPr lang="en-US" dirty="0">
+                <a:latin typeface="Times New Roman" panose="02020503050405090304"/>
+                <a:ea typeface="+mn-lt"/>
+                <a:cs typeface="+mn-lt"/>
+              </a:rPr>
+              <a:t>Implementing machine learning for adaptive cooling based on user behavior.</a:t>
+            </a:r>
+            <a:endParaRPr lang="en-US" dirty="0">
+              <a:latin typeface="Times New Roman" panose="02020503050405090304"/>
+              <a:ea typeface="+mn-lt"/>
+              <a:cs typeface="+mn-lt"/>
+            </a:endParaRPr>
+          </a:p>
+          <a:p>
+            <a:r>
+              <a:rPr lang="en-US" dirty="0">
+                <a:latin typeface="Times New Roman" panose="02020503050405090304"/>
+                <a:ea typeface="+mn-lt"/>
+                <a:cs typeface="+mn-lt"/>
+              </a:rPr>
+              <a:t>Mobile App Integration for remote access.</a:t>
+            </a:r>
+            <a:endParaRPr lang="en-US" dirty="0">
+              <a:latin typeface="Times New Roman" panose="02020503050405090304"/>
+              <a:ea typeface="+mn-lt"/>
+              <a:cs typeface="+mn-lt"/>
+            </a:endParaRPr>
+          </a:p>
+          <a:p>
+            <a:r>
+              <a:rPr lang="en-US" dirty="0">
+                <a:latin typeface="Times New Roman" panose="02020503050405090304"/>
+                <a:ea typeface="+mn-lt"/>
+                <a:cs typeface="+mn-lt"/>
+              </a:rPr>
+              <a:t>Support for multiple languages in voice commands.</a:t>
+            </a:r>
+            <a:endParaRPr lang="en-US" dirty="0">
+              <a:latin typeface="Times New Roman" panose="02020503050405090304"/>
+              <a:ea typeface="+mn-lt"/>
+              <a:cs typeface="+mn-lt"/>
+            </a:endParaRPr>
+          </a:p>
+          <a:p>
+            <a:endParaRPr lang="en-US" dirty="0">
+              <a:ea typeface="Calibri" panose="020F0502020204030204"/>
+              <a:cs typeface="Calibri" panose="020F0502020204030204"/>
+            </a:endParaRPr>
+          </a:p>
+        </p:txBody>
+      </p:sp>
+      <p:sp>
+        <p:nvSpPr>
+          <p:cNvPr id="4" name="Slide Number Placeholder 3"/>
+          <p:cNvSpPr>
+            <a:spLocks noGrp="1"/>
+          </p:cNvSpPr>
+          <p:nvPr>
+            <p:ph type="sldNum" sz="quarter" idx="12"/>
+          </p:nvPr>
+        </p:nvSpPr>
+        <p:spPr/>
+        <p:txBody>
+          <a:bodyPr/>
+          <a:lstStyle/>
+          <a:p>
+            <a:fld id="{BDCDBBEF-AA6C-4BA6-85B2-A17D7F280E38}" type="slidenum">
+              <a:rPr lang="en-US" smtClean="0"/>
+            </a:fld>
+            <a:endParaRPr lang="en-US"/>
+          </a:p>
+        </p:txBody>
+      </p:sp>
+    </p:spTree>
+  </p:cSld>
+  <p:clrMapOvr>
+    <a:masterClrMapping/>
+  </p:clrMapOvr>
+</p:sld>
+</file>
+
+<file path=ppt/slides/slide13.xml><?xml version="1.0" encoding="utf-8"?>
+<p:sld xmlns:a="http://schemas.openxmlformats.org/drawingml/2006/main" xmlns:r="http://schemas.openxmlformats.org/officeDocument/2006/relationships" xmlns:p="http://schemas.openxmlformats.org/presentationml/2006/main">
+  <p:cSld>
+    <p:spTree>
+      <p:nvGrpSpPr>
+        <p:cNvPr id="1" name=""/>
+        <p:cNvGrpSpPr/>
+        <p:nvPr/>
+      </p:nvGrpSpPr>
+      <p:grpSpPr>
+        <a:xfrm>
+          <a:off x="0" y="0"/>
+          <a:ext cx="0" cy="0"/>
+          <a:chOff x="0" y="0"/>
+          <a:chExt cx="0" cy="0"/>
+        </a:xfrm>
+      </p:grpSpPr>
+      <p:sp>
+        <p:nvSpPr>
+          <p:cNvPr id="2" name="Title 1"/>
+          <p:cNvSpPr>
+            <a:spLocks noGrp="1"/>
+          </p:cNvSpPr>
+          <p:nvPr>
+            <p:ph type="title"/>
+          </p:nvPr>
+        </p:nvSpPr>
+        <p:spPr/>
+        <p:txBody>
+          <a:bodyPr>
+            <a:normAutofit/>
+          </a:bodyPr>
+          <a:lstStyle/>
+          <a:p>
+            <a:r>
+              <a:rPr lang="en-US" sz="4000" b="1" dirty="0">
+                <a:latin typeface="Times New Roman" panose="02020503050405090304"/>
+                <a:cs typeface="Times New Roman" panose="02020503050405090304"/>
+              </a:rPr>
+              <a:t>Conclusion</a:t>
+            </a:r>
+            <a:endParaRPr lang="en-US" sz="4000" b="1" dirty="0">
+              <a:latin typeface="Times New Roman" panose="02020503050405090304"/>
+              <a:cs typeface="Times New Roman" panose="02020503050405090304"/>
+            </a:endParaRPr>
+          </a:p>
+        </p:txBody>
+      </p:sp>
+      <p:sp>
+        <p:nvSpPr>
+          <p:cNvPr id="3" name="Content Placeholder 2"/>
+          <p:cNvSpPr>
+            <a:spLocks noGrp="1"/>
+          </p:cNvSpPr>
+          <p:nvPr>
+            <p:ph idx="1"/>
+          </p:nvPr>
+        </p:nvSpPr>
+        <p:spPr/>
+        <p:txBody>
+          <a:bodyPr vert="horz" lIns="91440" tIns="45720" rIns="91440" bIns="45720" rtlCol="0" anchor="t">
+            <a:normAutofit/>
+          </a:bodyPr>
+          <a:lstStyle/>
+          <a:p>
             <a:pPr marL="0" indent="0">
               <a:buNone/>
             </a:pPr>
             <a:r>
               <a:rPr lang="en-US" dirty="0">
-                <a:latin typeface="Times New Roman"/>
+                <a:latin typeface="Times New Roman" panose="02020503050405090304"/>
                 <a:ea typeface="+mn-lt"/>
                 <a:cs typeface="+mn-lt"/>
               </a:rPr>
@@ -13369,8 +13229,8 @@
               <a:buNone/>
             </a:pPr>
             <a:endParaRPr lang="en-US" dirty="0">
-              <a:ea typeface="Calibri"/>
-              <a:cs typeface="Calibri"/>
+              <a:ea typeface="Calibri" panose="020F0502020204030204"/>
+              <a:cs typeface="Calibri" panose="020F0502020204030204"/>
             </a:endParaRPr>
           </a:p>
         </p:txBody>
@@ -13392,19 +13252,12 @@
           <a:p>
             <a:fld id="{BDCDBBEF-AA6C-4BA6-85B2-A17D7F280E38}" type="slidenum">
               <a:rPr lang="en-US" smtClean="0"/>
-              <a:pPr/>
-              <a:t>12</a:t>
             </a:fld>
             <a:endParaRPr lang="en-US"/>
           </a:p>
         </p:txBody>
       </p:sp>
     </p:spTree>
-    <p:extLst>
-      <p:ext uri="{BB962C8B-B14F-4D97-AF65-F5344CB8AC3E}">
-        <p14:creationId xmlns:p14="http://schemas.microsoft.com/office/powerpoint/2010/main" val="217736284"/>
-      </p:ext>
-    </p:extLst>
   </p:cSld>
   <p:clrMapOvr>
     <a:masterClrMapping/>
@@ -13453,11 +13306,15 @@
           <a:p>
             <a:r>
               <a:rPr lang="en-US" sz="4000" b="1" dirty="0">
-                <a:latin typeface="Times New Roman"/>
-                <a:cs typeface="Times New Roman"/>
+                <a:latin typeface="Times New Roman" panose="02020503050405090304"/>
+                <a:cs typeface="Times New Roman" panose="02020503050405090304"/>
               </a:rPr>
               <a:t>Outline</a:t>
             </a:r>
+            <a:endParaRPr lang="en-US" sz="4000" b="1" dirty="0">
+              <a:latin typeface="Times New Roman" panose="02020503050405090304"/>
+              <a:cs typeface="Times New Roman" panose="02020503050405090304"/>
+            </a:endParaRPr>
           </a:p>
         </p:txBody>
       </p:sp>
@@ -13473,109 +13330,162 @@
         </p:nvSpPr>
         <p:spPr>
           <a:xfrm>
-            <a:off x="838200" y="1228787"/>
-            <a:ext cx="5257800" cy="5397950"/>
+            <a:off x="591185" y="1125855"/>
+            <a:ext cx="9960610" cy="5398135"/>
           </a:xfrm>
         </p:spPr>
         <p:txBody>
           <a:bodyPr vert="horz" lIns="91440" tIns="45720" rIns="91440" bIns="45720" rtlCol="0" anchor="t">
-            <a:normAutofit/>
+            <a:normAutofit lnSpcReduction="20000"/>
           </a:bodyPr>
           <a:lstStyle/>
           <a:p>
             <a:r>
               <a:rPr lang="en-US" dirty="0">
-                <a:latin typeface="Times New Roman"/>
-                <a:cs typeface="Times New Roman"/>
+                <a:latin typeface="Times New Roman" panose="02020503050405090304"/>
+                <a:cs typeface="Times New Roman" panose="02020503050405090304"/>
               </a:rPr>
               <a:t>Introduction </a:t>
             </a:r>
+            <a:endParaRPr lang="en-US" dirty="0">
+              <a:latin typeface="Times New Roman" panose="02020503050405090304"/>
+              <a:cs typeface="Times New Roman" panose="02020503050405090304"/>
+            </a:endParaRPr>
           </a:p>
           <a:p>
             <a:r>
               <a:rPr lang="en-US" dirty="0">
-                <a:latin typeface="Times New Roman"/>
-                <a:cs typeface="Times New Roman"/>
+                <a:latin typeface="Times New Roman" panose="02020503050405090304"/>
+                <a:cs typeface="Times New Roman" panose="02020503050405090304"/>
+              </a:rPr>
+              <a:t>Difference b/w previous AC remote and Smart AC remote</a:t>
+            </a:r>
+            <a:endParaRPr lang="en-US" dirty="0">
+              <a:latin typeface="Times New Roman" panose="02020503050405090304"/>
+              <a:cs typeface="Times New Roman" panose="02020503050405090304"/>
+            </a:endParaRPr>
+          </a:p>
+          <a:p>
+            <a:r>
+              <a:rPr lang="en-US" dirty="0">
+                <a:latin typeface="Times New Roman" panose="02020503050405090304"/>
+                <a:cs typeface="Times New Roman" panose="02020503050405090304"/>
               </a:rPr>
               <a:t>Problem Formulation</a:t>
             </a:r>
+            <a:endParaRPr lang="en-US" dirty="0">
+              <a:latin typeface="Times New Roman" panose="02020503050405090304"/>
+              <a:cs typeface="Times New Roman" panose="02020503050405090304"/>
+            </a:endParaRPr>
           </a:p>
           <a:p>
             <a:r>
               <a:rPr lang="en-US" dirty="0">
-                <a:latin typeface="Times New Roman"/>
-                <a:cs typeface="Times New Roman"/>
+                <a:latin typeface="Times New Roman" panose="02020503050405090304"/>
+                <a:cs typeface="Times New Roman" panose="02020503050405090304"/>
               </a:rPr>
               <a:t>Objectives </a:t>
             </a:r>
+            <a:endParaRPr lang="en-US" dirty="0">
+              <a:latin typeface="Times New Roman" panose="02020503050405090304"/>
+              <a:cs typeface="Times New Roman" panose="02020503050405090304"/>
+            </a:endParaRPr>
           </a:p>
           <a:p>
             <a:r>
               <a:rPr lang="en-US" dirty="0">
-                <a:latin typeface="Times New Roman"/>
-                <a:cs typeface="Times New Roman"/>
+                <a:latin typeface="Times New Roman" panose="02020503050405090304"/>
+                <a:cs typeface="Times New Roman" panose="02020503050405090304"/>
               </a:rPr>
               <a:t>Key Features</a:t>
             </a:r>
+            <a:endParaRPr lang="en-US" dirty="0">
+              <a:latin typeface="Times New Roman" panose="02020503050405090304"/>
+              <a:cs typeface="Times New Roman" panose="02020503050405090304"/>
+            </a:endParaRPr>
           </a:p>
           <a:p>
             <a:r>
               <a:rPr lang="en-US" dirty="0">
-                <a:latin typeface="Times New Roman"/>
-                <a:cs typeface="Times New Roman"/>
+                <a:latin typeface="Times New Roman" panose="02020503050405090304"/>
+                <a:cs typeface="Times New Roman" panose="02020503050405090304"/>
               </a:rPr>
               <a:t>Methodology Used</a:t>
             </a:r>
+            <a:endParaRPr lang="en-US" dirty="0">
+              <a:latin typeface="Times New Roman" panose="02020503050405090304"/>
+              <a:cs typeface="Times New Roman" panose="02020503050405090304"/>
+            </a:endParaRPr>
           </a:p>
           <a:p>
             <a:r>
               <a:rPr lang="en-US" dirty="0">
-                <a:latin typeface="Times New Roman"/>
-                <a:cs typeface="Times New Roman"/>
+                <a:latin typeface="Times New Roman" panose="02020503050405090304"/>
+                <a:cs typeface="Times New Roman" panose="02020503050405090304"/>
               </a:rPr>
               <a:t>System Architecture</a:t>
             </a:r>
+            <a:endParaRPr lang="en-US" dirty="0">
+              <a:latin typeface="Times New Roman" panose="02020503050405090304"/>
+              <a:cs typeface="Times New Roman" panose="02020503050405090304"/>
+            </a:endParaRPr>
           </a:p>
           <a:p>
             <a:r>
               <a:rPr lang="en-US" dirty="0">
-                <a:latin typeface="Times New Roman"/>
-                <a:cs typeface="Times New Roman"/>
+                <a:latin typeface="Times New Roman" panose="02020503050405090304"/>
+                <a:cs typeface="Times New Roman" panose="02020503050405090304"/>
               </a:rPr>
               <a:t>Challenges</a:t>
             </a:r>
+            <a:endParaRPr lang="en-US" dirty="0">
+              <a:latin typeface="Times New Roman" panose="02020503050405090304"/>
+              <a:cs typeface="Times New Roman" panose="02020503050405090304"/>
+            </a:endParaRPr>
           </a:p>
           <a:p>
             <a:r>
               <a:rPr lang="en-US" spc="-10" dirty="0">
-                <a:latin typeface="Times New Roman"/>
-                <a:cs typeface="Times New Roman"/>
+                <a:latin typeface="Times New Roman" panose="02020503050405090304"/>
+                <a:cs typeface="Times New Roman" panose="02020503050405090304"/>
               </a:rPr>
               <a:t>Results and Outputs</a:t>
             </a:r>
+            <a:endParaRPr lang="en-US" spc="-10" dirty="0">
+              <a:latin typeface="Times New Roman" panose="02020503050405090304"/>
+              <a:cs typeface="Times New Roman" panose="02020503050405090304"/>
+            </a:endParaRPr>
           </a:p>
           <a:p>
             <a:r>
               <a:rPr lang="en-US" spc="-10" dirty="0">
-                <a:latin typeface="Times New Roman"/>
-                <a:cs typeface="Times New Roman"/>
+                <a:latin typeface="Times New Roman" panose="02020503050405090304"/>
+                <a:cs typeface="Times New Roman" panose="02020503050405090304"/>
               </a:rPr>
               <a:t>Future Scope</a:t>
             </a:r>
+            <a:endParaRPr lang="en-US" spc="-10" dirty="0">
+              <a:latin typeface="Times New Roman" panose="02020503050405090304"/>
+              <a:cs typeface="Times New Roman" panose="02020503050405090304"/>
+            </a:endParaRPr>
           </a:p>
           <a:p>
             <a:r>
               <a:rPr lang="en-US" spc="-10" dirty="0">
-                <a:latin typeface="Times New Roman"/>
-                <a:cs typeface="Times New Roman"/>
+                <a:latin typeface="Times New Roman" panose="02020503050405090304"/>
+                <a:cs typeface="Times New Roman" panose="02020503050405090304"/>
               </a:rPr>
               <a:t>Conclusion</a:t>
             </a:r>
-          </a:p>
-          <a:p>
             <a:endParaRPr lang="en-US" spc="-10" dirty="0">
-              <a:latin typeface="Times New Roman"/>
-              <a:cs typeface="Times New Roman"/>
+              <a:latin typeface="Times New Roman" panose="02020503050405090304"/>
+              <a:cs typeface="Times New Roman" panose="02020503050405090304"/>
+            </a:endParaRPr>
+          </a:p>
+          <a:p>
+            <a:endParaRPr lang="en-US" spc="-10" dirty="0">
+              <a:latin typeface="Times New Roman" panose="02020503050405090304"/>
+              <a:cs typeface="Times New Roman" panose="02020503050405090304"/>
             </a:endParaRPr>
           </a:p>
           <a:p>
@@ -13603,19 +13513,12 @@
           <a:p>
             <a:fld id="{BDCDBBEF-AA6C-4BA6-85B2-A17D7F280E38}" type="slidenum">
               <a:rPr lang="en-US" smtClean="0"/>
-              <a:pPr/>
-              <a:t>2</a:t>
             </a:fld>
             <a:endParaRPr lang="en-US"/>
           </a:p>
         </p:txBody>
       </p:sp>
     </p:spTree>
-    <p:extLst>
-      <p:ext uri="{BB962C8B-B14F-4D97-AF65-F5344CB8AC3E}">
-        <p14:creationId xmlns:p14="http://schemas.microsoft.com/office/powerpoint/2010/main" val="547097362"/>
-      </p:ext>
-    </p:extLst>
   </p:cSld>
   <p:clrMapOvr>
     <a:masterClrMapping/>
@@ -13659,11 +13562,15 @@
           <a:p>
             <a:r>
               <a:rPr lang="en-US" sz="4000" b="1" dirty="0">
-                <a:latin typeface="Times New Roman"/>
-                <a:cs typeface="Times New Roman"/>
+                <a:latin typeface="Times New Roman" panose="02020503050405090304"/>
+                <a:cs typeface="Times New Roman" panose="02020503050405090304"/>
               </a:rPr>
               <a:t>Introduction</a:t>
             </a:r>
+            <a:endParaRPr lang="en-US" sz="4000" b="1" dirty="0">
+              <a:latin typeface="Times New Roman" panose="02020503050405090304"/>
+              <a:cs typeface="Times New Roman" panose="02020503050405090304"/>
+            </a:endParaRPr>
           </a:p>
         </p:txBody>
       </p:sp>
@@ -13694,7 +13601,7 @@
                 <a:solidFill>
                   <a:srgbClr val="000000"/>
                 </a:solidFill>
-                <a:latin typeface="Times New Roman"/>
+                <a:latin typeface="Times New Roman" panose="02020503050405090304"/>
                 <a:ea typeface="+mn-lt"/>
                 <a:cs typeface="+mn-lt"/>
               </a:rPr>
@@ -13706,7 +13613,7 @@
                   <a:srgbClr val="000000"/>
                 </a:solidFill>
                 <a:effectLst/>
-                <a:latin typeface="Times New Roman"/>
+                <a:latin typeface="Times New Roman" panose="02020503050405090304"/>
                 <a:ea typeface="+mn-lt"/>
                 <a:cs typeface="+mn-lt"/>
               </a:rPr>
@@ -13717,15 +13624,15 @@
                 <a:solidFill>
                   <a:srgbClr val="000000"/>
                 </a:solidFill>
-                <a:latin typeface="Times New Roman"/>
+                <a:latin typeface="Times New Roman" panose="02020503050405090304"/>
                 <a:ea typeface="+mn-lt"/>
                 <a:cs typeface="+mn-lt"/>
               </a:rPr>
               <a:t>physical button controls.</a:t>
             </a:r>
             <a:endParaRPr lang="en-US" dirty="0">
-              <a:latin typeface="Times New Roman"/>
-              <a:cs typeface="Times New Roman"/>
+              <a:latin typeface="Times New Roman" panose="02020503050405090304"/>
+              <a:cs typeface="Times New Roman" panose="02020503050405090304"/>
             </a:endParaRPr>
           </a:p>
           <a:p>
@@ -13734,7 +13641,7 @@
                 <a:solidFill>
                   <a:srgbClr val="000000"/>
                 </a:solidFill>
-                <a:latin typeface="Times New Roman"/>
+                <a:latin typeface="Times New Roman" panose="02020503050405090304"/>
                 <a:ea typeface="+mn-lt"/>
                 <a:cs typeface="+mn-lt"/>
               </a:rPr>
@@ -13746,7 +13653,7 @@
                   <a:srgbClr val="000000"/>
                 </a:solidFill>
                 <a:effectLst/>
-                <a:latin typeface="Times New Roman"/>
+                <a:latin typeface="Times New Roman" panose="02020503050405090304"/>
                 <a:ea typeface="+mn-lt"/>
                 <a:cs typeface="+mn-lt"/>
               </a:rPr>
@@ -13757,7 +13664,7 @@
                 <a:solidFill>
                   <a:srgbClr val="000000"/>
                 </a:solidFill>
-                <a:latin typeface="Times New Roman"/>
+                <a:latin typeface="Times New Roman" panose="02020503050405090304"/>
                 <a:ea typeface="+mn-lt"/>
                 <a:cs typeface="+mn-lt"/>
               </a:rPr>
@@ -13769,14 +13676,14 @@
                   <a:srgbClr val="000000"/>
                 </a:solidFill>
                 <a:effectLst/>
-                <a:latin typeface="Times New Roman"/>
+                <a:latin typeface="Times New Roman" panose="02020503050405090304"/>
                 <a:ea typeface="+mn-lt"/>
                 <a:cs typeface="+mn-lt"/>
               </a:rPr>
               <a:t>.</a:t>
             </a:r>
             <a:endParaRPr lang="en-IN" dirty="0">
-              <a:latin typeface="Times New Roman"/>
+              <a:latin typeface="Times New Roman" panose="02020503050405090304"/>
               <a:ea typeface="+mn-lt"/>
               <a:cs typeface="+mn-lt"/>
             </a:endParaRPr>
@@ -13787,7 +13694,7 @@
                 <a:solidFill>
                   <a:srgbClr val="000000"/>
                 </a:solidFill>
-                <a:latin typeface="Times New Roman"/>
+                <a:latin typeface="Times New Roman" panose="02020503050405090304"/>
                 <a:ea typeface="+mn-lt"/>
                 <a:cs typeface="+mn-lt"/>
               </a:rPr>
@@ -13799,7 +13706,7 @@
                   <a:srgbClr val="000000"/>
                 </a:solidFill>
                 <a:effectLst/>
-                <a:latin typeface="Times New Roman"/>
+                <a:latin typeface="Times New Roman" panose="02020503050405090304"/>
                 <a:ea typeface="+mn-lt"/>
                 <a:cs typeface="+mn-lt"/>
               </a:rPr>
@@ -13810,7 +13717,7 @@
                 <a:solidFill>
                   <a:srgbClr val="000000"/>
                 </a:solidFill>
-                <a:latin typeface="Times New Roman"/>
+                <a:latin typeface="Times New Roman" panose="02020503050405090304"/>
                 <a:ea typeface="+mn-lt"/>
                 <a:cs typeface="+mn-lt"/>
               </a:rPr>
@@ -13821,7 +13728,7 @@
                 <a:solidFill>
                   <a:srgbClr val="000000"/>
                 </a:solidFill>
-                <a:latin typeface="Times New Roman"/>
+                <a:latin typeface="Times New Roman" panose="02020503050405090304"/>
                 <a:ea typeface="+mn-lt"/>
                 <a:cs typeface="+mn-lt"/>
               </a:rPr>
@@ -13832,7 +13739,7 @@
                 <a:solidFill>
                   <a:srgbClr val="000000"/>
                 </a:solidFill>
-                <a:latin typeface="Times New Roman"/>
+                <a:latin typeface="Times New Roman" panose="02020503050405090304"/>
                 <a:ea typeface="+mn-lt"/>
                 <a:cs typeface="+mn-lt"/>
               </a:rPr>
@@ -13844,7 +13751,7 @@
                   <a:srgbClr val="000000"/>
                 </a:solidFill>
                 <a:effectLst/>
-                <a:latin typeface="Times New Roman"/>
+                <a:latin typeface="Times New Roman" panose="02020503050405090304"/>
                 <a:ea typeface="+mn-lt"/>
                 <a:cs typeface="+mn-lt"/>
               </a:rPr>
@@ -13855,7 +13762,7 @@
                 <a:solidFill>
                   <a:srgbClr val="000000"/>
                 </a:solidFill>
-                <a:latin typeface="Times New Roman"/>
+                <a:latin typeface="Times New Roman" panose="02020503050405090304"/>
                 <a:ea typeface="+mn-lt"/>
                 <a:cs typeface="+mn-lt"/>
               </a:rPr>
@@ -13867,7 +13774,7 @@
                   <a:srgbClr val="000000"/>
                 </a:solidFill>
                 <a:effectLst/>
-                <a:latin typeface="Times New Roman"/>
+                <a:latin typeface="Times New Roman" panose="02020503050405090304"/>
                 <a:ea typeface="+mn-lt"/>
                 <a:cs typeface="+mn-lt"/>
               </a:rPr>
@@ -13878,7 +13785,7 @@
                 <a:solidFill>
                   <a:srgbClr val="000000"/>
                 </a:solidFill>
-                <a:latin typeface="Times New Roman"/>
+                <a:latin typeface="Times New Roman" panose="02020503050405090304"/>
                 <a:ea typeface="+mn-lt"/>
                 <a:cs typeface="+mn-lt"/>
               </a:rPr>
@@ -13890,14 +13797,14 @@
                   <a:srgbClr val="000000"/>
                 </a:solidFill>
                 <a:effectLst/>
-                <a:latin typeface="Times New Roman"/>
+                <a:latin typeface="Times New Roman" panose="02020503050405090304"/>
                 <a:ea typeface="+mn-lt"/>
                 <a:cs typeface="+mn-lt"/>
               </a:rPr>
               <a:t>.</a:t>
             </a:r>
             <a:endParaRPr lang="en-IN" dirty="0">
-              <a:latin typeface="Times New Roman"/>
+              <a:latin typeface="Times New Roman" panose="02020503050405090304"/>
               <a:ea typeface="+mn-lt"/>
               <a:cs typeface="+mn-lt"/>
             </a:endParaRPr>
@@ -13911,9 +13818,9 @@
                 <a:srgbClr val="000000"/>
               </a:solidFill>
               <a:effectLst/>
-              <a:latin typeface="Times New Roman" panose="02020603050405020304" pitchFamily="18" charset="0"/>
-              <a:ea typeface="Times New Roman" panose="02020603050405020304" pitchFamily="18" charset="0"/>
-              <a:cs typeface="Times New Roman"/>
+              <a:latin typeface="Times New Roman" panose="02020503050405090304" pitchFamily="18" charset="0"/>
+              <a:ea typeface="Times New Roman" panose="02020503050405090304" pitchFamily="18" charset="0"/>
+              <a:cs typeface="Times New Roman" panose="02020503050405090304"/>
             </a:endParaRPr>
           </a:p>
           <a:p>
@@ -13938,19 +13845,12 @@
           <a:p>
             <a:fld id="{BDCDBBEF-AA6C-4BA6-85B2-A17D7F280E38}" type="slidenum">
               <a:rPr lang="en-US" smtClean="0"/>
-              <a:pPr/>
-              <a:t>3</a:t>
             </a:fld>
             <a:endParaRPr lang="en-US"/>
           </a:p>
         </p:txBody>
       </p:sp>
     </p:spTree>
-    <p:extLst>
-      <p:ext uri="{BB962C8B-B14F-4D97-AF65-F5344CB8AC3E}">
-        <p14:creationId xmlns:p14="http://schemas.microsoft.com/office/powerpoint/2010/main" val="3401012766"/>
-      </p:ext>
-    </p:extLst>
   </p:cSld>
   <p:clrMapOvr>
     <a:masterClrMapping/>
@@ -13967,14 +13867,7 @@
         <p:cNvGrpSpPr/>
         <p:nvPr/>
       </p:nvGrpSpPr>
-      <p:grpSpPr>
-        <a:xfrm>
-          <a:off x="0" y="0"/>
-          <a:ext cx="0" cy="0"/>
-          <a:chOff x="0" y="0"/>
-          <a:chExt cx="0" cy="0"/>
-        </a:xfrm>
-      </p:grpSpPr>
+      <p:grpSpPr/>
       <p:sp>
         <p:nvSpPr>
           <p:cNvPr id="2" name="Title 1"/>
@@ -13985,146 +13878,22 @@
             <p:ph type="title"/>
           </p:nvPr>
         </p:nvSpPr>
-        <p:spPr>
-          <a:xfrm>
-            <a:off x="838200" y="365125"/>
-            <a:ext cx="10515600" cy="812945"/>
-          </a:xfrm>
-        </p:spPr>
-        <p:txBody>
-          <a:bodyPr>
-            <a:normAutofit/>
-          </a:bodyPr>
-          <a:lstStyle/>
-          <a:p>
-            <a:r>
-              <a:rPr lang="en-US" sz="4000" b="1" dirty="0">
-                <a:latin typeface="Times New Roman"/>
-                <a:cs typeface="Times New Roman"/>
+        <p:spPr/>
+        <p:txBody>
+          <a:bodyPr/>
+          <a:p>
+            <a:r>
+              <a:rPr lang="en-US" b="1">
+                <a:latin typeface="Times New Roman Bold" panose="02020503050405090304" charset="0"/>
+                <a:cs typeface="Times New Roman Bold" panose="02020503050405090304" charset="0"/>
               </a:rPr>
-              <a:t>Problem Formulation</a:t>
-            </a:r>
-          </a:p>
-        </p:txBody>
-      </p:sp>
-      <p:sp>
-        <p:nvSpPr>
-          <p:cNvPr id="3" name="Content Placeholder 2"/>
-          <p:cNvSpPr>
-            <a:spLocks noGrp="1"/>
-          </p:cNvSpPr>
-          <p:nvPr>
-            <p:ph idx="1"/>
-          </p:nvPr>
-        </p:nvSpPr>
-        <p:spPr>
-          <a:xfrm>
-            <a:off x="838200" y="1174462"/>
-            <a:ext cx="10515600" cy="5085628"/>
-          </a:xfrm>
-        </p:spPr>
-        <p:txBody>
-          <a:bodyPr vert="horz" lIns="91440" tIns="45720" rIns="91440" bIns="45720" rtlCol="0" anchor="t">
-            <a:noAutofit/>
-          </a:bodyPr>
-          <a:lstStyle/>
-          <a:p>
-            <a:r>
-              <a:rPr lang="en-US" b="1" dirty="0">
-                <a:latin typeface="Times New Roman"/>
-                <a:ea typeface="+mn-lt"/>
-                <a:cs typeface="+mn-lt"/>
-              </a:rPr>
-              <a:t>Limited Functionality</a:t>
-            </a:r>
-            <a:r>
-              <a:rPr lang="en-US" dirty="0">
-                <a:latin typeface="Times New Roman"/>
-                <a:ea typeface="+mn-lt"/>
-                <a:cs typeface="+mn-lt"/>
-              </a:rPr>
-              <a:t> – Traditional AC remotes rely solely on physical buttons, lacking advanced control options.</a:t>
-            </a:r>
-          </a:p>
-          <a:p>
-            <a:r>
-              <a:rPr lang="en-US" b="1" dirty="0">
-                <a:latin typeface="Times New Roman"/>
-                <a:ea typeface="+mn-lt"/>
-                <a:cs typeface="+mn-lt"/>
-              </a:rPr>
-              <a:t>Inconvenient User Experience</a:t>
-            </a:r>
-            <a:r>
-              <a:rPr lang="en-US" dirty="0">
-                <a:latin typeface="Times New Roman"/>
-                <a:ea typeface="+mn-lt"/>
-                <a:cs typeface="+mn-lt"/>
-              </a:rPr>
-              <a:t> – Users must manually operate remotes, which can be inconvenient, especially for elderly or disabled individuals.</a:t>
-            </a:r>
-          </a:p>
-          <a:p>
-            <a:r>
-              <a:rPr lang="en-US" b="1" dirty="0">
-                <a:latin typeface="Times New Roman"/>
-                <a:ea typeface="+mn-lt"/>
-                <a:cs typeface="+mn-lt"/>
-              </a:rPr>
-              <a:t>No Voice Control</a:t>
-            </a:r>
-            <a:r>
-              <a:rPr lang="en-US" dirty="0">
-                <a:latin typeface="Times New Roman"/>
-                <a:ea typeface="+mn-lt"/>
-                <a:cs typeface="+mn-lt"/>
-              </a:rPr>
-              <a:t> – Absence of voice command support restricts hands-free operation.</a:t>
-            </a:r>
-            <a:endParaRPr lang="en-US" dirty="0">
-              <a:latin typeface="Times New Roman"/>
-              <a:ea typeface="Calibri"/>
-              <a:cs typeface="Calibri"/>
+              <a:t>Difference</a:t>
+            </a:r>
+            <a:endParaRPr lang="en-US" b="1">
+              <a:latin typeface="Times New Roman Bold" panose="02020503050405090304" charset="0"/>
+              <a:cs typeface="Times New Roman Bold" panose="02020503050405090304" charset="0"/>
             </a:endParaRPr>
           </a:p>
-          <a:p>
-            <a:r>
-              <a:rPr lang="en-US" b="1" dirty="0">
-                <a:latin typeface="Times New Roman"/>
-                <a:ea typeface="+mn-lt"/>
-                <a:cs typeface="+mn-lt"/>
-              </a:rPr>
-              <a:t>Energy Inefficiency</a:t>
-            </a:r>
-            <a:r>
-              <a:rPr lang="en-US" dirty="0">
-                <a:latin typeface="Times New Roman"/>
-                <a:ea typeface="+mn-lt"/>
-                <a:cs typeface="+mn-lt"/>
-              </a:rPr>
-              <a:t> – Traditional AC controls do not provide energy tracking or optimization features, leading to higher electricity consumption.</a:t>
-            </a:r>
-            <a:endParaRPr lang="en-US" dirty="0">
-              <a:latin typeface="Times New Roman"/>
-              <a:ea typeface="Calibri"/>
-              <a:cs typeface="Calibri"/>
-            </a:endParaRPr>
-          </a:p>
-          <a:p>
-            <a:endParaRPr lang="en-US" dirty="0">
-              <a:ea typeface="+mn-lt"/>
-              <a:cs typeface="+mn-lt"/>
-            </a:endParaRPr>
-          </a:p>
-          <a:p>
-            <a:endParaRPr lang="en-US" dirty="0">
-              <a:ea typeface="Calibri"/>
-              <a:cs typeface="Calibri"/>
-            </a:endParaRPr>
-          </a:p>
-          <a:p>
-            <a:endParaRPr lang="en-US" dirty="0"/>
-          </a:p>
         </p:txBody>
       </p:sp>
       <p:sp>
@@ -14140,23 +13909,846 @@
         <p:spPr/>
         <p:txBody>
           <a:bodyPr/>
-          <a:lstStyle/>
           <a:p>
             <a:fld id="{BDCDBBEF-AA6C-4BA6-85B2-A17D7F280E38}" type="slidenum">
               <a:rPr lang="en-US" smtClean="0"/>
-              <a:pPr/>
-              <a:t>4</a:t>
             </a:fld>
             <a:endParaRPr lang="en-US"/>
           </a:p>
         </p:txBody>
       </p:sp>
+      <p:graphicFrame>
+        <p:nvGraphicFramePr>
+          <p:cNvPr id="5" name="Table 4"/>
+          <p:cNvGraphicFramePr/>
+          <p:nvPr/>
+        </p:nvGraphicFramePr>
+        <p:xfrm>
+          <a:off x="724535" y="1572260"/>
+          <a:ext cx="10508615" cy="5026660"/>
+        </p:xfrm>
+        <a:graphic>
+          <a:graphicData uri="http://schemas.openxmlformats.org/drawingml/2006/table">
+            <a:tbl>
+              <a:tblPr/>
+              <a:tblGrid>
+                <a:gridCol w="3518535"/>
+                <a:gridCol w="3495040"/>
+                <a:gridCol w="3495040"/>
+              </a:tblGrid>
+              <a:tr h="718185">
+                <a:tc>
+                  <a:txBody>
+                    <a:bodyPr/>
+                    <a:p>
+                      <a:r>
+                        <a:rPr sz="1800">
+                          <a:latin typeface="Times New Roman Regular" panose="02020503050405090304" charset="0"/>
+                          <a:cs typeface="Times New Roman Regular" panose="02020503050405090304" charset="0"/>
+                        </a:rPr>
+                        <a:t>Feature</a:t>
+                      </a:r>
+                      <a:endParaRPr sz="1800">
+                        <a:latin typeface="Times New Roman Regular" panose="02020503050405090304" charset="0"/>
+                        <a:cs typeface="Times New Roman Regular" panose="02020503050405090304" charset="0"/>
+                      </a:endParaRPr>
+                    </a:p>
+                  </a:txBody>
+                  <a:tcPr marL="0" marR="0" marT="0" marB="0" anchor="ctr" anchorCtr="0">
+                    <a:lnL>
+                      <a:noFill/>
+                    </a:lnL>
+                    <a:lnR>
+                      <a:noFill/>
+                    </a:lnR>
+                    <a:lnT>
+                      <a:noFill/>
+                    </a:lnT>
+                    <a:lnB>
+                      <a:noFill/>
+                    </a:lnB>
+                    <a:noFill/>
+                  </a:tcPr>
+                </a:tc>
+                <a:tc>
+                  <a:txBody>
+                    <a:bodyPr/>
+                    <a:p>
+                      <a:r>
+                        <a:rPr sz="1800">
+                          <a:latin typeface="Times New Roman Regular" panose="02020503050405090304" charset="0"/>
+                          <a:cs typeface="Times New Roman Regular" panose="02020503050405090304" charset="0"/>
+                        </a:rPr>
+                        <a:t>Traditional AC Remote</a:t>
+                      </a:r>
+                      <a:endParaRPr sz="1800">
+                        <a:latin typeface="Times New Roman Regular" panose="02020503050405090304" charset="0"/>
+                        <a:cs typeface="Times New Roman Regular" panose="02020503050405090304" charset="0"/>
+                      </a:endParaRPr>
+                    </a:p>
+                  </a:txBody>
+                  <a:tcPr marL="0" marR="0" marT="0" marB="0" anchor="ctr" anchorCtr="0">
+                    <a:lnL>
+                      <a:noFill/>
+                    </a:lnL>
+                    <a:lnR>
+                      <a:noFill/>
+                    </a:lnR>
+                    <a:lnT>
+                      <a:noFill/>
+                    </a:lnT>
+                    <a:lnB>
+                      <a:noFill/>
+                    </a:lnB>
+                    <a:noFill/>
+                  </a:tcPr>
+                </a:tc>
+                <a:tc>
+                  <a:txBody>
+                    <a:bodyPr/>
+                    <a:p>
+                      <a:r>
+                        <a:rPr sz="1800">
+                          <a:latin typeface="Times New Roman Regular" panose="02020503050405090304" charset="0"/>
+                          <a:cs typeface="Times New Roman Regular" panose="02020503050405090304" charset="0"/>
+                        </a:rPr>
+                        <a:t>Smart Voice-Controlled AC Remote </a:t>
+                      </a:r>
+                      <a:endParaRPr sz="1800">
+                        <a:latin typeface="Times New Roman Regular" panose="02020503050405090304" charset="0"/>
+                        <a:cs typeface="Times New Roman Regular" panose="02020503050405090304" charset="0"/>
+                      </a:endParaRPr>
+                    </a:p>
+                  </a:txBody>
+                  <a:tcPr marL="0" marR="0" marT="0" marB="0" anchor="ctr" anchorCtr="0">
+                    <a:lnL>
+                      <a:noFill/>
+                    </a:lnL>
+                    <a:lnR>
+                      <a:noFill/>
+                    </a:lnR>
+                    <a:lnT>
+                      <a:noFill/>
+                    </a:lnT>
+                    <a:lnB>
+                      <a:noFill/>
+                    </a:lnB>
+                    <a:noFill/>
+                  </a:tcPr>
+                </a:tc>
+              </a:tr>
+              <a:tr h="717550">
+                <a:tc>
+                  <a:txBody>
+                    <a:bodyPr/>
+                    <a:p>
+                      <a:r>
+                        <a:rPr sz="1800">
+                          <a:latin typeface="Times New Roman Regular" panose="02020503050405090304" charset="0"/>
+                          <a:cs typeface="Times New Roman Regular" panose="02020503050405090304" charset="0"/>
+                        </a:rPr>
+                        <a:t>Control Method</a:t>
+                      </a:r>
+                      <a:endParaRPr sz="1800">
+                        <a:latin typeface="Times New Roman Regular" panose="02020503050405090304" charset="0"/>
+                        <a:cs typeface="Times New Roman Regular" panose="02020503050405090304" charset="0"/>
+                      </a:endParaRPr>
+                    </a:p>
+                  </a:txBody>
+                  <a:tcPr marL="0" marR="0" marT="0" marB="0" anchor="ctr" anchorCtr="0">
+                    <a:lnL>
+                      <a:noFill/>
+                    </a:lnL>
+                    <a:lnR>
+                      <a:noFill/>
+                    </a:lnR>
+                    <a:lnT>
+                      <a:noFill/>
+                    </a:lnT>
+                    <a:lnB>
+                      <a:noFill/>
+                    </a:lnB>
+                    <a:noFill/>
+                  </a:tcPr>
+                </a:tc>
+                <a:tc>
+                  <a:txBody>
+                    <a:bodyPr/>
+                    <a:p>
+                      <a:r>
+                        <a:rPr sz="1800">
+                          <a:latin typeface="Times New Roman Regular" panose="02020503050405090304" charset="0"/>
+                          <a:cs typeface="Times New Roman Regular" panose="02020503050405090304" charset="0"/>
+                        </a:rPr>
+                        <a:t>Manual button presses</a:t>
+                      </a:r>
+                      <a:endParaRPr sz="1800">
+                        <a:latin typeface="Times New Roman Regular" panose="02020503050405090304" charset="0"/>
+                        <a:cs typeface="Times New Roman Regular" panose="02020503050405090304" charset="0"/>
+                      </a:endParaRPr>
+                    </a:p>
+                  </a:txBody>
+                  <a:tcPr marL="0" marR="0" marT="0" marB="0" anchor="ctr" anchorCtr="0">
+                    <a:lnL>
+                      <a:noFill/>
+                    </a:lnL>
+                    <a:lnR>
+                      <a:noFill/>
+                    </a:lnR>
+                    <a:lnT>
+                      <a:noFill/>
+                    </a:lnT>
+                    <a:lnB>
+                      <a:noFill/>
+                    </a:lnB>
+                    <a:noFill/>
+                  </a:tcPr>
+                </a:tc>
+                <a:tc>
+                  <a:txBody>
+                    <a:bodyPr/>
+                    <a:p>
+                      <a:r>
+                        <a:rPr sz="1800">
+                          <a:latin typeface="Times New Roman Regular" panose="02020503050405090304" charset="0"/>
+                          <a:cs typeface="Times New Roman Regular" panose="02020503050405090304" charset="0"/>
+                        </a:rPr>
+                        <a:t>Voice commands + Graphical User Interface (GUI)</a:t>
+                      </a:r>
+                      <a:endParaRPr sz="1800">
+                        <a:latin typeface="Times New Roman Regular" panose="02020503050405090304" charset="0"/>
+                        <a:cs typeface="Times New Roman Regular" panose="02020503050405090304" charset="0"/>
+                      </a:endParaRPr>
+                    </a:p>
+                  </a:txBody>
+                  <a:tcPr marL="0" marR="0" marT="0" marB="0" anchor="ctr" anchorCtr="0">
+                    <a:lnL>
+                      <a:noFill/>
+                    </a:lnL>
+                    <a:lnR>
+                      <a:noFill/>
+                    </a:lnR>
+                    <a:lnT>
+                      <a:noFill/>
+                    </a:lnT>
+                    <a:lnB>
+                      <a:noFill/>
+                    </a:lnB>
+                    <a:noFill/>
+                  </a:tcPr>
+                </a:tc>
+              </a:tr>
+              <a:tr h="359410">
+                <a:tc>
+                  <a:txBody>
+                    <a:bodyPr/>
+                    <a:p>
+                      <a:r>
+                        <a:rPr sz="1800">
+                          <a:latin typeface="Times New Roman Regular" panose="02020503050405090304" charset="0"/>
+                          <a:cs typeface="Times New Roman Regular" panose="02020503050405090304" charset="0"/>
+                        </a:rPr>
+                        <a:t>Connectivity</a:t>
+                      </a:r>
+                      <a:endParaRPr sz="1800">
+                        <a:latin typeface="Times New Roman Regular" panose="02020503050405090304" charset="0"/>
+                        <a:cs typeface="Times New Roman Regular" panose="02020503050405090304" charset="0"/>
+                      </a:endParaRPr>
+                    </a:p>
+                  </a:txBody>
+                  <a:tcPr marL="0" marR="0" marT="0" marB="0" anchor="ctr" anchorCtr="0">
+                    <a:lnL>
+                      <a:noFill/>
+                    </a:lnL>
+                    <a:lnR>
+                      <a:noFill/>
+                    </a:lnR>
+                    <a:lnT>
+                      <a:noFill/>
+                    </a:lnT>
+                    <a:lnB>
+                      <a:noFill/>
+                    </a:lnB>
+                    <a:noFill/>
+                  </a:tcPr>
+                </a:tc>
+                <a:tc>
+                  <a:txBody>
+                    <a:bodyPr/>
+                    <a:p>
+                      <a:r>
+                        <a:rPr sz="1800">
+                          <a:latin typeface="Times New Roman Regular" panose="02020503050405090304" charset="0"/>
+                          <a:cs typeface="Times New Roman Regular" panose="02020503050405090304" charset="0"/>
+                        </a:rPr>
+                        <a:t>Infrared (IR) only</a:t>
+                      </a:r>
+                      <a:endParaRPr sz="1800">
+                        <a:latin typeface="Times New Roman Regular" panose="02020503050405090304" charset="0"/>
+                        <a:cs typeface="Times New Roman Regular" panose="02020503050405090304" charset="0"/>
+                      </a:endParaRPr>
+                    </a:p>
+                  </a:txBody>
+                  <a:tcPr marL="0" marR="0" marT="0" marB="0" anchor="ctr" anchorCtr="0">
+                    <a:lnL>
+                      <a:noFill/>
+                    </a:lnL>
+                    <a:lnR>
+                      <a:noFill/>
+                    </a:lnR>
+                    <a:lnT>
+                      <a:noFill/>
+                    </a:lnT>
+                    <a:lnB>
+                      <a:noFill/>
+                    </a:lnB>
+                    <a:noFill/>
+                  </a:tcPr>
+                </a:tc>
+                <a:tc>
+                  <a:txBody>
+                    <a:bodyPr/>
+                    <a:p>
+                      <a:r>
+                        <a:rPr sz="1800">
+                          <a:latin typeface="Times New Roman Regular" panose="02020503050405090304" charset="0"/>
+                          <a:cs typeface="Times New Roman Regular" panose="02020503050405090304" charset="0"/>
+                        </a:rPr>
+                        <a:t>Wi-Fi/IoT-ready </a:t>
+                      </a:r>
+                      <a:endParaRPr sz="1800">
+                        <a:latin typeface="Times New Roman Regular" panose="02020503050405090304" charset="0"/>
+                        <a:cs typeface="Times New Roman Regular" panose="02020503050405090304" charset="0"/>
+                      </a:endParaRPr>
+                    </a:p>
+                  </a:txBody>
+                  <a:tcPr marL="0" marR="0" marT="0" marB="0" anchor="ctr" anchorCtr="0">
+                    <a:lnL>
+                      <a:noFill/>
+                    </a:lnL>
+                    <a:lnR>
+                      <a:noFill/>
+                    </a:lnR>
+                    <a:lnT>
+                      <a:noFill/>
+                    </a:lnT>
+                    <a:lnB>
+                      <a:noFill/>
+                    </a:lnB>
+                    <a:noFill/>
+                  </a:tcPr>
+                </a:tc>
+              </a:tr>
+              <a:tr h="358775">
+                <a:tc>
+                  <a:txBody>
+                    <a:bodyPr/>
+                    <a:p>
+                      <a:r>
+                        <a:rPr sz="1800">
+                          <a:latin typeface="Times New Roman Regular" panose="02020503050405090304" charset="0"/>
+                          <a:cs typeface="Times New Roman Regular" panose="02020503050405090304" charset="0"/>
+                        </a:rPr>
+                        <a:t>User Personalization</a:t>
+                      </a:r>
+                      <a:endParaRPr sz="1800">
+                        <a:latin typeface="Times New Roman Regular" panose="02020503050405090304" charset="0"/>
+                        <a:cs typeface="Times New Roman Regular" panose="02020503050405090304" charset="0"/>
+                      </a:endParaRPr>
+                    </a:p>
+                  </a:txBody>
+                  <a:tcPr marL="0" marR="0" marT="0" marB="0" anchor="ctr" anchorCtr="0">
+                    <a:lnL>
+                      <a:noFill/>
+                    </a:lnL>
+                    <a:lnR>
+                      <a:noFill/>
+                    </a:lnR>
+                    <a:lnT>
+                      <a:noFill/>
+                    </a:lnT>
+                    <a:lnB>
+                      <a:noFill/>
+                    </a:lnB>
+                    <a:noFill/>
+                  </a:tcPr>
+                </a:tc>
+                <a:tc>
+                  <a:txBody>
+                    <a:bodyPr/>
+                    <a:p>
+                      <a:r>
+                        <a:rPr sz="1800">
+                          <a:latin typeface="Times New Roman Regular" panose="02020503050405090304" charset="0"/>
+                          <a:cs typeface="Times New Roman Regular" panose="02020503050405090304" charset="0"/>
+                        </a:rPr>
+                        <a:t>Not available</a:t>
+                      </a:r>
+                      <a:endParaRPr sz="1800">
+                        <a:latin typeface="Times New Roman Regular" panose="02020503050405090304" charset="0"/>
+                        <a:cs typeface="Times New Roman Regular" panose="02020503050405090304" charset="0"/>
+                      </a:endParaRPr>
+                    </a:p>
+                  </a:txBody>
+                  <a:tcPr marL="0" marR="0" marT="0" marB="0" anchor="ctr" anchorCtr="0">
+                    <a:lnL>
+                      <a:noFill/>
+                    </a:lnL>
+                    <a:lnR>
+                      <a:noFill/>
+                    </a:lnR>
+                    <a:lnT>
+                      <a:noFill/>
+                    </a:lnT>
+                    <a:lnB>
+                      <a:noFill/>
+                    </a:lnB>
+                    <a:noFill/>
+                  </a:tcPr>
+                </a:tc>
+                <a:tc>
+                  <a:txBody>
+                    <a:bodyPr/>
+                    <a:p>
+                      <a:r>
+                        <a:rPr sz="1800">
+                          <a:latin typeface="Times New Roman Regular" panose="02020503050405090304" charset="0"/>
+                          <a:cs typeface="Times New Roman Regular" panose="02020503050405090304" charset="0"/>
+                        </a:rPr>
+                        <a:t>Supports user-specific profiles</a:t>
+                      </a:r>
+                      <a:endParaRPr sz="1800">
+                        <a:latin typeface="Times New Roman Regular" panose="02020503050405090304" charset="0"/>
+                        <a:cs typeface="Times New Roman Regular" panose="02020503050405090304" charset="0"/>
+                      </a:endParaRPr>
+                    </a:p>
+                  </a:txBody>
+                  <a:tcPr marL="0" marR="0" marT="0" marB="0" anchor="ctr" anchorCtr="0">
+                    <a:lnL>
+                      <a:noFill/>
+                    </a:lnL>
+                    <a:lnR>
+                      <a:noFill/>
+                    </a:lnR>
+                    <a:lnT>
+                      <a:noFill/>
+                    </a:lnT>
+                    <a:lnB>
+                      <a:noFill/>
+                    </a:lnB>
+                    <a:noFill/>
+                  </a:tcPr>
+                </a:tc>
+              </a:tr>
+              <a:tr h="718820">
+                <a:tc>
+                  <a:txBody>
+                    <a:bodyPr/>
+                    <a:p>
+                      <a:r>
+                        <a:rPr sz="1800">
+                          <a:latin typeface="Times New Roman Regular" panose="02020503050405090304" charset="0"/>
+                          <a:cs typeface="Times New Roman Regular" panose="02020503050405090304" charset="0"/>
+                        </a:rPr>
+                        <a:t>Energy Monitoring</a:t>
+                      </a:r>
+                      <a:endParaRPr sz="1800">
+                        <a:latin typeface="Times New Roman Regular" panose="02020503050405090304" charset="0"/>
+                        <a:cs typeface="Times New Roman Regular" panose="02020503050405090304" charset="0"/>
+                      </a:endParaRPr>
+                    </a:p>
+                  </a:txBody>
+                  <a:tcPr marL="0" marR="0" marT="0" marB="0" anchor="ctr" anchorCtr="0">
+                    <a:lnL>
+                      <a:noFill/>
+                    </a:lnL>
+                    <a:lnR>
+                      <a:noFill/>
+                    </a:lnR>
+                    <a:lnT>
+                      <a:noFill/>
+                    </a:lnT>
+                    <a:lnB>
+                      <a:noFill/>
+                    </a:lnB>
+                    <a:noFill/>
+                  </a:tcPr>
+                </a:tc>
+                <a:tc>
+                  <a:txBody>
+                    <a:bodyPr/>
+                    <a:p>
+                      <a:r>
+                        <a:rPr sz="1800">
+                          <a:latin typeface="Times New Roman Regular" panose="02020503050405090304" charset="0"/>
+                          <a:cs typeface="Times New Roman Regular" panose="02020503050405090304" charset="0"/>
+                        </a:rPr>
+                        <a:t>Not available</a:t>
+                      </a:r>
+                      <a:endParaRPr sz="1800">
+                        <a:latin typeface="Times New Roman Regular" panose="02020503050405090304" charset="0"/>
+                        <a:cs typeface="Times New Roman Regular" panose="02020503050405090304" charset="0"/>
+                      </a:endParaRPr>
+                    </a:p>
+                  </a:txBody>
+                  <a:tcPr marL="0" marR="0" marT="0" marB="0" anchor="ctr" anchorCtr="0">
+                    <a:lnL>
+                      <a:noFill/>
+                    </a:lnL>
+                    <a:lnR>
+                      <a:noFill/>
+                    </a:lnR>
+                    <a:lnT>
+                      <a:noFill/>
+                    </a:lnT>
+                    <a:lnB>
+                      <a:noFill/>
+                    </a:lnB>
+                    <a:noFill/>
+                  </a:tcPr>
+                </a:tc>
+                <a:tc>
+                  <a:txBody>
+                    <a:bodyPr/>
+                    <a:p>
+                      <a:r>
+                        <a:rPr sz="1800">
+                          <a:latin typeface="Times New Roman Regular" panose="02020503050405090304" charset="0"/>
+                          <a:cs typeface="Times New Roman Regular" panose="02020503050405090304" charset="0"/>
+                        </a:rPr>
+                        <a:t>Real-time energy consumption tracking</a:t>
+                      </a:r>
+                      <a:endParaRPr sz="1800">
+                        <a:latin typeface="Times New Roman Regular" panose="02020503050405090304" charset="0"/>
+                        <a:cs typeface="Times New Roman Regular" panose="02020503050405090304" charset="0"/>
+                      </a:endParaRPr>
+                    </a:p>
+                  </a:txBody>
+                  <a:tcPr marL="0" marR="0" marT="0" marB="0" anchor="ctr" anchorCtr="0">
+                    <a:lnL>
+                      <a:noFill/>
+                    </a:lnL>
+                    <a:lnR>
+                      <a:noFill/>
+                    </a:lnR>
+                    <a:lnT>
+                      <a:noFill/>
+                    </a:lnT>
+                    <a:lnB>
+                      <a:noFill/>
+                    </a:lnB>
+                    <a:noFill/>
+                  </a:tcPr>
+                </a:tc>
+              </a:tr>
+              <a:tr h="718185">
+                <a:tc>
+                  <a:txBody>
+                    <a:bodyPr/>
+                    <a:p>
+                      <a:r>
+                        <a:rPr sz="1800">
+                          <a:latin typeface="Times New Roman Regular" panose="02020503050405090304" charset="0"/>
+                          <a:cs typeface="Times New Roman Regular" panose="02020503050405090304" charset="0"/>
+                        </a:rPr>
+                        <a:t>Scheduling and Timers</a:t>
+                      </a:r>
+                      <a:endParaRPr sz="1800">
+                        <a:latin typeface="Times New Roman Regular" panose="02020503050405090304" charset="0"/>
+                        <a:cs typeface="Times New Roman Regular" panose="02020503050405090304" charset="0"/>
+                      </a:endParaRPr>
+                    </a:p>
+                  </a:txBody>
+                  <a:tcPr marL="0" marR="0" marT="0" marB="0" anchor="ctr" anchorCtr="0">
+                    <a:lnL>
+                      <a:noFill/>
+                    </a:lnL>
+                    <a:lnR>
+                      <a:noFill/>
+                    </a:lnR>
+                    <a:lnT>
+                      <a:noFill/>
+                    </a:lnT>
+                    <a:lnB>
+                      <a:noFill/>
+                    </a:lnB>
+                    <a:noFill/>
+                  </a:tcPr>
+                </a:tc>
+                <a:tc>
+                  <a:txBody>
+                    <a:bodyPr/>
+                    <a:p>
+                      <a:r>
+                        <a:rPr sz="1800">
+                          <a:latin typeface="Times New Roman Regular" panose="02020503050405090304" charset="0"/>
+                          <a:cs typeface="Times New Roman Regular" panose="02020503050405090304" charset="0"/>
+                        </a:rPr>
+                        <a:t>Basic timer function</a:t>
+                      </a:r>
+                      <a:endParaRPr sz="1800">
+                        <a:latin typeface="Times New Roman Regular" panose="02020503050405090304" charset="0"/>
+                        <a:cs typeface="Times New Roman Regular" panose="02020503050405090304" charset="0"/>
+                      </a:endParaRPr>
+                    </a:p>
+                  </a:txBody>
+                  <a:tcPr marL="0" marR="0" marT="0" marB="0" anchor="ctr" anchorCtr="0">
+                    <a:lnL>
+                      <a:noFill/>
+                    </a:lnL>
+                    <a:lnR>
+                      <a:noFill/>
+                    </a:lnR>
+                    <a:lnT>
+                      <a:noFill/>
+                    </a:lnT>
+                    <a:lnB>
+                      <a:noFill/>
+                    </a:lnB>
+                    <a:noFill/>
+                  </a:tcPr>
+                </a:tc>
+                <a:tc>
+                  <a:txBody>
+                    <a:bodyPr/>
+                    <a:p>
+                      <a:r>
+                        <a:rPr sz="1800">
+                          <a:latin typeface="Times New Roman Regular" panose="02020503050405090304" charset="0"/>
+                          <a:cs typeface="Times New Roman Regular" panose="02020503050405090304" charset="0"/>
+                        </a:rPr>
+                        <a:t>Smart scheduling and automation features</a:t>
+                      </a:r>
+                      <a:endParaRPr sz="1800">
+                        <a:latin typeface="Times New Roman Regular" panose="02020503050405090304" charset="0"/>
+                        <a:cs typeface="Times New Roman Regular" panose="02020503050405090304" charset="0"/>
+                      </a:endParaRPr>
+                    </a:p>
+                  </a:txBody>
+                  <a:tcPr marL="0" marR="0" marT="0" marB="0" anchor="ctr" anchorCtr="0">
+                    <a:lnL>
+                      <a:noFill/>
+                    </a:lnL>
+                    <a:lnR>
+                      <a:noFill/>
+                    </a:lnR>
+                    <a:lnT>
+                      <a:noFill/>
+                    </a:lnT>
+                    <a:lnB>
+                      <a:noFill/>
+                    </a:lnB>
+                    <a:noFill/>
+                  </a:tcPr>
+                </a:tc>
+              </a:tr>
+              <a:tr h="717550">
+                <a:tc>
+                  <a:txBody>
+                    <a:bodyPr/>
+                    <a:p>
+                      <a:r>
+                        <a:rPr sz="1800">
+                          <a:latin typeface="Times New Roman Regular" panose="02020503050405090304" charset="0"/>
+                          <a:cs typeface="Times New Roman Regular" panose="02020503050405090304" charset="0"/>
+                        </a:rPr>
+                        <a:t>Push Notifications</a:t>
+                      </a:r>
+                      <a:endParaRPr sz="1800">
+                        <a:latin typeface="Times New Roman Regular" panose="02020503050405090304" charset="0"/>
+                        <a:cs typeface="Times New Roman Regular" panose="02020503050405090304" charset="0"/>
+                      </a:endParaRPr>
+                    </a:p>
+                  </a:txBody>
+                  <a:tcPr marL="0" marR="0" marT="0" marB="0" anchor="ctr" anchorCtr="0">
+                    <a:lnL>
+                      <a:noFill/>
+                    </a:lnL>
+                    <a:lnR>
+                      <a:noFill/>
+                    </a:lnR>
+                    <a:lnT>
+                      <a:noFill/>
+                    </a:lnT>
+                    <a:lnB>
+                      <a:noFill/>
+                    </a:lnB>
+                    <a:noFill/>
+                  </a:tcPr>
+                </a:tc>
+                <a:tc>
+                  <a:txBody>
+                    <a:bodyPr/>
+                    <a:p>
+                      <a:r>
+                        <a:rPr sz="1800">
+                          <a:latin typeface="Times New Roman Regular" panose="02020503050405090304" charset="0"/>
+                          <a:cs typeface="Times New Roman Regular" panose="02020503050405090304" charset="0"/>
+                        </a:rPr>
+                        <a:t>Not available</a:t>
+                      </a:r>
+                      <a:endParaRPr sz="1800">
+                        <a:latin typeface="Times New Roman Regular" panose="02020503050405090304" charset="0"/>
+                        <a:cs typeface="Times New Roman Regular" panose="02020503050405090304" charset="0"/>
+                      </a:endParaRPr>
+                    </a:p>
+                  </a:txBody>
+                  <a:tcPr marL="0" marR="0" marT="0" marB="0" anchor="ctr" anchorCtr="0">
+                    <a:lnL>
+                      <a:noFill/>
+                    </a:lnL>
+                    <a:lnR>
+                      <a:noFill/>
+                    </a:lnR>
+                    <a:lnT>
+                      <a:noFill/>
+                    </a:lnT>
+                    <a:lnB>
+                      <a:noFill/>
+                    </a:lnB>
+                    <a:noFill/>
+                  </a:tcPr>
+                </a:tc>
+                <a:tc>
+                  <a:txBody>
+                    <a:bodyPr/>
+                    <a:p>
+                      <a:r>
+                        <a:rPr sz="1800">
+                          <a:latin typeface="Times New Roman Regular" panose="02020503050405090304" charset="0"/>
+                          <a:cs typeface="Times New Roman Regular" panose="02020503050405090304" charset="0"/>
+                        </a:rPr>
+                        <a:t>Alerts for maintenance and high energy usage</a:t>
+                      </a:r>
+                      <a:endParaRPr sz="1800">
+                        <a:latin typeface="Times New Roman Regular" panose="02020503050405090304" charset="0"/>
+                        <a:cs typeface="Times New Roman Regular" panose="02020503050405090304" charset="0"/>
+                      </a:endParaRPr>
+                    </a:p>
+                  </a:txBody>
+                  <a:tcPr marL="0" marR="0" marT="0" marB="0" anchor="ctr" anchorCtr="0">
+                    <a:lnL>
+                      <a:noFill/>
+                    </a:lnL>
+                    <a:lnR>
+                      <a:noFill/>
+                    </a:lnR>
+                    <a:lnT>
+                      <a:noFill/>
+                    </a:lnT>
+                    <a:lnB>
+                      <a:noFill/>
+                    </a:lnB>
+                    <a:noFill/>
+                  </a:tcPr>
+                </a:tc>
+              </a:tr>
+              <a:tr h="718185">
+                <a:tc>
+                  <a:txBody>
+                    <a:bodyPr/>
+                    <a:p>
+                      <a:r>
+                        <a:rPr sz="1800">
+                          <a:latin typeface="Times New Roman Regular" panose="02020503050405090304" charset="0"/>
+                          <a:cs typeface="Times New Roman Regular" panose="02020503050405090304" charset="0"/>
+                        </a:rPr>
+                        <a:t>Smart Home Integration</a:t>
+                      </a:r>
+                      <a:endParaRPr sz="1800">
+                        <a:latin typeface="Times New Roman Regular" panose="02020503050405090304" charset="0"/>
+                        <a:cs typeface="Times New Roman Regular" panose="02020503050405090304" charset="0"/>
+                      </a:endParaRPr>
+                    </a:p>
+                  </a:txBody>
+                  <a:tcPr marL="0" marR="0" marT="0" marB="0" anchor="ctr" anchorCtr="0">
+                    <a:lnL>
+                      <a:noFill/>
+                    </a:lnL>
+                    <a:lnR>
+                      <a:noFill/>
+                    </a:lnR>
+                    <a:lnT>
+                      <a:noFill/>
+                    </a:lnT>
+                    <a:lnB>
+                      <a:noFill/>
+                    </a:lnB>
+                    <a:noFill/>
+                  </a:tcPr>
+                </a:tc>
+                <a:tc>
+                  <a:txBody>
+                    <a:bodyPr/>
+                    <a:p>
+                      <a:r>
+                        <a:rPr sz="1800">
+                          <a:latin typeface="Times New Roman Regular" panose="02020503050405090304" charset="0"/>
+                          <a:cs typeface="Times New Roman Regular" panose="02020503050405090304" charset="0"/>
+                        </a:rPr>
+                        <a:t>No integration with smart devices</a:t>
+                      </a:r>
+                      <a:endParaRPr sz="1800">
+                        <a:latin typeface="Times New Roman Regular" panose="02020503050405090304" charset="0"/>
+                        <a:cs typeface="Times New Roman Regular" panose="02020503050405090304" charset="0"/>
+                      </a:endParaRPr>
+                    </a:p>
+                  </a:txBody>
+                  <a:tcPr marL="0" marR="0" marT="0" marB="0" anchor="ctr" anchorCtr="0">
+                    <a:lnL>
+                      <a:noFill/>
+                    </a:lnL>
+                    <a:lnR>
+                      <a:noFill/>
+                    </a:lnR>
+                    <a:lnT>
+                      <a:noFill/>
+                    </a:lnT>
+                    <a:lnB>
+                      <a:noFill/>
+                    </a:lnB>
+                    <a:noFill/>
+                  </a:tcPr>
+                </a:tc>
+                <a:tc>
+                  <a:txBody>
+                    <a:bodyPr/>
+                    <a:p>
+                      <a:r>
+                        <a:rPr sz="1800">
+                          <a:latin typeface="Times New Roman Regular" panose="02020503050405090304" charset="0"/>
+                          <a:cs typeface="Times New Roman Regular" panose="02020503050405090304" charset="0"/>
+                        </a:rPr>
+                        <a:t>Designed for Alexa, Google Home, IoT platforms</a:t>
+                      </a:r>
+                      <a:endParaRPr sz="1800">
+                        <a:latin typeface="Times New Roman Regular" panose="02020503050405090304" charset="0"/>
+                        <a:cs typeface="Times New Roman Regular" panose="02020503050405090304" charset="0"/>
+                      </a:endParaRPr>
+                    </a:p>
+                  </a:txBody>
+                  <a:tcPr marL="0" marR="0" marT="0" marB="0" anchor="ctr" anchorCtr="0">
+                    <a:lnL>
+                      <a:noFill/>
+                    </a:lnL>
+                    <a:lnR>
+                      <a:noFill/>
+                    </a:lnR>
+                    <a:lnT>
+                      <a:noFill/>
+                    </a:lnT>
+                    <a:lnB>
+                      <a:noFill/>
+                    </a:lnB>
+                    <a:noFill/>
+                  </a:tcPr>
+                </a:tc>
+              </a:tr>
+            </a:tbl>
+          </a:graphicData>
+        </a:graphic>
+      </p:graphicFrame>
     </p:spTree>
-    <p:extLst>
-      <p:ext uri="{BB962C8B-B14F-4D97-AF65-F5344CB8AC3E}">
-        <p14:creationId xmlns:p14="http://schemas.microsoft.com/office/powerpoint/2010/main" val="1983351894"/>
-      </p:ext>
-    </p:extLst>
   </p:cSld>
   <p:clrMapOvr>
     <a:masterClrMapping/>
@@ -14194,7 +14786,7 @@
         <p:spPr>
           <a:xfrm>
             <a:off x="838200" y="365125"/>
-            <a:ext cx="10515600" cy="896073"/>
+            <a:ext cx="10515600" cy="812945"/>
           </a:xfrm>
         </p:spPr>
         <p:txBody>
@@ -14205,11 +14797,15 @@
           <a:p>
             <a:r>
               <a:rPr lang="en-US" sz="4000" b="1" dirty="0">
-                <a:latin typeface="Times New Roman"/>
-                <a:cs typeface="Times New Roman"/>
+                <a:latin typeface="Times New Roman" panose="02020503050405090304"/>
+                <a:cs typeface="Times New Roman" panose="02020503050405090304"/>
               </a:rPr>
-              <a:t>Objectives </a:t>
-            </a:r>
+              <a:t>Problem Formulation</a:t>
+            </a:r>
+            <a:endParaRPr lang="en-US" sz="4000" b="1" dirty="0">
+              <a:latin typeface="Times New Roman" panose="02020503050405090304"/>
+              <a:cs typeface="Times New Roman" panose="02020503050405090304"/>
+            </a:endParaRPr>
           </a:p>
         </p:txBody>
       </p:sp>
@@ -14225,105 +14821,121 @@
         </p:nvSpPr>
         <p:spPr>
           <a:xfrm>
-            <a:off x="838200" y="1326862"/>
-            <a:ext cx="10515600" cy="4933228"/>
+            <a:off x="838200" y="1174462"/>
+            <a:ext cx="10515600" cy="5085628"/>
           </a:xfrm>
         </p:spPr>
         <p:txBody>
           <a:bodyPr vert="horz" lIns="91440" tIns="45720" rIns="91440" bIns="45720" rtlCol="0" anchor="t">
-            <a:normAutofit/>
+            <a:noAutofit/>
           </a:bodyPr>
           <a:lstStyle/>
           <a:p>
             <a:r>
-              <a:rPr lang="en-US" dirty="0">
-                <a:latin typeface="Times New Roman"/>
+              <a:rPr lang="en-US" b="1" dirty="0">
+                <a:latin typeface="Times New Roman" panose="02020503050405090304"/>
                 <a:ea typeface="+mn-lt"/>
                 <a:cs typeface="+mn-lt"/>
               </a:rPr>
-              <a:t>To develop a voice-controlled AC remote with speech recognition.</a:t>
-            </a:r>
-          </a:p>
-          <a:p>
+              <a:t>Limited Functionality</a:t>
+            </a:r>
             <a:r>
               <a:rPr lang="en-US" dirty="0">
-                <a:latin typeface="Times New Roman"/>
+                <a:latin typeface="Times New Roman" panose="02020503050405090304"/>
                 <a:ea typeface="+mn-lt"/>
                 <a:cs typeface="+mn-lt"/>
               </a:rPr>
-              <a:t>To design a graphical interface (GUI) using </a:t>
-            </a:r>
-            <a:r>
-              <a:rPr lang="en-US" dirty="0" err="1">
-                <a:latin typeface="Times New Roman"/>
+              <a:t> – Traditional AC remotes rely solely on physical buttons, lacking advanced control options.</a:t>
+            </a:r>
+            <a:endParaRPr lang="en-US" dirty="0">
+              <a:latin typeface="Times New Roman" panose="02020503050405090304"/>
+              <a:ea typeface="+mn-lt"/>
+              <a:cs typeface="+mn-lt"/>
+            </a:endParaRPr>
+          </a:p>
+          <a:p>
+            <a:r>
+              <a:rPr lang="en-US" b="1" dirty="0">
+                <a:latin typeface="Times New Roman" panose="02020503050405090304"/>
                 <a:ea typeface="+mn-lt"/>
                 <a:cs typeface="+mn-lt"/>
               </a:rPr>
-              <a:t>Tkinter</a:t>
+              <a:t>Inconvenient User Experience</a:t>
             </a:r>
             <a:r>
               <a:rPr lang="en-US" dirty="0">
-                <a:latin typeface="Times New Roman"/>
+                <a:latin typeface="Times New Roman" panose="02020503050405090304"/>
                 <a:ea typeface="+mn-lt"/>
                 <a:cs typeface="+mn-lt"/>
               </a:rPr>
-              <a:t> for ease of use.</a:t>
-            </a:r>
-          </a:p>
-          <a:p>
-            <a:r>
-              <a:rPr lang="en-US" dirty="0">
-                <a:latin typeface="Times New Roman"/>
+              <a:t> – Users must manually operate remotes, which can be inconvenient, especially for elderly or disabled individuals.</a:t>
+            </a:r>
+            <a:endParaRPr lang="en-US" dirty="0">
+              <a:latin typeface="Times New Roman" panose="02020503050405090304"/>
+              <a:ea typeface="+mn-lt"/>
+              <a:cs typeface="+mn-lt"/>
+            </a:endParaRPr>
+          </a:p>
+          <a:p>
+            <a:r>
+              <a:rPr lang="en-US" b="1" dirty="0">
+                <a:latin typeface="Times New Roman" panose="02020503050405090304"/>
                 <a:ea typeface="+mn-lt"/>
                 <a:cs typeface="+mn-lt"/>
               </a:rPr>
-              <a:t>To integrate IoT capabilities for seamless smart home automation.</a:t>
-            </a:r>
-          </a:p>
-          <a:p>
+              <a:t>No Voice Control</a:t>
+            </a:r>
             <a:r>
               <a:rPr lang="en-US" dirty="0">
-                <a:latin typeface="Times New Roman"/>
+                <a:latin typeface="Times New Roman" panose="02020503050405090304"/>
                 <a:ea typeface="+mn-lt"/>
                 <a:cs typeface="+mn-lt"/>
               </a:rPr>
-              <a:t>To implement user-specific profiles for personalized AC settings.</a:t>
-            </a:r>
-            <a:endParaRPr lang="en-US"/>
-          </a:p>
-          <a:p>
-            <a:r>
-              <a:rPr lang="en-US" dirty="0">
-                <a:latin typeface="Times New Roman"/>
+              <a:t> – Absence of voice command support restricts hands-free operation.</a:t>
+            </a:r>
+            <a:endParaRPr lang="en-US" dirty="0">
+              <a:latin typeface="Times New Roman" panose="02020503050405090304"/>
+              <a:ea typeface="Calibri" panose="020F0502020204030204"/>
+              <a:cs typeface="Calibri" panose="020F0502020204030204"/>
+            </a:endParaRPr>
+          </a:p>
+          <a:p>
+            <a:r>
+              <a:rPr lang="en-US" b="1" dirty="0">
+                <a:latin typeface="Times New Roman" panose="02020503050405090304"/>
                 <a:ea typeface="+mn-lt"/>
                 <a:cs typeface="+mn-lt"/>
               </a:rPr>
-              <a:t>To enable real-time energy monitoring to optimize power consumption.</a:t>
-            </a:r>
-          </a:p>
-          <a:p>
+              <a:t>Energy Inefficiency</a:t>
+            </a:r>
             <a:r>
               <a:rPr lang="en-US" dirty="0">
-                <a:latin typeface="Times New Roman"/>
+                <a:latin typeface="Times New Roman" panose="02020503050405090304"/>
                 <a:ea typeface="+mn-lt"/>
                 <a:cs typeface="+mn-lt"/>
               </a:rPr>
-              <a:t>To provide push notifications for maintenance and efficiency alerts.</a:t>
+              <a:t> – Traditional AC controls do not provide energy tracking or optimization features, leading to higher electricity consumption.</a:t>
             </a:r>
             <a:endParaRPr lang="en-US" dirty="0">
-              <a:latin typeface="Times New Roman"/>
-              <a:ea typeface="Calibri"/>
-              <a:cs typeface="Calibri"/>
+              <a:latin typeface="Times New Roman" panose="02020503050405090304"/>
+              <a:ea typeface="Calibri" panose="020F0502020204030204"/>
+              <a:cs typeface="Calibri" panose="020F0502020204030204"/>
             </a:endParaRPr>
           </a:p>
           <a:p>
-            <a:pPr marL="0" indent="0">
-              <a:buNone/>
-            </a:pPr>
             <a:endParaRPr lang="en-US" dirty="0">
-              <a:ea typeface="Calibri"/>
-              <a:cs typeface="Calibri"/>
+              <a:ea typeface="+mn-lt"/>
+              <a:cs typeface="+mn-lt"/>
             </a:endParaRPr>
+          </a:p>
+          <a:p>
+            <a:endParaRPr lang="en-US" dirty="0">
+              <a:ea typeface="Calibri" panose="020F0502020204030204"/>
+              <a:cs typeface="Calibri" panose="020F0502020204030204"/>
+            </a:endParaRPr>
+          </a:p>
+          <a:p>
+            <a:endParaRPr lang="en-US" dirty="0"/>
           </a:p>
         </p:txBody>
       </p:sp>
@@ -14344,19 +14956,12 @@
           <a:p>
             <a:fld id="{BDCDBBEF-AA6C-4BA6-85B2-A17D7F280E38}" type="slidenum">
               <a:rPr lang="en-US" smtClean="0"/>
-              <a:pPr/>
-              <a:t>5</a:t>
             </a:fld>
             <a:endParaRPr lang="en-US"/>
           </a:p>
         </p:txBody>
       </p:sp>
     </p:spTree>
-    <p:extLst>
-      <p:ext uri="{BB962C8B-B14F-4D97-AF65-F5344CB8AC3E}">
-        <p14:creationId xmlns:p14="http://schemas.microsoft.com/office/powerpoint/2010/main" val="3161274496"/>
-      </p:ext>
-    </p:extLst>
   </p:cSld>
   <p:clrMapOvr>
     <a:masterClrMapping/>
@@ -14383,13 +14988,7 @@
       </p:grpSpPr>
       <p:sp>
         <p:nvSpPr>
-          <p:cNvPr id="2" name="Title 1">
-            <a:extLst>
-              <a:ext uri="{FF2B5EF4-FFF2-40B4-BE49-F238E27FC236}">
-                <a16:creationId xmlns:a16="http://schemas.microsoft.com/office/drawing/2014/main" id="{DCDD3BD4-2F3F-AB64-7281-53E44AF98690}"/>
-              </a:ext>
-            </a:extLst>
-          </p:cNvPr>
+          <p:cNvPr id="2" name="Title 1"/>
           <p:cNvSpPr>
             <a:spLocks noGrp="1"/>
           </p:cNvSpPr>
@@ -14399,8 +14998,8 @@
         </p:nvSpPr>
         <p:spPr>
           <a:xfrm>
-            <a:off x="838200" y="101889"/>
-            <a:ext cx="10515600" cy="1062328"/>
+            <a:off x="838200" y="365125"/>
+            <a:ext cx="10515600" cy="896073"/>
           </a:xfrm>
         </p:spPr>
         <p:txBody>
@@ -14411,27 +15010,21 @@
           <a:p>
             <a:r>
               <a:rPr lang="en-US" sz="4000" b="1" dirty="0">
-                <a:latin typeface="Times New Roman"/>
-                <a:ea typeface="+mj-lt"/>
-                <a:cs typeface="+mj-lt"/>
+                <a:latin typeface="Times New Roman" panose="02020503050405090304"/>
+                <a:cs typeface="Times New Roman" panose="02020503050405090304"/>
               </a:rPr>
-              <a:t>Key Features</a:t>
+              <a:t>Objectives </a:t>
             </a:r>
             <a:endParaRPr lang="en-US" sz="4000" b="1" dirty="0">
-              <a:latin typeface="Times New Roman"/>
+              <a:latin typeface="Times New Roman" panose="02020503050405090304"/>
+              <a:cs typeface="Times New Roman" panose="02020503050405090304"/>
             </a:endParaRPr>
           </a:p>
         </p:txBody>
       </p:sp>
       <p:sp>
         <p:nvSpPr>
-          <p:cNvPr id="3" name="Content Placeholder 2">
-            <a:extLst>
-              <a:ext uri="{FF2B5EF4-FFF2-40B4-BE49-F238E27FC236}">
-                <a16:creationId xmlns:a16="http://schemas.microsoft.com/office/drawing/2014/main" id="{55934439-3AF6-D5A4-5F99-30FB11F146EF}"/>
-              </a:ext>
-            </a:extLst>
-          </p:cNvPr>
+          <p:cNvPr id="3" name="Content Placeholder 2"/>
           <p:cNvSpPr>
             <a:spLocks noGrp="1"/>
           </p:cNvSpPr>
@@ -14441,185 +15034,131 @@
         </p:nvSpPr>
         <p:spPr>
           <a:xfrm>
-            <a:off x="838200" y="1160607"/>
-            <a:ext cx="10515600" cy="5141046"/>
+            <a:off x="838200" y="1326862"/>
+            <a:ext cx="10515600" cy="4933228"/>
           </a:xfrm>
         </p:spPr>
         <p:txBody>
           <a:bodyPr vert="horz" lIns="91440" tIns="45720" rIns="91440" bIns="45720" rtlCol="0" anchor="t">
-            <a:normAutofit fontScale="85000" lnSpcReduction="20000"/>
+            <a:normAutofit/>
           </a:bodyPr>
           <a:lstStyle/>
           <a:p>
             <a:r>
-              <a:rPr lang="en-IN" sz="3300" dirty="0">
-                <a:latin typeface="Times New Roman"/>
+              <a:rPr lang="en-US" dirty="0">
+                <a:latin typeface="Times New Roman" panose="02020503050405090304"/>
                 <a:ea typeface="+mn-lt"/>
                 <a:cs typeface="+mn-lt"/>
               </a:rPr>
-              <a:t>Graphical Interface (</a:t>
-            </a:r>
-            <a:r>
-              <a:rPr lang="en-IN" sz="3300" err="1">
-                <a:latin typeface="Times New Roman"/>
+              <a:t>To develop a voice-controlled AC remote with speech recognition.</a:t>
+            </a:r>
+            <a:endParaRPr lang="en-US" dirty="0">
+              <a:latin typeface="Times New Roman" panose="02020503050405090304"/>
+              <a:ea typeface="+mn-lt"/>
+              <a:cs typeface="+mn-lt"/>
+            </a:endParaRPr>
+          </a:p>
+          <a:p>
+            <a:r>
+              <a:rPr lang="en-US" dirty="0">
+                <a:latin typeface="Times New Roman" panose="02020503050405090304"/>
+                <a:ea typeface="+mn-lt"/>
+                <a:cs typeface="+mn-lt"/>
+              </a:rPr>
+              <a:t>To design a graphical interface (GUI) using </a:t>
+            </a:r>
+            <a:r>
+              <a:rPr lang="en-US" dirty="0" err="1">
+                <a:latin typeface="Times New Roman" panose="02020503050405090304"/>
                 <a:ea typeface="+mn-lt"/>
                 <a:cs typeface="+mn-lt"/>
               </a:rPr>
               <a:t>Tkinter</a:t>
             </a:r>
             <a:r>
-              <a:rPr lang="en-IN" sz="3300" dirty="0">
-                <a:latin typeface="Times New Roman"/>
+              <a:rPr lang="en-US" dirty="0">
+                <a:latin typeface="Times New Roman" panose="02020503050405090304"/>
                 <a:ea typeface="+mn-lt"/>
                 <a:cs typeface="+mn-lt"/>
               </a:rPr>
-              <a:t>-based) – Easy-to-use UI for manual control.</a:t>
-            </a:r>
-            <a:endParaRPr lang="en-IN" sz="3300" dirty="0">
-              <a:latin typeface="Times New Roman"/>
-              <a:ea typeface="Calibri"/>
-              <a:cs typeface="Calibri"/>
+              <a:t> for ease of use.</a:t>
+            </a:r>
+            <a:endParaRPr lang="en-US" dirty="0">
+              <a:latin typeface="Times New Roman" panose="02020503050405090304"/>
+              <a:ea typeface="+mn-lt"/>
+              <a:cs typeface="+mn-lt"/>
             </a:endParaRPr>
           </a:p>
           <a:p>
             <a:r>
-              <a:rPr lang="en-IN" sz="3300" dirty="0">
-                <a:latin typeface="Times New Roman"/>
+              <a:rPr lang="en-US" dirty="0">
+                <a:latin typeface="Times New Roman" panose="02020503050405090304"/>
                 <a:ea typeface="+mn-lt"/>
                 <a:cs typeface="+mn-lt"/>
               </a:rPr>
-              <a:t>Voice Commands – Control AC settings via speech recognition.</a:t>
-            </a:r>
-            <a:endParaRPr lang="en-IN" sz="3300" dirty="0">
-              <a:latin typeface="Times New Roman"/>
-              <a:ea typeface="Calibri"/>
-              <a:cs typeface="Calibri"/>
+              <a:t>To integrate IoT capabilities for seamless smart home automation.</a:t>
+            </a:r>
+            <a:endParaRPr lang="en-US" dirty="0">
+              <a:latin typeface="Times New Roman" panose="02020503050405090304"/>
+              <a:ea typeface="+mn-lt"/>
+              <a:cs typeface="+mn-lt"/>
             </a:endParaRPr>
           </a:p>
           <a:p>
             <a:r>
-              <a:rPr lang="en-IN" sz="3300" dirty="0">
-                <a:latin typeface="Times New Roman"/>
+              <a:rPr lang="en-US" dirty="0">
+                <a:latin typeface="Times New Roman" panose="02020503050405090304"/>
                 <a:ea typeface="+mn-lt"/>
                 <a:cs typeface="+mn-lt"/>
               </a:rPr>
-              <a:t>Temperature Adjustment – Set desired cooling levels.</a:t>
-            </a:r>
-            <a:endParaRPr lang="en-IN" sz="3300" dirty="0">
-              <a:latin typeface="Times New Roman"/>
-              <a:ea typeface="Calibri"/>
-              <a:cs typeface="Calibri"/>
-            </a:endParaRPr>
-          </a:p>
-          <a:p>
-            <a:r>
-              <a:rPr lang="en-IN" sz="3300" dirty="0">
-                <a:latin typeface="Times New Roman"/>
+              <a:t>To implement user-specific profiles for personalized AC settings.</a:t>
+            </a:r>
+            <a:endParaRPr lang="en-US"/>
+          </a:p>
+          <a:p>
+            <a:r>
+              <a:rPr lang="en-US" dirty="0">
+                <a:latin typeface="Times New Roman" panose="02020503050405090304"/>
                 <a:ea typeface="+mn-lt"/>
                 <a:cs typeface="+mn-lt"/>
               </a:rPr>
-              <a:t>Fan Speed &amp; Mode Selection – Adjust fan speed &amp; switch between cooling, dry, and fan modes.</a:t>
-            </a:r>
-            <a:endParaRPr lang="en-IN" sz="3300" dirty="0">
-              <a:latin typeface="Times New Roman"/>
-              <a:ea typeface="Calibri"/>
-              <a:cs typeface="Calibri"/>
+              <a:t>To enable real-time energy monitoring to optimize power consumption.</a:t>
+            </a:r>
+            <a:endParaRPr lang="en-US" dirty="0">
+              <a:latin typeface="Times New Roman" panose="02020503050405090304"/>
+              <a:ea typeface="+mn-lt"/>
+              <a:cs typeface="+mn-lt"/>
             </a:endParaRPr>
           </a:p>
           <a:p>
             <a:r>
-              <a:rPr lang="en-IN" sz="3300" dirty="0">
-                <a:latin typeface="Times New Roman"/>
+              <a:rPr lang="en-US" dirty="0">
+                <a:latin typeface="Times New Roman" panose="02020503050405090304"/>
                 <a:ea typeface="+mn-lt"/>
                 <a:cs typeface="+mn-lt"/>
               </a:rPr>
-              <a:t>Timer &amp; Scheduling – Automate AC operation for efficiency.</a:t>
-            </a:r>
-            <a:endParaRPr lang="en-IN" sz="3300" dirty="0">
-              <a:latin typeface="Times New Roman"/>
-              <a:ea typeface="Calibri"/>
-              <a:cs typeface="Calibri"/>
+              <a:t>To provide push notifications for maintenance and efficiency alerts.</a:t>
+            </a:r>
+            <a:endParaRPr lang="en-US" dirty="0">
+              <a:latin typeface="Times New Roman" panose="02020503050405090304"/>
+              <a:ea typeface="Calibri" panose="020F0502020204030204"/>
+              <a:cs typeface="Calibri" panose="020F0502020204030204"/>
             </a:endParaRPr>
           </a:p>
           <a:p>
-            <a:r>
-              <a:rPr lang="en-IN" sz="3300" dirty="0">
-                <a:latin typeface="Times New Roman"/>
-                <a:ea typeface="+mn-lt"/>
-                <a:cs typeface="+mn-lt"/>
-              </a:rPr>
-              <a:t>User Profiles – Personalized preferences for different users.</a:t>
-            </a:r>
-            <a:endParaRPr lang="en-IN" sz="3300" dirty="0">
-              <a:latin typeface="Times New Roman"/>
-              <a:ea typeface="Calibri"/>
-              <a:cs typeface="Calibri"/>
+            <a:pPr marL="0" indent="0">
+              <a:buNone/>
+            </a:pPr>
+            <a:endParaRPr lang="en-US" dirty="0">
+              <a:ea typeface="Calibri" panose="020F0502020204030204"/>
+              <a:cs typeface="Calibri" panose="020F0502020204030204"/>
             </a:endParaRPr>
           </a:p>
-          <a:p>
-            <a:r>
-              <a:rPr lang="en-IN" sz="3300" dirty="0">
-                <a:latin typeface="Times New Roman"/>
-                <a:ea typeface="+mn-lt"/>
-                <a:cs typeface="+mn-lt"/>
-              </a:rPr>
-              <a:t>Smart Home Integration – Connect with IoT platforms like Alexa &amp; Google Home.</a:t>
-            </a:r>
-            <a:endParaRPr lang="en-IN" sz="3300" dirty="0">
-              <a:latin typeface="Times New Roman"/>
-              <a:ea typeface="Calibri"/>
-              <a:cs typeface="Calibri"/>
-            </a:endParaRPr>
-          </a:p>
-          <a:p>
-            <a:r>
-              <a:rPr lang="en-IN" sz="3300" dirty="0">
-                <a:latin typeface="Times New Roman"/>
-                <a:ea typeface="+mn-lt"/>
-                <a:cs typeface="+mn-lt"/>
-              </a:rPr>
-              <a:t>Energy Usage Tracking – Monitor and optimize power consumption.</a:t>
-            </a:r>
-            <a:endParaRPr lang="en-IN" sz="3300" dirty="0">
-              <a:latin typeface="Times New Roman"/>
-              <a:ea typeface="Calibri"/>
-              <a:cs typeface="Calibri"/>
-            </a:endParaRPr>
-          </a:p>
-          <a:p>
-            <a:r>
-              <a:rPr lang="en-IN" sz="3300" dirty="0">
-                <a:latin typeface="Times New Roman"/>
-                <a:ea typeface="+mn-lt"/>
-                <a:cs typeface="+mn-lt"/>
-              </a:rPr>
-              <a:t>Push Notifications – Alerts for maintenance, high energy usage, etc.</a:t>
-            </a:r>
-            <a:br>
-              <a:rPr lang="en-US" dirty="0"/>
-            </a:br>
-            <a:endParaRPr lang="en-US">
-              <a:ea typeface="Calibri"/>
-              <a:cs typeface="Calibri"/>
-            </a:endParaRPr>
-          </a:p>
-          <a:p>
-            <a:endParaRPr lang="en-IN" dirty="0">
-              <a:ea typeface="Calibri"/>
-              <a:cs typeface="Calibri"/>
-            </a:endParaRPr>
-          </a:p>
-        </p:txBody>
-      </p:sp>
-      <p:sp>
-        <p:nvSpPr>
-          <p:cNvPr id="4" name="Slide Number Placeholder 3">
-            <a:extLst>
-              <a:ext uri="{FF2B5EF4-FFF2-40B4-BE49-F238E27FC236}">
-                <a16:creationId xmlns:a16="http://schemas.microsoft.com/office/drawing/2014/main" id="{9C9AA3D6-9F2A-00F1-1A79-10A3C33A5EB6}"/>
-              </a:ext>
-            </a:extLst>
-          </p:cNvPr>
+        </p:txBody>
+      </p:sp>
+      <p:sp>
+        <p:nvSpPr>
+          <p:cNvPr id="4" name="Slide Number Placeholder 3"/>
           <p:cNvSpPr>
             <a:spLocks noGrp="1"/>
           </p:cNvSpPr>
@@ -14634,19 +15173,12 @@
           <a:p>
             <a:fld id="{BDCDBBEF-AA6C-4BA6-85B2-A17D7F280E38}" type="slidenum">
               <a:rPr lang="en-US" smtClean="0"/>
-              <a:pPr/>
-              <a:t>6</a:t>
             </a:fld>
             <a:endParaRPr lang="en-US"/>
           </a:p>
         </p:txBody>
       </p:sp>
     </p:spTree>
-    <p:extLst>
-      <p:ext uri="{BB962C8B-B14F-4D97-AF65-F5344CB8AC3E}">
-        <p14:creationId xmlns:p14="http://schemas.microsoft.com/office/powerpoint/2010/main" val="1901740065"/>
-      </p:ext>
-    </p:extLst>
   </p:cSld>
   <p:clrMapOvr>
     <a:masterClrMapping/>
@@ -14683,8 +15215,8 @@
         </p:nvSpPr>
         <p:spPr>
           <a:xfrm>
-            <a:off x="838200" y="106333"/>
-            <a:ext cx="10515600" cy="1038016"/>
+            <a:off x="838200" y="101889"/>
+            <a:ext cx="10515600" cy="1062328"/>
           </a:xfrm>
         </p:spPr>
         <p:txBody>
@@ -14695,47 +15227,21 @@
           <a:p>
             <a:r>
               <a:rPr lang="en-US" sz="4000" b="1" dirty="0">
-                <a:latin typeface="Times New Roman"/>
-                <a:cs typeface="Times New Roman"/>
+                <a:latin typeface="Times New Roman" panose="02020503050405090304"/>
+                <a:ea typeface="+mj-lt"/>
+                <a:cs typeface="+mj-lt"/>
               </a:rPr>
-              <a:t>Methodology used</a:t>
-            </a:r>
-          </a:p>
-        </p:txBody>
-      </p:sp>
-      <p:sp>
-        <p:nvSpPr>
-          <p:cNvPr id="4" name="Slide Number Placeholder 3"/>
-          <p:cNvSpPr>
-            <a:spLocks noGrp="1"/>
-          </p:cNvSpPr>
-          <p:nvPr>
-            <p:ph type="sldNum" sz="quarter" idx="12"/>
-          </p:nvPr>
-        </p:nvSpPr>
-        <p:spPr/>
-        <p:txBody>
-          <a:bodyPr/>
-          <a:lstStyle/>
-          <a:p>
-            <a:fld id="{BDCDBBEF-AA6C-4BA6-85B2-A17D7F280E38}" type="slidenum">
-              <a:rPr lang="en-US" smtClean="0"/>
-              <a:pPr/>
-              <a:t>7</a:t>
-            </a:fld>
-            <a:endParaRPr lang="en-US"/>
-          </a:p>
-        </p:txBody>
-      </p:sp>
-      <p:sp>
-        <p:nvSpPr>
-          <p:cNvPr id="9" name="Content Placeholder 8">
-            <a:extLst>
-              <a:ext uri="{FF2B5EF4-FFF2-40B4-BE49-F238E27FC236}">
-                <a16:creationId xmlns:a16="http://schemas.microsoft.com/office/drawing/2014/main" id="{49B8E463-393F-C462-6AFA-0E926D82CB0E}"/>
-              </a:ext>
-            </a:extLst>
-          </p:cNvPr>
+              <a:t>Key Features</a:t>
+            </a:r>
+            <a:endParaRPr lang="en-US" sz="4000" b="1" dirty="0">
+              <a:latin typeface="Times New Roman" panose="02020503050405090304"/>
+            </a:endParaRPr>
+          </a:p>
+        </p:txBody>
+      </p:sp>
+      <p:sp>
+        <p:nvSpPr>
+          <p:cNvPr id="3" name="Content Placeholder 2"/>
           <p:cNvSpPr>
             <a:spLocks noGrp="1"/>
           </p:cNvSpPr>
@@ -14745,181 +15251,199 @@
         </p:nvSpPr>
         <p:spPr>
           <a:xfrm>
-            <a:off x="838200" y="1092381"/>
-            <a:ext cx="10515600" cy="5228355"/>
+            <a:off x="838200" y="1160607"/>
+            <a:ext cx="10515600" cy="5141046"/>
           </a:xfrm>
         </p:spPr>
         <p:txBody>
           <a:bodyPr vert="horz" lIns="91440" tIns="45720" rIns="91440" bIns="45720" rtlCol="0" anchor="t">
-            <a:noAutofit/>
+            <a:normAutofit fontScale="85000" lnSpcReduction="20000"/>
           </a:bodyPr>
           <a:lstStyle/>
           <a:p>
             <a:r>
-              <a:rPr lang="en-US" b="1" dirty="0">
-                <a:latin typeface="Times New Roman"/>
+              <a:rPr lang="en-IN" sz="3300" dirty="0">
+                <a:latin typeface="Times New Roman" panose="02020503050405090304"/>
                 <a:ea typeface="+mn-lt"/>
                 <a:cs typeface="+mn-lt"/>
               </a:rPr>
-              <a:t>System Design</a:t>
-            </a:r>
-            <a:r>
-              <a:rPr lang="en-US" dirty="0">
-                <a:latin typeface="Times New Roman"/>
-                <a:ea typeface="+mn-lt"/>
-                <a:cs typeface="+mn-lt"/>
-              </a:rPr>
-              <a:t> – Develop a smart AC remote with a graphical interface using </a:t>
-            </a:r>
-            <a:r>
-              <a:rPr lang="en-US" err="1">
-                <a:latin typeface="Times New Roman"/>
+              <a:t>Graphical Interface (</a:t>
+            </a:r>
+            <a:r>
+              <a:rPr lang="en-IN" sz="3300" err="1">
+                <a:latin typeface="Times New Roman" panose="02020503050405090304"/>
                 <a:ea typeface="+mn-lt"/>
                 <a:cs typeface="+mn-lt"/>
               </a:rPr>
               <a:t>Tkinter</a:t>
             </a:r>
             <a:r>
-              <a:rPr lang="en-US" dirty="0">
-                <a:latin typeface="Times New Roman"/>
+              <a:rPr lang="en-IN" sz="3300" dirty="0">
+                <a:latin typeface="Times New Roman" panose="02020503050405090304"/>
                 <a:ea typeface="+mn-lt"/>
                 <a:cs typeface="+mn-lt"/>
               </a:rPr>
-              <a:t> in Python.</a:t>
-            </a:r>
-            <a:endParaRPr lang="en-US" dirty="0">
-              <a:latin typeface="Times New Roman"/>
-              <a:ea typeface="Calibri"/>
-              <a:cs typeface="Calibri"/>
+              <a:t>-based) – Easy-to-use UI for manual control.</a:t>
+            </a:r>
+            <a:endParaRPr lang="en-IN" sz="3300" dirty="0">
+              <a:latin typeface="Times New Roman" panose="02020503050405090304"/>
+              <a:ea typeface="Calibri" panose="020F0502020204030204"/>
+              <a:cs typeface="Calibri" panose="020F0502020204030204"/>
             </a:endParaRPr>
           </a:p>
           <a:p>
             <a:r>
-              <a:rPr lang="en-US" b="1" dirty="0">
-                <a:latin typeface="Times New Roman"/>
+              <a:rPr lang="en-IN" sz="3300" dirty="0">
+                <a:latin typeface="Times New Roman" panose="02020503050405090304"/>
                 <a:ea typeface="+mn-lt"/>
                 <a:cs typeface="+mn-lt"/>
               </a:rPr>
-              <a:t>Speech Recognition</a:t>
-            </a:r>
-            <a:r>
-              <a:rPr lang="en-US" dirty="0">
-                <a:latin typeface="Times New Roman"/>
+              <a:t>Voice Commands – Control AC settings via speech recognition.</a:t>
+            </a:r>
+            <a:endParaRPr lang="en-IN" sz="3300" dirty="0">
+              <a:latin typeface="Times New Roman" panose="02020503050405090304"/>
+              <a:ea typeface="Calibri" panose="020F0502020204030204"/>
+              <a:cs typeface="Calibri" panose="020F0502020204030204"/>
+            </a:endParaRPr>
+          </a:p>
+          <a:p>
+            <a:r>
+              <a:rPr lang="en-IN" sz="3300" dirty="0">
+                <a:latin typeface="Times New Roman" panose="02020503050405090304"/>
                 <a:ea typeface="+mn-lt"/>
                 <a:cs typeface="+mn-lt"/>
               </a:rPr>
-              <a:t> – Implement voice command processing for hands-free control.</a:t>
-            </a:r>
-            <a:endParaRPr lang="en-US" dirty="0">
-              <a:latin typeface="Times New Roman"/>
-              <a:ea typeface="Calibri"/>
-              <a:cs typeface="Calibri"/>
+              <a:t>Temperature Adjustment – Set desired cooling levels.</a:t>
+            </a:r>
+            <a:endParaRPr lang="en-IN" sz="3300" dirty="0">
+              <a:latin typeface="Times New Roman" panose="02020503050405090304"/>
+              <a:ea typeface="Calibri" panose="020F0502020204030204"/>
+              <a:cs typeface="Calibri" panose="020F0502020204030204"/>
             </a:endParaRPr>
           </a:p>
           <a:p>
             <a:r>
-              <a:rPr lang="en-US" b="1" dirty="0">
-                <a:latin typeface="Times New Roman"/>
+              <a:rPr lang="en-IN" sz="3300" dirty="0">
+                <a:latin typeface="Times New Roman" panose="02020503050405090304"/>
                 <a:ea typeface="+mn-lt"/>
                 <a:cs typeface="+mn-lt"/>
               </a:rPr>
-              <a:t>Smart Home Integration</a:t>
-            </a:r>
-            <a:r>
-              <a:rPr lang="en-US" dirty="0">
-                <a:latin typeface="Times New Roman"/>
+              <a:t>Fan Speed &amp; Mode Selection – Adjust fan speed &amp; switch between cooling, dry, and fan modes.</a:t>
+            </a:r>
+            <a:endParaRPr lang="en-IN" sz="3300" dirty="0">
+              <a:latin typeface="Times New Roman" panose="02020503050405090304"/>
+              <a:ea typeface="Calibri" panose="020F0502020204030204"/>
+              <a:cs typeface="Calibri" panose="020F0502020204030204"/>
+            </a:endParaRPr>
+          </a:p>
+          <a:p>
+            <a:r>
+              <a:rPr lang="en-IN" sz="3300" dirty="0">
+                <a:latin typeface="Times New Roman" panose="02020503050405090304"/>
                 <a:ea typeface="+mn-lt"/>
                 <a:cs typeface="+mn-lt"/>
               </a:rPr>
-              <a:t> – Enable connectivity with IoT platforms for seamless automation.</a:t>
-            </a:r>
-            <a:endParaRPr lang="en-US" dirty="0">
-              <a:latin typeface="Times New Roman"/>
-              <a:ea typeface="Calibri"/>
-              <a:cs typeface="Calibri"/>
+              <a:t>Timer &amp; Scheduling – Automate AC operation for efficiency.</a:t>
+            </a:r>
+            <a:endParaRPr lang="en-IN" sz="3300" dirty="0">
+              <a:latin typeface="Times New Roman" panose="02020503050405090304"/>
+              <a:ea typeface="Calibri" panose="020F0502020204030204"/>
+              <a:cs typeface="Calibri" panose="020F0502020204030204"/>
             </a:endParaRPr>
           </a:p>
           <a:p>
             <a:r>
-              <a:rPr lang="en-US" b="1" dirty="0">
-                <a:latin typeface="Times New Roman"/>
+              <a:rPr lang="en-IN" sz="3300" dirty="0">
+                <a:latin typeface="Times New Roman" panose="02020503050405090304"/>
                 <a:ea typeface="+mn-lt"/>
                 <a:cs typeface="+mn-lt"/>
               </a:rPr>
-              <a:t>User Profiles &amp; Customization</a:t>
-            </a:r>
-            <a:r>
-              <a:rPr lang="en-US" dirty="0">
-                <a:latin typeface="Times New Roman"/>
+              <a:t>User Profiles – Personalized preferences for different users.</a:t>
+            </a:r>
+            <a:endParaRPr lang="en-IN" sz="3300" dirty="0">
+              <a:latin typeface="Times New Roman" panose="02020503050405090304"/>
+              <a:ea typeface="Calibri" panose="020F0502020204030204"/>
+              <a:cs typeface="Calibri" panose="020F0502020204030204"/>
+            </a:endParaRPr>
+          </a:p>
+          <a:p>
+            <a:r>
+              <a:rPr lang="en-IN" sz="3300" dirty="0">
+                <a:latin typeface="Times New Roman" panose="02020503050405090304"/>
                 <a:ea typeface="+mn-lt"/>
                 <a:cs typeface="+mn-lt"/>
               </a:rPr>
-              <a:t> – Allow personalized settings based on user preferences.</a:t>
-            </a:r>
-            <a:endParaRPr lang="en-US" dirty="0">
-              <a:latin typeface="Times New Roman"/>
-              <a:ea typeface="Calibri"/>
-              <a:cs typeface="Calibri"/>
+              <a:t>Smart Home Integration – Connect with IoT platforms like Alexa &amp; Google Home.</a:t>
+            </a:r>
+            <a:endParaRPr lang="en-IN" sz="3300" dirty="0">
+              <a:latin typeface="Times New Roman" panose="02020503050405090304"/>
+              <a:ea typeface="Calibri" panose="020F0502020204030204"/>
+              <a:cs typeface="Calibri" panose="020F0502020204030204"/>
             </a:endParaRPr>
           </a:p>
           <a:p>
             <a:r>
-              <a:rPr lang="en-US" b="1" dirty="0">
-                <a:latin typeface="Times New Roman"/>
+              <a:rPr lang="en-IN" sz="3300" dirty="0">
+                <a:latin typeface="Times New Roman" panose="02020503050405090304"/>
                 <a:ea typeface="+mn-lt"/>
                 <a:cs typeface="+mn-lt"/>
               </a:rPr>
-              <a:t>Energy Tracking &amp; Optimization</a:t>
-            </a:r>
-            <a:r>
-              <a:rPr lang="en-US" dirty="0">
-                <a:latin typeface="Times New Roman"/>
+              <a:t>Energy Usage Tracking – Monitor and optimize power consumption.</a:t>
+            </a:r>
+            <a:endParaRPr lang="en-IN" sz="3300" dirty="0">
+              <a:latin typeface="Times New Roman" panose="02020503050405090304"/>
+              <a:ea typeface="Calibri" panose="020F0502020204030204"/>
+              <a:cs typeface="Calibri" panose="020F0502020204030204"/>
+            </a:endParaRPr>
+          </a:p>
+          <a:p>
+            <a:r>
+              <a:rPr lang="en-IN" sz="3300" dirty="0">
+                <a:latin typeface="Times New Roman" panose="02020503050405090304"/>
                 <a:ea typeface="+mn-lt"/>
                 <a:cs typeface="+mn-lt"/>
               </a:rPr>
-              <a:t> – Monitor usage and suggest energy-efficient operation.</a:t>
-            </a:r>
-            <a:endParaRPr lang="en-US" dirty="0">
-              <a:latin typeface="Times New Roman"/>
-              <a:ea typeface="Calibri"/>
-              <a:cs typeface="Calibri"/>
+              <a:t>Push Notifications – Alerts for maintenance, high energy usage, etc.</a:t>
+            </a:r>
+            <a:br>
+              <a:rPr lang="en-US" dirty="0"/>
+            </a:br>
+            <a:endParaRPr lang="en-US">
+              <a:ea typeface="Calibri" panose="020F0502020204030204"/>
+              <a:cs typeface="Calibri" panose="020F0502020204030204"/>
             </a:endParaRPr>
           </a:p>
           <a:p>
-            <a:r>
-              <a:rPr lang="en-US" b="1" dirty="0">
-                <a:latin typeface="Times New Roman"/>
-                <a:ea typeface="+mn-lt"/>
-                <a:cs typeface="+mn-lt"/>
-              </a:rPr>
-              <a:t>Testing &amp; Deployment</a:t>
-            </a:r>
-            <a:r>
-              <a:rPr lang="en-US" dirty="0">
-                <a:latin typeface="Times New Roman"/>
-                <a:ea typeface="+mn-lt"/>
-                <a:cs typeface="+mn-lt"/>
-              </a:rPr>
-              <a:t> – Conduct functional testing and integrate with smart home systems.</a:t>
-            </a:r>
-            <a:endParaRPr lang="en-US" dirty="0">
-              <a:latin typeface="Times New Roman"/>
+            <a:endParaRPr lang="en-IN" dirty="0">
+              <a:ea typeface="Calibri" panose="020F0502020204030204"/>
+              <a:cs typeface="Calibri" panose="020F0502020204030204"/>
             </a:endParaRPr>
           </a:p>
-          <a:p>
-            <a:endParaRPr lang="en-US" dirty="0">
-              <a:ea typeface="Calibri"/>
-              <a:cs typeface="Calibri"/>
-            </a:endParaRPr>
+        </p:txBody>
+      </p:sp>
+      <p:sp>
+        <p:nvSpPr>
+          <p:cNvPr id="4" name="Slide Number Placeholder 3"/>
+          <p:cNvSpPr>
+            <a:spLocks noGrp="1"/>
+          </p:cNvSpPr>
+          <p:nvPr>
+            <p:ph type="sldNum" sz="quarter" idx="12"/>
+          </p:nvPr>
+        </p:nvSpPr>
+        <p:spPr/>
+        <p:txBody>
+          <a:bodyPr/>
+          <a:lstStyle/>
+          <a:p>
+            <a:fld id="{BDCDBBEF-AA6C-4BA6-85B2-A17D7F280E38}" type="slidenum">
+              <a:rPr lang="en-US" smtClean="0"/>
+            </a:fld>
+            <a:endParaRPr lang="en-US"/>
           </a:p>
         </p:txBody>
       </p:sp>
     </p:spTree>
-    <p:extLst>
-      <p:ext uri="{BB962C8B-B14F-4D97-AF65-F5344CB8AC3E}">
-        <p14:creationId xmlns:p14="http://schemas.microsoft.com/office/powerpoint/2010/main" val="3506840607"/>
-      </p:ext>
-    </p:extLst>
   </p:cSld>
   <p:clrMapOvr>
     <a:masterClrMapping/>
@@ -14946,13 +15470,7 @@
       </p:grpSpPr>
       <p:sp>
         <p:nvSpPr>
-          <p:cNvPr id="2" name="Title 1">
-            <a:extLst>
-              <a:ext uri="{FF2B5EF4-FFF2-40B4-BE49-F238E27FC236}">
-                <a16:creationId xmlns:a16="http://schemas.microsoft.com/office/drawing/2014/main" id="{0B6201D9-A791-B4F3-DF68-C98A61A12861}"/>
-              </a:ext>
-            </a:extLst>
-          </p:cNvPr>
+          <p:cNvPr id="2" name="Title 1"/>
           <p:cNvSpPr>
             <a:spLocks noGrp="1"/>
           </p:cNvSpPr>
@@ -14962,8 +15480,8 @@
         </p:nvSpPr>
         <p:spPr>
           <a:xfrm>
-            <a:off x="838200" y="101888"/>
-            <a:ext cx="10515600" cy="868364"/>
+            <a:off x="838200" y="106333"/>
+            <a:ext cx="10515600" cy="1038016"/>
           </a:xfrm>
         </p:spPr>
         <p:txBody>
@@ -14974,27 +15492,43 @@
           <a:p>
             <a:r>
               <a:rPr lang="en-US" sz="4000" b="1" dirty="0">
-                <a:latin typeface="Times New Roman"/>
-                <a:ea typeface="+mj-lt"/>
-                <a:cs typeface="+mj-lt"/>
+                <a:latin typeface="Times New Roman" panose="02020503050405090304"/>
+                <a:cs typeface="Times New Roman" panose="02020503050405090304"/>
               </a:rPr>
-              <a:t>System Architecture</a:t>
+              <a:t>Methodology used</a:t>
             </a:r>
             <a:endParaRPr lang="en-US" sz="4000" b="1" dirty="0">
-              <a:latin typeface="Times New Roman"/>
+              <a:latin typeface="Times New Roman" panose="02020503050405090304"/>
+              <a:cs typeface="Times New Roman" panose="02020503050405090304"/>
             </a:endParaRPr>
           </a:p>
         </p:txBody>
       </p:sp>
       <p:sp>
         <p:nvSpPr>
-          <p:cNvPr id="3" name="Content Placeholder 2">
-            <a:extLst>
-              <a:ext uri="{FF2B5EF4-FFF2-40B4-BE49-F238E27FC236}">
-                <a16:creationId xmlns:a16="http://schemas.microsoft.com/office/drawing/2014/main" id="{CD8B2A42-8DD0-93E5-1643-9CB75D186B49}"/>
-              </a:ext>
-            </a:extLst>
-          </p:cNvPr>
+          <p:cNvPr id="4" name="Slide Number Placeholder 3"/>
+          <p:cNvSpPr>
+            <a:spLocks noGrp="1"/>
+          </p:cNvSpPr>
+          <p:nvPr>
+            <p:ph type="sldNum" sz="quarter" idx="12"/>
+          </p:nvPr>
+        </p:nvSpPr>
+        <p:spPr/>
+        <p:txBody>
+          <a:bodyPr/>
+          <a:lstStyle/>
+          <a:p>
+            <a:fld id="{BDCDBBEF-AA6C-4BA6-85B2-A17D7F280E38}" type="slidenum">
+              <a:rPr lang="en-US" smtClean="0"/>
+            </a:fld>
+            <a:endParaRPr lang="en-US"/>
+          </a:p>
+        </p:txBody>
+      </p:sp>
+      <p:sp>
+        <p:nvSpPr>
+          <p:cNvPr id="9" name="Content Placeholder 8"/>
           <p:cNvSpPr>
             <a:spLocks noGrp="1"/>
           </p:cNvSpPr>
@@ -15002,92 +15536,178 @@
             <p:ph idx="1"/>
           </p:nvPr>
         </p:nvSpPr>
-        <p:spPr/>
+        <p:spPr>
+          <a:xfrm>
+            <a:off x="838200" y="1092381"/>
+            <a:ext cx="10515600" cy="5228355"/>
+          </a:xfrm>
+        </p:spPr>
         <p:txBody>
           <a:bodyPr vert="horz" lIns="91440" tIns="45720" rIns="91440" bIns="45720" rtlCol="0" anchor="t">
-            <a:normAutofit/>
+            <a:noAutofit/>
           </a:bodyPr>
           <a:lstStyle/>
           <a:p>
-            <a:pPr marL="0" indent="0">
-              <a:buNone/>
-            </a:pPr>
-            <a:endParaRPr lang="en-US" sz="2400" dirty="0">
-              <a:ea typeface="Calibri"/>
-              <a:cs typeface="Calibri"/>
+            <a:r>
+              <a:rPr lang="en-US" b="1" dirty="0">
+                <a:latin typeface="Times New Roman" panose="02020503050405090304"/>
+                <a:ea typeface="+mn-lt"/>
+                <a:cs typeface="+mn-lt"/>
+              </a:rPr>
+              <a:t>System Design</a:t>
+            </a:r>
+            <a:r>
+              <a:rPr lang="en-US" dirty="0">
+                <a:latin typeface="Times New Roman" panose="02020503050405090304"/>
+                <a:ea typeface="+mn-lt"/>
+                <a:cs typeface="+mn-lt"/>
+              </a:rPr>
+              <a:t> – Develop a smart AC remote with a graphical interface using </a:t>
+            </a:r>
+            <a:r>
+              <a:rPr lang="en-US" err="1">
+                <a:latin typeface="Times New Roman" panose="02020503050405090304"/>
+                <a:ea typeface="+mn-lt"/>
+                <a:cs typeface="+mn-lt"/>
+              </a:rPr>
+              <a:t>Tkinter</a:t>
+            </a:r>
+            <a:r>
+              <a:rPr lang="en-US" dirty="0">
+                <a:latin typeface="Times New Roman" panose="02020503050405090304"/>
+                <a:ea typeface="+mn-lt"/>
+                <a:cs typeface="+mn-lt"/>
+              </a:rPr>
+              <a:t> in Python.</a:t>
+            </a:r>
+            <a:endParaRPr lang="en-US" dirty="0">
+              <a:latin typeface="Times New Roman" panose="02020503050405090304"/>
+              <a:ea typeface="Calibri" panose="020F0502020204030204"/>
+              <a:cs typeface="Calibri" panose="020F0502020204030204"/>
             </a:endParaRPr>
           </a:p>
           <a:p>
-            <a:endParaRPr lang="en-IN" sz="2400" b="1" dirty="0"/>
-          </a:p>
-        </p:txBody>
-      </p:sp>
-      <p:sp>
-        <p:nvSpPr>
-          <p:cNvPr id="4" name="Slide Number Placeholder 3">
-            <a:extLst>
-              <a:ext uri="{FF2B5EF4-FFF2-40B4-BE49-F238E27FC236}">
-                <a16:creationId xmlns:a16="http://schemas.microsoft.com/office/drawing/2014/main" id="{450F8BB2-69BB-2753-8A5B-AA062A4AB3AB}"/>
-              </a:ext>
-            </a:extLst>
-          </p:cNvPr>
-          <p:cNvSpPr>
-            <a:spLocks noGrp="1"/>
-          </p:cNvSpPr>
-          <p:nvPr>
-            <p:ph type="sldNum" sz="quarter" idx="12"/>
-          </p:nvPr>
-        </p:nvSpPr>
-        <p:spPr/>
-        <p:txBody>
-          <a:bodyPr/>
-          <a:lstStyle/>
-          <a:p>
-            <a:fld id="{BDCDBBEF-AA6C-4BA6-85B2-A17D7F280E38}" type="slidenum">
-              <a:rPr lang="en-US" smtClean="0"/>
-              <a:pPr/>
-              <a:t>8</a:t>
-            </a:fld>
-            <a:endParaRPr lang="en-US"/>
-          </a:p>
-        </p:txBody>
-      </p:sp>
-      <p:pic>
-        <p:nvPicPr>
-          <p:cNvPr id="6" name="Picture 5">
-            <a:extLst>
-              <a:ext uri="{FF2B5EF4-FFF2-40B4-BE49-F238E27FC236}">
-                <a16:creationId xmlns:a16="http://schemas.microsoft.com/office/drawing/2014/main" id="{E8FC87FC-6FE3-808E-FCB7-BEAE43219CA8}"/>
-              </a:ext>
-            </a:extLst>
-          </p:cNvPr>
-          <p:cNvPicPr>
-            <a:picLocks noChangeAspect="1"/>
-          </p:cNvPicPr>
-          <p:nvPr/>
-        </p:nvPicPr>
-        <p:blipFill>
-          <a:blip r:embed="rId2"/>
-          <a:stretch>
-            <a:fillRect/>
-          </a:stretch>
-        </p:blipFill>
-        <p:spPr>
-          <a:xfrm>
-            <a:off x="2522733" y="813040"/>
-            <a:ext cx="7146533" cy="5725872"/>
-          </a:xfrm>
-          <a:prstGeom prst="rect">
-            <a:avLst/>
-          </a:prstGeom>
-        </p:spPr>
-      </p:pic>
+            <a:r>
+              <a:rPr lang="en-US" b="1" dirty="0">
+                <a:latin typeface="Times New Roman" panose="02020503050405090304"/>
+                <a:ea typeface="+mn-lt"/>
+                <a:cs typeface="+mn-lt"/>
+              </a:rPr>
+              <a:t>Speech Recognition</a:t>
+            </a:r>
+            <a:r>
+              <a:rPr lang="en-US" dirty="0">
+                <a:latin typeface="Times New Roman" panose="02020503050405090304"/>
+                <a:ea typeface="+mn-lt"/>
+                <a:cs typeface="+mn-lt"/>
+              </a:rPr>
+              <a:t> – Implement voice command processing for hands-free control.</a:t>
+            </a:r>
+            <a:endParaRPr lang="en-US" dirty="0">
+              <a:latin typeface="Times New Roman" panose="02020503050405090304"/>
+              <a:ea typeface="Calibri" panose="020F0502020204030204"/>
+              <a:cs typeface="Calibri" panose="020F0502020204030204"/>
+            </a:endParaRPr>
+          </a:p>
+          <a:p>
+            <a:r>
+              <a:rPr lang="en-US" b="1" dirty="0">
+                <a:latin typeface="Times New Roman" panose="02020503050405090304"/>
+                <a:ea typeface="+mn-lt"/>
+                <a:cs typeface="+mn-lt"/>
+              </a:rPr>
+              <a:t>Smart Home Integration</a:t>
+            </a:r>
+            <a:r>
+              <a:rPr lang="en-US" dirty="0">
+                <a:latin typeface="Times New Roman" panose="02020503050405090304"/>
+                <a:ea typeface="+mn-lt"/>
+                <a:cs typeface="+mn-lt"/>
+              </a:rPr>
+              <a:t> – Enable connectivity with IoT platforms for seamless automation.</a:t>
+            </a:r>
+            <a:endParaRPr lang="en-US" dirty="0">
+              <a:latin typeface="Times New Roman" panose="02020503050405090304"/>
+              <a:ea typeface="Calibri" panose="020F0502020204030204"/>
+              <a:cs typeface="Calibri" panose="020F0502020204030204"/>
+            </a:endParaRPr>
+          </a:p>
+          <a:p>
+            <a:r>
+              <a:rPr lang="en-US" b="1" dirty="0">
+                <a:latin typeface="Times New Roman" panose="02020503050405090304"/>
+                <a:ea typeface="+mn-lt"/>
+                <a:cs typeface="+mn-lt"/>
+              </a:rPr>
+              <a:t>User Profiles &amp; Customization</a:t>
+            </a:r>
+            <a:r>
+              <a:rPr lang="en-US" dirty="0">
+                <a:latin typeface="Times New Roman" panose="02020503050405090304"/>
+                <a:ea typeface="+mn-lt"/>
+                <a:cs typeface="+mn-lt"/>
+              </a:rPr>
+              <a:t> – Allow personalized settings based on user preferences.</a:t>
+            </a:r>
+            <a:endParaRPr lang="en-US" dirty="0">
+              <a:latin typeface="Times New Roman" panose="02020503050405090304"/>
+              <a:ea typeface="Calibri" panose="020F0502020204030204"/>
+              <a:cs typeface="Calibri" panose="020F0502020204030204"/>
+            </a:endParaRPr>
+          </a:p>
+          <a:p>
+            <a:r>
+              <a:rPr lang="en-US" b="1" dirty="0">
+                <a:latin typeface="Times New Roman" panose="02020503050405090304"/>
+                <a:ea typeface="+mn-lt"/>
+                <a:cs typeface="+mn-lt"/>
+              </a:rPr>
+              <a:t>Energy Tracking &amp; Optimization</a:t>
+            </a:r>
+            <a:r>
+              <a:rPr lang="en-US" dirty="0">
+                <a:latin typeface="Times New Roman" panose="02020503050405090304"/>
+                <a:ea typeface="+mn-lt"/>
+                <a:cs typeface="+mn-lt"/>
+              </a:rPr>
+              <a:t> – Monitor usage and suggest energy-efficient operation.</a:t>
+            </a:r>
+            <a:endParaRPr lang="en-US" dirty="0">
+              <a:latin typeface="Times New Roman" panose="02020503050405090304"/>
+              <a:ea typeface="Calibri" panose="020F0502020204030204"/>
+              <a:cs typeface="Calibri" panose="020F0502020204030204"/>
+            </a:endParaRPr>
+          </a:p>
+          <a:p>
+            <a:r>
+              <a:rPr lang="en-US" b="1" dirty="0">
+                <a:latin typeface="Times New Roman" panose="02020503050405090304"/>
+                <a:ea typeface="+mn-lt"/>
+                <a:cs typeface="+mn-lt"/>
+              </a:rPr>
+              <a:t>Testing &amp; Deployment</a:t>
+            </a:r>
+            <a:r>
+              <a:rPr lang="en-US" dirty="0">
+                <a:latin typeface="Times New Roman" panose="02020503050405090304"/>
+                <a:ea typeface="+mn-lt"/>
+                <a:cs typeface="+mn-lt"/>
+              </a:rPr>
+              <a:t> – Conduct functional testing and integrate with smart home systems.</a:t>
+            </a:r>
+            <a:endParaRPr lang="en-US" dirty="0">
+              <a:latin typeface="Times New Roman" panose="02020503050405090304"/>
+            </a:endParaRPr>
+          </a:p>
+          <a:p>
+            <a:endParaRPr lang="en-US" dirty="0">
+              <a:ea typeface="Calibri" panose="020F0502020204030204"/>
+              <a:cs typeface="Calibri" panose="020F0502020204030204"/>
+            </a:endParaRPr>
+          </a:p>
+        </p:txBody>
+      </p:sp>
     </p:spTree>
-    <p:extLst>
-      <p:ext uri="{BB962C8B-B14F-4D97-AF65-F5344CB8AC3E}">
-        <p14:creationId xmlns:p14="http://schemas.microsoft.com/office/powerpoint/2010/main" val="280402216"/>
-      </p:ext>
-    </p:extLst>
   </p:cSld>
   <p:clrMapOvr>
     <a:masterClrMapping/>
@@ -15114,13 +15734,7 @@
       </p:grpSpPr>
       <p:sp>
         <p:nvSpPr>
-          <p:cNvPr id="2" name="Title 1">
-            <a:extLst>
-              <a:ext uri="{FF2B5EF4-FFF2-40B4-BE49-F238E27FC236}">
-                <a16:creationId xmlns:a16="http://schemas.microsoft.com/office/drawing/2014/main" id="{932E3EF6-5DC2-D9EB-2B90-FA7E98424C5E}"/>
-              </a:ext>
-            </a:extLst>
-          </p:cNvPr>
+          <p:cNvPr id="2" name="Title 1"/>
           <p:cNvSpPr>
             <a:spLocks noGrp="1"/>
           </p:cNvSpPr>
@@ -15128,7 +15742,12 @@
             <p:ph type="title"/>
           </p:nvPr>
         </p:nvSpPr>
-        <p:spPr/>
+        <p:spPr>
+          <a:xfrm>
+            <a:off x="838200" y="101888"/>
+            <a:ext cx="10515600" cy="868364"/>
+          </a:xfrm>
+        </p:spPr>
         <p:txBody>
           <a:bodyPr>
             <a:normAutofit/>
@@ -15136,28 +15755,22 @@
           <a:lstStyle/>
           <a:p>
             <a:r>
-              <a:rPr lang="en-US" sz="4000" b="1">
-                <a:latin typeface="Times New Roman"/>
+              <a:rPr lang="en-US" sz="4000" b="1" dirty="0">
+                <a:latin typeface="Times New Roman" panose="02020503050405090304"/>
                 <a:ea typeface="+mj-lt"/>
                 <a:cs typeface="+mj-lt"/>
               </a:rPr>
-              <a:t>Challenges </a:t>
-            </a:r>
-            <a:endParaRPr lang="en-US" sz="4000" b="1">
-              <a:latin typeface="Times New Roman"/>
+              <a:t>System Architecture</a:t>
+            </a:r>
+            <a:endParaRPr lang="en-US" sz="4000" b="1" dirty="0">
+              <a:latin typeface="Times New Roman" panose="02020503050405090304"/>
             </a:endParaRPr>
           </a:p>
         </p:txBody>
       </p:sp>
       <p:sp>
         <p:nvSpPr>
-          <p:cNvPr id="3" name="Content Placeholder 2">
-            <a:extLst>
-              <a:ext uri="{FF2B5EF4-FFF2-40B4-BE49-F238E27FC236}">
-                <a16:creationId xmlns:a16="http://schemas.microsoft.com/office/drawing/2014/main" id="{03758032-0E39-6E57-AF6A-E42D28041474}"/>
-              </a:ext>
-            </a:extLst>
-          </p:cNvPr>
+          <p:cNvPr id="3" name="Content Placeholder 2"/>
           <p:cNvSpPr>
             <a:spLocks noGrp="1"/>
           </p:cNvSpPr>
@@ -15172,82 +15785,22 @@
           </a:bodyPr>
           <a:lstStyle/>
           <a:p>
-            <a:pPr>
-              <a:buFont typeface="Arial"/>
-              <a:buChar char="•"/>
+            <a:pPr marL="0" indent="0">
+              <a:buNone/>
             </a:pPr>
-            <a:r>
-              <a:rPr lang="en-US" dirty="0">
-                <a:latin typeface="Times New Roman"/>
-                <a:ea typeface="+mn-lt"/>
-                <a:cs typeface="+mn-lt"/>
-              </a:rPr>
-              <a:t>Accurate speech recognition in noisy environments.</a:t>
-            </a:r>
-            <a:endParaRPr lang="en-US">
-              <a:latin typeface="Times New Roman"/>
-              <a:cs typeface="Times New Roman"/>
+            <a:endParaRPr lang="en-US" sz="2400" dirty="0">
+              <a:ea typeface="Calibri" panose="020F0502020204030204"/>
+              <a:cs typeface="Calibri" panose="020F0502020204030204"/>
             </a:endParaRPr>
           </a:p>
           <a:p>
-            <a:pPr>
-              <a:buFont typeface="Arial"/>
-            </a:pPr>
-            <a:r>
-              <a:rPr lang="en-US" dirty="0">
-                <a:latin typeface="Times New Roman"/>
-                <a:ea typeface="+mn-lt"/>
-                <a:cs typeface="+mn-lt"/>
-              </a:rPr>
-              <a:t>Ensuring compatibility with various AC models.</a:t>
-            </a:r>
-          </a:p>
-          <a:p>
-            <a:pPr>
-              <a:buFont typeface="Arial"/>
-            </a:pPr>
-            <a:r>
-              <a:rPr lang="en-US" dirty="0">
-                <a:latin typeface="Times New Roman"/>
-                <a:ea typeface="+mn-lt"/>
-                <a:cs typeface="+mn-lt"/>
-              </a:rPr>
-              <a:t>Optimizing response time for smooth user experience.</a:t>
-            </a:r>
-          </a:p>
-          <a:p>
-            <a:pPr>
-              <a:buFont typeface="Arial"/>
-            </a:pPr>
-            <a:r>
-              <a:rPr lang="en-US" dirty="0">
-                <a:latin typeface="Times New Roman"/>
-                <a:ea typeface="+mn-lt"/>
-                <a:cs typeface="+mn-lt"/>
-              </a:rPr>
-              <a:t>Smart home integration with different platforms.</a:t>
-            </a:r>
-          </a:p>
-          <a:p>
-            <a:pPr marL="0" indent="0">
-              <a:buNone/>
-            </a:pPr>
-            <a:endParaRPr lang="en-US" dirty="0">
-              <a:ea typeface="Calibri"/>
-              <a:cs typeface="Calibri"/>
-            </a:endParaRPr>
-          </a:p>
-        </p:txBody>
-      </p:sp>
-      <p:sp>
-        <p:nvSpPr>
-          <p:cNvPr id="4" name="Slide Number Placeholder 3">
-            <a:extLst>
-              <a:ext uri="{FF2B5EF4-FFF2-40B4-BE49-F238E27FC236}">
-                <a16:creationId xmlns:a16="http://schemas.microsoft.com/office/drawing/2014/main" id="{676C43E2-0FB6-D80C-C5F2-576378266522}"/>
-              </a:ext>
-            </a:extLst>
-          </p:cNvPr>
+            <a:endParaRPr lang="en-IN" sz="2400" b="1" dirty="0"/>
+          </a:p>
+        </p:txBody>
+      </p:sp>
+      <p:sp>
+        <p:nvSpPr>
+          <p:cNvPr id="4" name="Slide Number Placeholder 3"/>
           <p:cNvSpPr>
             <a:spLocks noGrp="1"/>
           </p:cNvSpPr>
@@ -15262,19 +15815,36 @@
           <a:p>
             <a:fld id="{BDCDBBEF-AA6C-4BA6-85B2-A17D7F280E38}" type="slidenum">
               <a:rPr lang="en-US" smtClean="0"/>
-              <a:pPr/>
-              <a:t>9</a:t>
             </a:fld>
             <a:endParaRPr lang="en-US"/>
           </a:p>
         </p:txBody>
       </p:sp>
+      <p:pic>
+        <p:nvPicPr>
+          <p:cNvPr id="6" name="Picture 5"/>
+          <p:cNvPicPr>
+            <a:picLocks noChangeAspect="1"/>
+          </p:cNvPicPr>
+          <p:nvPr/>
+        </p:nvPicPr>
+        <p:blipFill>
+          <a:blip r:embed="rId1"/>
+          <a:stretch>
+            <a:fillRect/>
+          </a:stretch>
+        </p:blipFill>
+        <p:spPr>
+          <a:xfrm>
+            <a:off x="2522733" y="813040"/>
+            <a:ext cx="7146533" cy="5725872"/>
+          </a:xfrm>
+          <a:prstGeom prst="rect">
+            <a:avLst/>
+          </a:prstGeom>
+        </p:spPr>
+      </p:pic>
     </p:spTree>
-    <p:extLst>
-      <p:ext uri="{BB962C8B-B14F-4D97-AF65-F5344CB8AC3E}">
-        <p14:creationId xmlns:p14="http://schemas.microsoft.com/office/powerpoint/2010/main" val="1971481094"/>
-      </p:ext>
-    </p:extLst>
   </p:cSld>
   <p:clrMapOvr>
     <a:masterClrMapping/>
@@ -15533,8 +16103,6 @@
       </a:bgFillStyleLst>
     </a:fmtScheme>
   </a:themeElements>
-  <a:objectDefaults/>
-  <a:extraClrSchemeLst/>
   <a:extLst>
     <a:ext uri="{05A4C25C-085E-4340-85A3-A5531E510DB2}">
       <thm15:themeFamily xmlns:thm15="http://schemas.microsoft.com/office/thememl/2012/main" name="Office Theme" id="{62F939B6-93AF-4DB8-9C6B-D6C7DFDC589F}" vid="{4A3C46E8-61CC-4603-A589-7422A47A8E4A}"/>
@@ -15794,8 +16362,6 @@
       </a:bgFillStyleLst>
     </a:fmtScheme>
   </a:themeElements>
-  <a:objectDefaults/>
-  <a:extraClrSchemeLst/>
   <a:extLst>
     <a:ext uri="{05A4C25C-085E-4340-85A3-A5531E510DB2}">
       <thm15:themeFamily xmlns:thm15="http://schemas.microsoft.com/office/thememl/2012/main" name="Office Theme" id="{62F939B6-93AF-4DB8-9C6B-D6C7DFDC589F}" vid="{4A3C46E8-61CC-4603-A589-7422A47A8E4A}"/>
@@ -16055,7 +16621,11 @@
       </a:style>
     </a:spDef>
   </a:objectDefaults>
-  <a:extraClrSchemeLst/>
+  <a:extLst>
+    <a:ext uri="{05A4C25C-085E-4340-85A3-A5531E510DB2}">
+      <thm15:themeFamily xmlns:thm15="http://schemas.microsoft.com/office/thememl/2012/main" name="Office Theme" id="{62F939B6-93AF-4DB8-9C6B-D6C7DFDC589F}" vid="{4A3C46E8-61CC-4603-A589-7422A47A8E4A}"/>
+    </a:ext>
+  </a:extLst>
 </a:theme>
 </file>
 
@@ -16310,8 +16880,6 @@
       </a:bgFillStyleLst>
     </a:fmtScheme>
   </a:themeElements>
-  <a:objectDefaults/>
-  <a:extraClrSchemeLst/>
   <a:extLst>
     <a:ext uri="{05A4C25C-085E-4340-85A3-A5531E510DB2}">
       <thm15:themeFamily xmlns:thm15="http://schemas.microsoft.com/office/thememl/2012/main" name="Office Theme" id="{62F939B6-93AF-4DB8-9C6B-D6C7DFDC589F}" vid="{4A3C46E8-61CC-4603-A589-7422A47A8E4A}"/>
@@ -16571,8 +17139,6 @@
       </a:bgFillStyleLst>
     </a:fmtScheme>
   </a:themeElements>
-  <a:objectDefaults/>
-  <a:extraClrSchemeLst/>
   <a:extLst>
     <a:ext uri="{05A4C25C-085E-4340-85A3-A5531E510DB2}">
       <thm15:themeFamily xmlns:thm15="http://schemas.microsoft.com/office/thememl/2012/main" name="Office Theme" id="{62F939B6-93AF-4DB8-9C6B-D6C7DFDC589F}" vid="{4A3C46E8-61CC-4603-A589-7422A47A8E4A}"/>
